--- a/labResult/example1-5/新建 Microsoft PowerPoint 演示文稿.pptx
+++ b/labResult/example1-5/新建 Microsoft PowerPoint 演示文稿.pptx
@@ -1,20 +1,20 @@
 
 <file path=ppt/presentation.xml><?xml version="1.0" encoding="utf-8"?>
-<p:presentation xmlns:a="http://schemas.openxmlformats.org/drawingml/2006/main" xmlns:r="http://schemas.openxmlformats.org/officeDocument/2006/relationships" xmlns:p="http://schemas.openxmlformats.org/presentationml/2006/main" saveSubsetFonts="1">
+<p:presentation xmlns:a="http://schemas.openxmlformats.org/drawingml/2006/main" xmlns:r="http://schemas.openxmlformats.org/officeDocument/2006/relationships" xmlns:p="http://schemas.openxmlformats.org/presentationml/2006/main">
   <p:sldMasterIdLst>
     <p:sldMasterId id="2147483648" r:id="rId1"/>
   </p:sldMasterIdLst>
   <p:sldIdLst>
-    <p:sldId id="256" r:id="rId2"/>
-    <p:sldId id="257" r:id="rId3"/>
-    <p:sldId id="258" r:id="rId4"/>
-    <p:sldId id="259" r:id="rId5"/>
-    <p:sldId id="260" r:id="rId6"/>
-    <p:sldId id="261" r:id="rId7"/>
-    <p:sldId id="264" r:id="rId8"/>
-    <p:sldId id="262" r:id="rId9"/>
-    <p:sldId id="263" r:id="rId10"/>
-    <p:sldId id="265" r:id="rId11"/>
+    <p:sldId id="256" r:id="rId3"/>
+    <p:sldId id="257" r:id="rId4"/>
+    <p:sldId id="258" r:id="rId5"/>
+    <p:sldId id="259" r:id="rId6"/>
+    <p:sldId id="260" r:id="rId7"/>
+    <p:sldId id="261" r:id="rId8"/>
+    <p:sldId id="264" r:id="rId9"/>
+    <p:sldId id="262" r:id="rId10"/>
+    <p:sldId id="263" r:id="rId11"/>
+    <p:sldId id="265" r:id="rId12"/>
   </p:sldIdLst>
   <p:sldSz cx="12192000" cy="6858000"/>
   <p:notesSz cx="6858000" cy="9144000"/>
@@ -113,11 +113,6 @@
       </a:defRPr>
     </a:lvl9pPr>
   </p:defaultTextStyle>
-  <p:extLst>
-    <p:ext uri="{EFAFB233-063F-42B5-8137-9DF3F51BA10A}">
-      <p15:sldGuideLst xmlns:p15="http://schemas.microsoft.com/office/powerpoint/2012/main"/>
-    </p:ext>
-  </p:extLst>
 </p:presentation>
 </file>
 
@@ -140,13 +135,7 @@
       </p:grpSpPr>
       <p:sp>
         <p:nvSpPr>
-          <p:cNvPr id="2" name="标题 1">
-            <a:extLst>
-              <a:ext uri="{FF2B5EF4-FFF2-40B4-BE49-F238E27FC236}">
-                <a16:creationId xmlns:a16="http://schemas.microsoft.com/office/drawing/2014/main" id="{9ED09465-68F4-53FA-CFF2-8201D536494F}"/>
-              </a:ext>
-            </a:extLst>
-          </p:cNvPr>
+          <p:cNvPr id="2" name="标题 1"/>
           <p:cNvSpPr>
             <a:spLocks noGrp="1"/>
           </p:cNvSpPr>
@@ -172,18 +161,13 @@
               <a:rPr lang="zh-CN" altLang="en-US"/>
               <a:t>单击此处编辑母版标题样式</a:t>
             </a:r>
-          </a:p>
-        </p:txBody>
-      </p:sp>
-      <p:sp>
-        <p:nvSpPr>
-          <p:cNvPr id="3" name="副标题 2">
-            <a:extLst>
-              <a:ext uri="{FF2B5EF4-FFF2-40B4-BE49-F238E27FC236}">
-                <a16:creationId xmlns:a16="http://schemas.microsoft.com/office/drawing/2014/main" id="{52A31941-822D-E5FD-0004-EE9E3B6DC39E}"/>
-              </a:ext>
-            </a:extLst>
-          </p:cNvPr>
+            <a:endParaRPr lang="zh-CN" altLang="en-US"/>
+          </a:p>
+        </p:txBody>
+      </p:sp>
+      <p:sp>
+        <p:nvSpPr>
+          <p:cNvPr id="3" name="副标题 2"/>
           <p:cNvSpPr>
             <a:spLocks noGrp="1"/>
           </p:cNvSpPr>
@@ -242,18 +226,13 @@
               <a:rPr lang="zh-CN" altLang="en-US"/>
               <a:t>单击此处编辑母版副标题样式</a:t>
             </a:r>
-          </a:p>
-        </p:txBody>
-      </p:sp>
-      <p:sp>
-        <p:nvSpPr>
-          <p:cNvPr id="4" name="日期占位符 3">
-            <a:extLst>
-              <a:ext uri="{FF2B5EF4-FFF2-40B4-BE49-F238E27FC236}">
-                <a16:creationId xmlns:a16="http://schemas.microsoft.com/office/drawing/2014/main" id="{B49D6499-41C1-6511-2EBC-58171EF592CA}"/>
-              </a:ext>
-            </a:extLst>
-          </p:cNvPr>
+            <a:endParaRPr lang="zh-CN" altLang="en-US"/>
+          </a:p>
+        </p:txBody>
+      </p:sp>
+      <p:sp>
+        <p:nvSpPr>
+          <p:cNvPr id="4" name="日期占位符 3"/>
           <p:cNvSpPr>
             <a:spLocks noGrp="1"/>
           </p:cNvSpPr>
@@ -268,7 +247,6 @@
           <a:p>
             <a:fld id="{67A232F3-C438-4792-BCA8-CABA308BA0BD}" type="datetimeFigureOut">
               <a:rPr lang="zh-CN" altLang="en-US" smtClean="0"/>
-              <a:t>2025/6/9</a:t>
             </a:fld>
             <a:endParaRPr lang="zh-CN" altLang="en-US"/>
           </a:p>
@@ -276,13 +254,7 @@
       </p:sp>
       <p:sp>
         <p:nvSpPr>
-          <p:cNvPr id="5" name="页脚占位符 4">
-            <a:extLst>
-              <a:ext uri="{FF2B5EF4-FFF2-40B4-BE49-F238E27FC236}">
-                <a16:creationId xmlns:a16="http://schemas.microsoft.com/office/drawing/2014/main" id="{9F54A594-6D24-7165-18B6-830BC11719D8}"/>
-              </a:ext>
-            </a:extLst>
-          </p:cNvPr>
+          <p:cNvPr id="5" name="页脚占位符 4"/>
           <p:cNvSpPr>
             <a:spLocks noGrp="1"/>
           </p:cNvSpPr>
@@ -301,13 +273,7 @@
       </p:sp>
       <p:sp>
         <p:nvSpPr>
-          <p:cNvPr id="6" name="灯片编号占位符 5">
-            <a:extLst>
-              <a:ext uri="{FF2B5EF4-FFF2-40B4-BE49-F238E27FC236}">
-                <a16:creationId xmlns:a16="http://schemas.microsoft.com/office/drawing/2014/main" id="{1FA4DDE6-CA0D-1086-FBDC-F6E03B3833C6}"/>
-              </a:ext>
-            </a:extLst>
-          </p:cNvPr>
+          <p:cNvPr id="6" name="灯片编号占位符 5"/>
           <p:cNvSpPr>
             <a:spLocks noGrp="1"/>
           </p:cNvSpPr>
@@ -322,18 +288,12 @@
           <a:p>
             <a:fld id="{484FCD43-2353-4716-8F21-3B25CF08E3DC}" type="slidenum">
               <a:rPr lang="zh-CN" altLang="en-US" smtClean="0"/>
-              <a:t>‹#›</a:t>
             </a:fld>
             <a:endParaRPr lang="zh-CN" altLang="en-US"/>
           </a:p>
         </p:txBody>
       </p:sp>
     </p:spTree>
-    <p:extLst>
-      <p:ext uri="{BB962C8B-B14F-4D97-AF65-F5344CB8AC3E}">
-        <p14:creationId xmlns:p14="http://schemas.microsoft.com/office/powerpoint/2010/main" val="1721620299"/>
-      </p:ext>
-    </p:extLst>
   </p:cSld>
   <p:clrMapOvr>
     <a:masterClrMapping/>
@@ -360,13 +320,7 @@
       </p:grpSpPr>
       <p:sp>
         <p:nvSpPr>
-          <p:cNvPr id="2" name="标题 1">
-            <a:extLst>
-              <a:ext uri="{FF2B5EF4-FFF2-40B4-BE49-F238E27FC236}">
-                <a16:creationId xmlns:a16="http://schemas.microsoft.com/office/drawing/2014/main" id="{9E3FCA30-4B76-A2D5-71C4-ABAF68B1E2FA}"/>
-              </a:ext>
-            </a:extLst>
-          </p:cNvPr>
+          <p:cNvPr id="2" name="标题 1"/>
           <p:cNvSpPr>
             <a:spLocks noGrp="1"/>
           </p:cNvSpPr>
@@ -383,18 +337,13 @@
               <a:rPr lang="zh-CN" altLang="en-US"/>
               <a:t>单击此处编辑母版标题样式</a:t>
             </a:r>
-          </a:p>
-        </p:txBody>
-      </p:sp>
-      <p:sp>
-        <p:nvSpPr>
-          <p:cNvPr id="3" name="竖排文字占位符 2">
-            <a:extLst>
-              <a:ext uri="{FF2B5EF4-FFF2-40B4-BE49-F238E27FC236}">
-                <a16:creationId xmlns:a16="http://schemas.microsoft.com/office/drawing/2014/main" id="{E32A98CE-B922-7583-68A2-3D54177261C5}"/>
-              </a:ext>
-            </a:extLst>
-          </p:cNvPr>
+            <a:endParaRPr lang="zh-CN" altLang="en-US"/>
+          </a:p>
+        </p:txBody>
+      </p:sp>
+      <p:sp>
+        <p:nvSpPr>
+          <p:cNvPr id="3" name="竖排文字占位符 2"/>
           <p:cNvSpPr>
             <a:spLocks noGrp="1"/>
           </p:cNvSpPr>
@@ -412,6 +361,7 @@
               <a:rPr lang="zh-CN" altLang="en-US"/>
               <a:t>单击此处编辑母版文本样式</a:t>
             </a:r>
+            <a:endParaRPr lang="zh-CN" altLang="en-US"/>
           </a:p>
           <a:p>
             <a:pPr lvl="1"/>
@@ -419,6 +369,7 @@
               <a:rPr lang="zh-CN" altLang="en-US"/>
               <a:t>二级</a:t>
             </a:r>
+            <a:endParaRPr lang="zh-CN" altLang="en-US"/>
           </a:p>
           <a:p>
             <a:pPr lvl="2"/>
@@ -426,6 +377,7 @@
               <a:rPr lang="zh-CN" altLang="en-US"/>
               <a:t>三级</a:t>
             </a:r>
+            <a:endParaRPr lang="zh-CN" altLang="en-US"/>
           </a:p>
           <a:p>
             <a:pPr lvl="3"/>
@@ -433,6 +385,7 @@
               <a:rPr lang="zh-CN" altLang="en-US"/>
               <a:t>四级</a:t>
             </a:r>
+            <a:endParaRPr lang="zh-CN" altLang="en-US"/>
           </a:p>
           <a:p>
             <a:pPr lvl="4"/>
@@ -440,18 +393,13 @@
               <a:rPr lang="zh-CN" altLang="en-US"/>
               <a:t>五级</a:t>
             </a:r>
-          </a:p>
-        </p:txBody>
-      </p:sp>
-      <p:sp>
-        <p:nvSpPr>
-          <p:cNvPr id="4" name="日期占位符 3">
-            <a:extLst>
-              <a:ext uri="{FF2B5EF4-FFF2-40B4-BE49-F238E27FC236}">
-                <a16:creationId xmlns:a16="http://schemas.microsoft.com/office/drawing/2014/main" id="{18C7362F-4E43-47FD-1EDF-2963C5BE38E3}"/>
-              </a:ext>
-            </a:extLst>
-          </p:cNvPr>
+            <a:endParaRPr lang="zh-CN" altLang="en-US"/>
+          </a:p>
+        </p:txBody>
+      </p:sp>
+      <p:sp>
+        <p:nvSpPr>
+          <p:cNvPr id="4" name="日期占位符 3"/>
           <p:cNvSpPr>
             <a:spLocks noGrp="1"/>
           </p:cNvSpPr>
@@ -466,7 +414,6 @@
           <a:p>
             <a:fld id="{67A232F3-C438-4792-BCA8-CABA308BA0BD}" type="datetimeFigureOut">
               <a:rPr lang="zh-CN" altLang="en-US" smtClean="0"/>
-              <a:t>2025/6/9</a:t>
             </a:fld>
             <a:endParaRPr lang="zh-CN" altLang="en-US"/>
           </a:p>
@@ -474,13 +421,7 @@
       </p:sp>
       <p:sp>
         <p:nvSpPr>
-          <p:cNvPr id="5" name="页脚占位符 4">
-            <a:extLst>
-              <a:ext uri="{FF2B5EF4-FFF2-40B4-BE49-F238E27FC236}">
-                <a16:creationId xmlns:a16="http://schemas.microsoft.com/office/drawing/2014/main" id="{735E9851-C789-C9B2-018E-66C844FFFA83}"/>
-              </a:ext>
-            </a:extLst>
-          </p:cNvPr>
+          <p:cNvPr id="5" name="页脚占位符 4"/>
           <p:cNvSpPr>
             <a:spLocks noGrp="1"/>
           </p:cNvSpPr>
@@ -499,13 +440,7 @@
       </p:sp>
       <p:sp>
         <p:nvSpPr>
-          <p:cNvPr id="6" name="灯片编号占位符 5">
-            <a:extLst>
-              <a:ext uri="{FF2B5EF4-FFF2-40B4-BE49-F238E27FC236}">
-                <a16:creationId xmlns:a16="http://schemas.microsoft.com/office/drawing/2014/main" id="{18C9F475-9257-6038-C505-CDF77261F8BB}"/>
-              </a:ext>
-            </a:extLst>
-          </p:cNvPr>
+          <p:cNvPr id="6" name="灯片编号占位符 5"/>
           <p:cNvSpPr>
             <a:spLocks noGrp="1"/>
           </p:cNvSpPr>
@@ -520,18 +455,12 @@
           <a:p>
             <a:fld id="{484FCD43-2353-4716-8F21-3B25CF08E3DC}" type="slidenum">
               <a:rPr lang="zh-CN" altLang="en-US" smtClean="0"/>
-              <a:t>‹#›</a:t>
             </a:fld>
             <a:endParaRPr lang="zh-CN" altLang="en-US"/>
           </a:p>
         </p:txBody>
       </p:sp>
     </p:spTree>
-    <p:extLst>
-      <p:ext uri="{BB962C8B-B14F-4D97-AF65-F5344CB8AC3E}">
-        <p14:creationId xmlns:p14="http://schemas.microsoft.com/office/powerpoint/2010/main" val="1087017414"/>
-      </p:ext>
-    </p:extLst>
   </p:cSld>
   <p:clrMapOvr>
     <a:masterClrMapping/>
@@ -558,13 +487,7 @@
       </p:grpSpPr>
       <p:sp>
         <p:nvSpPr>
-          <p:cNvPr id="2" name="竖排标题 1">
-            <a:extLst>
-              <a:ext uri="{FF2B5EF4-FFF2-40B4-BE49-F238E27FC236}">
-                <a16:creationId xmlns:a16="http://schemas.microsoft.com/office/drawing/2014/main" id="{65837208-4274-2FB6-6BAB-6E0E2D266533}"/>
-              </a:ext>
-            </a:extLst>
-          </p:cNvPr>
+          <p:cNvPr id="2" name="竖排标题 1"/>
           <p:cNvSpPr>
             <a:spLocks noGrp="1"/>
           </p:cNvSpPr>
@@ -586,18 +509,13 @@
               <a:rPr lang="zh-CN" altLang="en-US"/>
               <a:t>单击此处编辑母版标题样式</a:t>
             </a:r>
-          </a:p>
-        </p:txBody>
-      </p:sp>
-      <p:sp>
-        <p:nvSpPr>
-          <p:cNvPr id="3" name="竖排文字占位符 2">
-            <a:extLst>
-              <a:ext uri="{FF2B5EF4-FFF2-40B4-BE49-F238E27FC236}">
-                <a16:creationId xmlns:a16="http://schemas.microsoft.com/office/drawing/2014/main" id="{0D37553A-FE50-C41E-D05F-590065784EEE}"/>
-              </a:ext>
-            </a:extLst>
-          </p:cNvPr>
+            <a:endParaRPr lang="zh-CN" altLang="en-US"/>
+          </a:p>
+        </p:txBody>
+      </p:sp>
+      <p:sp>
+        <p:nvSpPr>
+          <p:cNvPr id="3" name="竖排文字占位符 2"/>
           <p:cNvSpPr>
             <a:spLocks noGrp="1"/>
           </p:cNvSpPr>
@@ -620,6 +538,7 @@
               <a:rPr lang="zh-CN" altLang="en-US"/>
               <a:t>单击此处编辑母版文本样式</a:t>
             </a:r>
+            <a:endParaRPr lang="zh-CN" altLang="en-US"/>
           </a:p>
           <a:p>
             <a:pPr lvl="1"/>
@@ -627,6 +546,7 @@
               <a:rPr lang="zh-CN" altLang="en-US"/>
               <a:t>二级</a:t>
             </a:r>
+            <a:endParaRPr lang="zh-CN" altLang="en-US"/>
           </a:p>
           <a:p>
             <a:pPr lvl="2"/>
@@ -634,6 +554,7 @@
               <a:rPr lang="zh-CN" altLang="en-US"/>
               <a:t>三级</a:t>
             </a:r>
+            <a:endParaRPr lang="zh-CN" altLang="en-US"/>
           </a:p>
           <a:p>
             <a:pPr lvl="3"/>
@@ -641,6 +562,7 @@
               <a:rPr lang="zh-CN" altLang="en-US"/>
               <a:t>四级</a:t>
             </a:r>
+            <a:endParaRPr lang="zh-CN" altLang="en-US"/>
           </a:p>
           <a:p>
             <a:pPr lvl="4"/>
@@ -648,18 +570,13 @@
               <a:rPr lang="zh-CN" altLang="en-US"/>
               <a:t>五级</a:t>
             </a:r>
-          </a:p>
-        </p:txBody>
-      </p:sp>
-      <p:sp>
-        <p:nvSpPr>
-          <p:cNvPr id="4" name="日期占位符 3">
-            <a:extLst>
-              <a:ext uri="{FF2B5EF4-FFF2-40B4-BE49-F238E27FC236}">
-                <a16:creationId xmlns:a16="http://schemas.microsoft.com/office/drawing/2014/main" id="{9EAB1E65-A1EC-B322-C9F5-D563871061C0}"/>
-              </a:ext>
-            </a:extLst>
-          </p:cNvPr>
+            <a:endParaRPr lang="zh-CN" altLang="en-US"/>
+          </a:p>
+        </p:txBody>
+      </p:sp>
+      <p:sp>
+        <p:nvSpPr>
+          <p:cNvPr id="4" name="日期占位符 3"/>
           <p:cNvSpPr>
             <a:spLocks noGrp="1"/>
           </p:cNvSpPr>
@@ -674,7 +591,6 @@
           <a:p>
             <a:fld id="{67A232F3-C438-4792-BCA8-CABA308BA0BD}" type="datetimeFigureOut">
               <a:rPr lang="zh-CN" altLang="en-US" smtClean="0"/>
-              <a:t>2025/6/9</a:t>
             </a:fld>
             <a:endParaRPr lang="zh-CN" altLang="en-US"/>
           </a:p>
@@ -682,13 +598,7 @@
       </p:sp>
       <p:sp>
         <p:nvSpPr>
-          <p:cNvPr id="5" name="页脚占位符 4">
-            <a:extLst>
-              <a:ext uri="{FF2B5EF4-FFF2-40B4-BE49-F238E27FC236}">
-                <a16:creationId xmlns:a16="http://schemas.microsoft.com/office/drawing/2014/main" id="{FE317884-0C12-A230-351D-6A505F8BAEAA}"/>
-              </a:ext>
-            </a:extLst>
-          </p:cNvPr>
+          <p:cNvPr id="5" name="页脚占位符 4"/>
           <p:cNvSpPr>
             <a:spLocks noGrp="1"/>
           </p:cNvSpPr>
@@ -707,13 +617,7 @@
       </p:sp>
       <p:sp>
         <p:nvSpPr>
-          <p:cNvPr id="6" name="灯片编号占位符 5">
-            <a:extLst>
-              <a:ext uri="{FF2B5EF4-FFF2-40B4-BE49-F238E27FC236}">
-                <a16:creationId xmlns:a16="http://schemas.microsoft.com/office/drawing/2014/main" id="{5FA0D4DF-B3A9-87B4-A098-A76C672C2E6A}"/>
-              </a:ext>
-            </a:extLst>
-          </p:cNvPr>
+          <p:cNvPr id="6" name="灯片编号占位符 5"/>
           <p:cNvSpPr>
             <a:spLocks noGrp="1"/>
           </p:cNvSpPr>
@@ -728,18 +632,12 @@
           <a:p>
             <a:fld id="{484FCD43-2353-4716-8F21-3B25CF08E3DC}" type="slidenum">
               <a:rPr lang="zh-CN" altLang="en-US" smtClean="0"/>
-              <a:t>‹#›</a:t>
             </a:fld>
             <a:endParaRPr lang="zh-CN" altLang="en-US"/>
           </a:p>
         </p:txBody>
       </p:sp>
     </p:spTree>
-    <p:extLst>
-      <p:ext uri="{BB962C8B-B14F-4D97-AF65-F5344CB8AC3E}">
-        <p14:creationId xmlns:p14="http://schemas.microsoft.com/office/powerpoint/2010/main" val="1259384277"/>
-      </p:ext>
-    </p:extLst>
   </p:cSld>
   <p:clrMapOvr>
     <a:masterClrMapping/>
@@ -766,13 +664,7 @@
       </p:grpSpPr>
       <p:sp>
         <p:nvSpPr>
-          <p:cNvPr id="2" name="标题 1">
-            <a:extLst>
-              <a:ext uri="{FF2B5EF4-FFF2-40B4-BE49-F238E27FC236}">
-                <a16:creationId xmlns:a16="http://schemas.microsoft.com/office/drawing/2014/main" id="{D5BB9448-76F1-D049-29D0-9273EF60C97A}"/>
-              </a:ext>
-            </a:extLst>
-          </p:cNvPr>
+          <p:cNvPr id="2" name="标题 1"/>
           <p:cNvSpPr>
             <a:spLocks noGrp="1"/>
           </p:cNvSpPr>
@@ -789,18 +681,13 @@
               <a:rPr lang="zh-CN" altLang="en-US"/>
               <a:t>单击此处编辑母版标题样式</a:t>
             </a:r>
-          </a:p>
-        </p:txBody>
-      </p:sp>
-      <p:sp>
-        <p:nvSpPr>
-          <p:cNvPr id="3" name="内容占位符 2">
-            <a:extLst>
-              <a:ext uri="{FF2B5EF4-FFF2-40B4-BE49-F238E27FC236}">
-                <a16:creationId xmlns:a16="http://schemas.microsoft.com/office/drawing/2014/main" id="{B384B834-7E47-5B7A-848E-A7F20040D6C6}"/>
-              </a:ext>
-            </a:extLst>
-          </p:cNvPr>
+            <a:endParaRPr lang="zh-CN" altLang="en-US"/>
+          </a:p>
+        </p:txBody>
+      </p:sp>
+      <p:sp>
+        <p:nvSpPr>
+          <p:cNvPr id="3" name="内容占位符 2"/>
           <p:cNvSpPr>
             <a:spLocks noGrp="1"/>
           </p:cNvSpPr>
@@ -818,6 +705,7 @@
               <a:rPr lang="zh-CN" altLang="en-US"/>
               <a:t>单击此处编辑母版文本样式</a:t>
             </a:r>
+            <a:endParaRPr lang="zh-CN" altLang="en-US"/>
           </a:p>
           <a:p>
             <a:pPr lvl="1"/>
@@ -825,6 +713,7 @@
               <a:rPr lang="zh-CN" altLang="en-US"/>
               <a:t>二级</a:t>
             </a:r>
+            <a:endParaRPr lang="zh-CN" altLang="en-US"/>
           </a:p>
           <a:p>
             <a:pPr lvl="2"/>
@@ -832,6 +721,7 @@
               <a:rPr lang="zh-CN" altLang="en-US"/>
               <a:t>三级</a:t>
             </a:r>
+            <a:endParaRPr lang="zh-CN" altLang="en-US"/>
           </a:p>
           <a:p>
             <a:pPr lvl="3"/>
@@ -839,6 +729,7 @@
               <a:rPr lang="zh-CN" altLang="en-US"/>
               <a:t>四级</a:t>
             </a:r>
+            <a:endParaRPr lang="zh-CN" altLang="en-US"/>
           </a:p>
           <a:p>
             <a:pPr lvl="4"/>
@@ -846,18 +737,13 @@
               <a:rPr lang="zh-CN" altLang="en-US"/>
               <a:t>五级</a:t>
             </a:r>
-          </a:p>
-        </p:txBody>
-      </p:sp>
-      <p:sp>
-        <p:nvSpPr>
-          <p:cNvPr id="4" name="日期占位符 3">
-            <a:extLst>
-              <a:ext uri="{FF2B5EF4-FFF2-40B4-BE49-F238E27FC236}">
-                <a16:creationId xmlns:a16="http://schemas.microsoft.com/office/drawing/2014/main" id="{06792851-DC6D-CF70-A586-71957C8AC01F}"/>
-              </a:ext>
-            </a:extLst>
-          </p:cNvPr>
+            <a:endParaRPr lang="zh-CN" altLang="en-US"/>
+          </a:p>
+        </p:txBody>
+      </p:sp>
+      <p:sp>
+        <p:nvSpPr>
+          <p:cNvPr id="4" name="日期占位符 3"/>
           <p:cNvSpPr>
             <a:spLocks noGrp="1"/>
           </p:cNvSpPr>
@@ -872,7 +758,6 @@
           <a:p>
             <a:fld id="{67A232F3-C438-4792-BCA8-CABA308BA0BD}" type="datetimeFigureOut">
               <a:rPr lang="zh-CN" altLang="en-US" smtClean="0"/>
-              <a:t>2025/6/9</a:t>
             </a:fld>
             <a:endParaRPr lang="zh-CN" altLang="en-US"/>
           </a:p>
@@ -880,13 +765,7 @@
       </p:sp>
       <p:sp>
         <p:nvSpPr>
-          <p:cNvPr id="5" name="页脚占位符 4">
-            <a:extLst>
-              <a:ext uri="{FF2B5EF4-FFF2-40B4-BE49-F238E27FC236}">
-                <a16:creationId xmlns:a16="http://schemas.microsoft.com/office/drawing/2014/main" id="{1D19B63C-9E3F-EDDE-E27A-C14D31901615}"/>
-              </a:ext>
-            </a:extLst>
-          </p:cNvPr>
+          <p:cNvPr id="5" name="页脚占位符 4"/>
           <p:cNvSpPr>
             <a:spLocks noGrp="1"/>
           </p:cNvSpPr>
@@ -905,13 +784,7 @@
       </p:sp>
       <p:sp>
         <p:nvSpPr>
-          <p:cNvPr id="6" name="灯片编号占位符 5">
-            <a:extLst>
-              <a:ext uri="{FF2B5EF4-FFF2-40B4-BE49-F238E27FC236}">
-                <a16:creationId xmlns:a16="http://schemas.microsoft.com/office/drawing/2014/main" id="{8899A0CD-D497-D068-7941-53FBB623896E}"/>
-              </a:ext>
-            </a:extLst>
-          </p:cNvPr>
+          <p:cNvPr id="6" name="灯片编号占位符 5"/>
           <p:cNvSpPr>
             <a:spLocks noGrp="1"/>
           </p:cNvSpPr>
@@ -926,18 +799,12 @@
           <a:p>
             <a:fld id="{484FCD43-2353-4716-8F21-3B25CF08E3DC}" type="slidenum">
               <a:rPr lang="zh-CN" altLang="en-US" smtClean="0"/>
-              <a:t>‹#›</a:t>
             </a:fld>
             <a:endParaRPr lang="zh-CN" altLang="en-US"/>
           </a:p>
         </p:txBody>
       </p:sp>
     </p:spTree>
-    <p:extLst>
-      <p:ext uri="{BB962C8B-B14F-4D97-AF65-F5344CB8AC3E}">
-        <p14:creationId xmlns:p14="http://schemas.microsoft.com/office/powerpoint/2010/main" val="1757910417"/>
-      </p:ext>
-    </p:extLst>
   </p:cSld>
   <p:clrMapOvr>
     <a:masterClrMapping/>
@@ -964,13 +831,7 @@
       </p:grpSpPr>
       <p:sp>
         <p:nvSpPr>
-          <p:cNvPr id="2" name="标题 1">
-            <a:extLst>
-              <a:ext uri="{FF2B5EF4-FFF2-40B4-BE49-F238E27FC236}">
-                <a16:creationId xmlns:a16="http://schemas.microsoft.com/office/drawing/2014/main" id="{6C2EC66F-6BF2-21F5-AB21-FAEEB9C3CA09}"/>
-              </a:ext>
-            </a:extLst>
-          </p:cNvPr>
+          <p:cNvPr id="2" name="标题 1"/>
           <p:cNvSpPr>
             <a:spLocks noGrp="1"/>
           </p:cNvSpPr>
@@ -996,18 +857,13 @@
               <a:rPr lang="zh-CN" altLang="en-US"/>
               <a:t>单击此处编辑母版标题样式</a:t>
             </a:r>
-          </a:p>
-        </p:txBody>
-      </p:sp>
-      <p:sp>
-        <p:nvSpPr>
-          <p:cNvPr id="3" name="文本占位符 2">
-            <a:extLst>
-              <a:ext uri="{FF2B5EF4-FFF2-40B4-BE49-F238E27FC236}">
-                <a16:creationId xmlns:a16="http://schemas.microsoft.com/office/drawing/2014/main" id="{C1A06E33-622A-F94F-6866-86C6052E3396}"/>
-              </a:ext>
-            </a:extLst>
-          </p:cNvPr>
+            <a:endParaRPr lang="zh-CN" altLang="en-US"/>
+          </a:p>
+        </p:txBody>
+      </p:sp>
+      <p:sp>
+        <p:nvSpPr>
+          <p:cNvPr id="3" name="文本占位符 2"/>
           <p:cNvSpPr>
             <a:spLocks noGrp="1"/>
           </p:cNvSpPr>
@@ -1121,18 +977,13 @@
               <a:rPr lang="zh-CN" altLang="en-US"/>
               <a:t>单击此处编辑母版文本样式</a:t>
             </a:r>
-          </a:p>
-        </p:txBody>
-      </p:sp>
-      <p:sp>
-        <p:nvSpPr>
-          <p:cNvPr id="4" name="日期占位符 3">
-            <a:extLst>
-              <a:ext uri="{FF2B5EF4-FFF2-40B4-BE49-F238E27FC236}">
-                <a16:creationId xmlns:a16="http://schemas.microsoft.com/office/drawing/2014/main" id="{20097A5E-8E99-F826-53B4-3CB70AA62FF1}"/>
-              </a:ext>
-            </a:extLst>
-          </p:cNvPr>
+            <a:endParaRPr lang="zh-CN" altLang="en-US"/>
+          </a:p>
+        </p:txBody>
+      </p:sp>
+      <p:sp>
+        <p:nvSpPr>
+          <p:cNvPr id="4" name="日期占位符 3"/>
           <p:cNvSpPr>
             <a:spLocks noGrp="1"/>
           </p:cNvSpPr>
@@ -1147,7 +998,6 @@
           <a:p>
             <a:fld id="{67A232F3-C438-4792-BCA8-CABA308BA0BD}" type="datetimeFigureOut">
               <a:rPr lang="zh-CN" altLang="en-US" smtClean="0"/>
-              <a:t>2025/6/9</a:t>
             </a:fld>
             <a:endParaRPr lang="zh-CN" altLang="en-US"/>
           </a:p>
@@ -1155,13 +1005,7 @@
       </p:sp>
       <p:sp>
         <p:nvSpPr>
-          <p:cNvPr id="5" name="页脚占位符 4">
-            <a:extLst>
-              <a:ext uri="{FF2B5EF4-FFF2-40B4-BE49-F238E27FC236}">
-                <a16:creationId xmlns:a16="http://schemas.microsoft.com/office/drawing/2014/main" id="{BBF4BD7D-460D-3D67-63F5-2452BF7BB595}"/>
-              </a:ext>
-            </a:extLst>
-          </p:cNvPr>
+          <p:cNvPr id="5" name="页脚占位符 4"/>
           <p:cNvSpPr>
             <a:spLocks noGrp="1"/>
           </p:cNvSpPr>
@@ -1180,13 +1024,7 @@
       </p:sp>
       <p:sp>
         <p:nvSpPr>
-          <p:cNvPr id="6" name="灯片编号占位符 5">
-            <a:extLst>
-              <a:ext uri="{FF2B5EF4-FFF2-40B4-BE49-F238E27FC236}">
-                <a16:creationId xmlns:a16="http://schemas.microsoft.com/office/drawing/2014/main" id="{D49CC3E9-8E7E-C226-EB41-97C761F93162}"/>
-              </a:ext>
-            </a:extLst>
-          </p:cNvPr>
+          <p:cNvPr id="6" name="灯片编号占位符 5"/>
           <p:cNvSpPr>
             <a:spLocks noGrp="1"/>
           </p:cNvSpPr>
@@ -1201,18 +1039,12 @@
           <a:p>
             <a:fld id="{484FCD43-2353-4716-8F21-3B25CF08E3DC}" type="slidenum">
               <a:rPr lang="zh-CN" altLang="en-US" smtClean="0"/>
-              <a:t>‹#›</a:t>
             </a:fld>
             <a:endParaRPr lang="zh-CN" altLang="en-US"/>
           </a:p>
         </p:txBody>
       </p:sp>
     </p:spTree>
-    <p:extLst>
-      <p:ext uri="{BB962C8B-B14F-4D97-AF65-F5344CB8AC3E}">
-        <p14:creationId xmlns:p14="http://schemas.microsoft.com/office/powerpoint/2010/main" val="852538594"/>
-      </p:ext>
-    </p:extLst>
   </p:cSld>
   <p:clrMapOvr>
     <a:masterClrMapping/>
@@ -1239,13 +1071,7 @@
       </p:grpSpPr>
       <p:sp>
         <p:nvSpPr>
-          <p:cNvPr id="2" name="标题 1">
-            <a:extLst>
-              <a:ext uri="{FF2B5EF4-FFF2-40B4-BE49-F238E27FC236}">
-                <a16:creationId xmlns:a16="http://schemas.microsoft.com/office/drawing/2014/main" id="{E35012A3-7296-1FE4-D17B-B946BB7DE4A5}"/>
-              </a:ext>
-            </a:extLst>
-          </p:cNvPr>
+          <p:cNvPr id="2" name="标题 1"/>
           <p:cNvSpPr>
             <a:spLocks noGrp="1"/>
           </p:cNvSpPr>
@@ -1262,18 +1088,13 @@
               <a:rPr lang="zh-CN" altLang="en-US"/>
               <a:t>单击此处编辑母版标题样式</a:t>
             </a:r>
-          </a:p>
-        </p:txBody>
-      </p:sp>
-      <p:sp>
-        <p:nvSpPr>
-          <p:cNvPr id="3" name="内容占位符 2">
-            <a:extLst>
-              <a:ext uri="{FF2B5EF4-FFF2-40B4-BE49-F238E27FC236}">
-                <a16:creationId xmlns:a16="http://schemas.microsoft.com/office/drawing/2014/main" id="{977B25FD-72D8-80CC-C9BB-E74CDD60BCAF}"/>
-              </a:ext>
-            </a:extLst>
-          </p:cNvPr>
+            <a:endParaRPr lang="zh-CN" altLang="en-US"/>
+          </a:p>
+        </p:txBody>
+      </p:sp>
+      <p:sp>
+        <p:nvSpPr>
+          <p:cNvPr id="3" name="内容占位符 2"/>
           <p:cNvSpPr>
             <a:spLocks noGrp="1"/>
           </p:cNvSpPr>
@@ -1296,6 +1117,7 @@
               <a:rPr lang="zh-CN" altLang="en-US"/>
               <a:t>单击此处编辑母版文本样式</a:t>
             </a:r>
+            <a:endParaRPr lang="zh-CN" altLang="en-US"/>
           </a:p>
           <a:p>
             <a:pPr lvl="1"/>
@@ -1303,6 +1125,7 @@
               <a:rPr lang="zh-CN" altLang="en-US"/>
               <a:t>二级</a:t>
             </a:r>
+            <a:endParaRPr lang="zh-CN" altLang="en-US"/>
           </a:p>
           <a:p>
             <a:pPr lvl="2"/>
@@ -1310,6 +1133,7 @@
               <a:rPr lang="zh-CN" altLang="en-US"/>
               <a:t>三级</a:t>
             </a:r>
+            <a:endParaRPr lang="zh-CN" altLang="en-US"/>
           </a:p>
           <a:p>
             <a:pPr lvl="3"/>
@@ -1317,6 +1141,7 @@
               <a:rPr lang="zh-CN" altLang="en-US"/>
               <a:t>四级</a:t>
             </a:r>
+            <a:endParaRPr lang="zh-CN" altLang="en-US"/>
           </a:p>
           <a:p>
             <a:pPr lvl="4"/>
@@ -1324,18 +1149,13 @@
               <a:rPr lang="zh-CN" altLang="en-US"/>
               <a:t>五级</a:t>
             </a:r>
-          </a:p>
-        </p:txBody>
-      </p:sp>
-      <p:sp>
-        <p:nvSpPr>
-          <p:cNvPr id="4" name="内容占位符 3">
-            <a:extLst>
-              <a:ext uri="{FF2B5EF4-FFF2-40B4-BE49-F238E27FC236}">
-                <a16:creationId xmlns:a16="http://schemas.microsoft.com/office/drawing/2014/main" id="{E7613A1D-41A9-C01A-50D5-234A9AD0FD52}"/>
-              </a:ext>
-            </a:extLst>
-          </p:cNvPr>
+            <a:endParaRPr lang="zh-CN" altLang="en-US"/>
+          </a:p>
+        </p:txBody>
+      </p:sp>
+      <p:sp>
+        <p:nvSpPr>
+          <p:cNvPr id="4" name="内容占位符 3"/>
           <p:cNvSpPr>
             <a:spLocks noGrp="1"/>
           </p:cNvSpPr>
@@ -1358,6 +1178,7 @@
               <a:rPr lang="zh-CN" altLang="en-US"/>
               <a:t>单击此处编辑母版文本样式</a:t>
             </a:r>
+            <a:endParaRPr lang="zh-CN" altLang="en-US"/>
           </a:p>
           <a:p>
             <a:pPr lvl="1"/>
@@ -1365,6 +1186,7 @@
               <a:rPr lang="zh-CN" altLang="en-US"/>
               <a:t>二级</a:t>
             </a:r>
+            <a:endParaRPr lang="zh-CN" altLang="en-US"/>
           </a:p>
           <a:p>
             <a:pPr lvl="2"/>
@@ -1372,6 +1194,7 @@
               <a:rPr lang="zh-CN" altLang="en-US"/>
               <a:t>三级</a:t>
             </a:r>
+            <a:endParaRPr lang="zh-CN" altLang="en-US"/>
           </a:p>
           <a:p>
             <a:pPr lvl="3"/>
@@ -1379,6 +1202,7 @@
               <a:rPr lang="zh-CN" altLang="en-US"/>
               <a:t>四级</a:t>
             </a:r>
+            <a:endParaRPr lang="zh-CN" altLang="en-US"/>
           </a:p>
           <a:p>
             <a:pPr lvl="4"/>
@@ -1386,18 +1210,13 @@
               <a:rPr lang="zh-CN" altLang="en-US"/>
               <a:t>五级</a:t>
             </a:r>
-          </a:p>
-        </p:txBody>
-      </p:sp>
-      <p:sp>
-        <p:nvSpPr>
-          <p:cNvPr id="5" name="日期占位符 4">
-            <a:extLst>
-              <a:ext uri="{FF2B5EF4-FFF2-40B4-BE49-F238E27FC236}">
-                <a16:creationId xmlns:a16="http://schemas.microsoft.com/office/drawing/2014/main" id="{4046ABFA-6CA5-EEBC-DC66-B4A4020D5EDA}"/>
-              </a:ext>
-            </a:extLst>
-          </p:cNvPr>
+            <a:endParaRPr lang="zh-CN" altLang="en-US"/>
+          </a:p>
+        </p:txBody>
+      </p:sp>
+      <p:sp>
+        <p:nvSpPr>
+          <p:cNvPr id="5" name="日期占位符 4"/>
           <p:cNvSpPr>
             <a:spLocks noGrp="1"/>
           </p:cNvSpPr>
@@ -1412,7 +1231,6 @@
           <a:p>
             <a:fld id="{67A232F3-C438-4792-BCA8-CABA308BA0BD}" type="datetimeFigureOut">
               <a:rPr lang="zh-CN" altLang="en-US" smtClean="0"/>
-              <a:t>2025/6/9</a:t>
             </a:fld>
             <a:endParaRPr lang="zh-CN" altLang="en-US"/>
           </a:p>
@@ -1420,13 +1238,7 @@
       </p:sp>
       <p:sp>
         <p:nvSpPr>
-          <p:cNvPr id="6" name="页脚占位符 5">
-            <a:extLst>
-              <a:ext uri="{FF2B5EF4-FFF2-40B4-BE49-F238E27FC236}">
-                <a16:creationId xmlns:a16="http://schemas.microsoft.com/office/drawing/2014/main" id="{F0635AF5-865C-63A4-0FC9-71330A86B6CB}"/>
-              </a:ext>
-            </a:extLst>
-          </p:cNvPr>
+          <p:cNvPr id="6" name="页脚占位符 5"/>
           <p:cNvSpPr>
             <a:spLocks noGrp="1"/>
           </p:cNvSpPr>
@@ -1445,13 +1257,7 @@
       </p:sp>
       <p:sp>
         <p:nvSpPr>
-          <p:cNvPr id="7" name="灯片编号占位符 6">
-            <a:extLst>
-              <a:ext uri="{FF2B5EF4-FFF2-40B4-BE49-F238E27FC236}">
-                <a16:creationId xmlns:a16="http://schemas.microsoft.com/office/drawing/2014/main" id="{9E3330B5-9F1A-1A63-B7F8-21C5ACDC7220}"/>
-              </a:ext>
-            </a:extLst>
-          </p:cNvPr>
+          <p:cNvPr id="7" name="灯片编号占位符 6"/>
           <p:cNvSpPr>
             <a:spLocks noGrp="1"/>
           </p:cNvSpPr>
@@ -1466,18 +1272,12 @@
           <a:p>
             <a:fld id="{484FCD43-2353-4716-8F21-3B25CF08E3DC}" type="slidenum">
               <a:rPr lang="zh-CN" altLang="en-US" smtClean="0"/>
-              <a:t>‹#›</a:t>
             </a:fld>
             <a:endParaRPr lang="zh-CN" altLang="en-US"/>
           </a:p>
         </p:txBody>
       </p:sp>
     </p:spTree>
-    <p:extLst>
-      <p:ext uri="{BB962C8B-B14F-4D97-AF65-F5344CB8AC3E}">
-        <p14:creationId xmlns:p14="http://schemas.microsoft.com/office/powerpoint/2010/main" val="1931606175"/>
-      </p:ext>
-    </p:extLst>
   </p:cSld>
   <p:clrMapOvr>
     <a:masterClrMapping/>
@@ -1504,13 +1304,7 @@
       </p:grpSpPr>
       <p:sp>
         <p:nvSpPr>
-          <p:cNvPr id="2" name="标题 1">
-            <a:extLst>
-              <a:ext uri="{FF2B5EF4-FFF2-40B4-BE49-F238E27FC236}">
-                <a16:creationId xmlns:a16="http://schemas.microsoft.com/office/drawing/2014/main" id="{7551C65D-F073-C7F6-B8D5-B0F8B2FB768F}"/>
-              </a:ext>
-            </a:extLst>
-          </p:cNvPr>
+          <p:cNvPr id="2" name="标题 1"/>
           <p:cNvSpPr>
             <a:spLocks noGrp="1"/>
           </p:cNvSpPr>
@@ -1532,18 +1326,13 @@
               <a:rPr lang="zh-CN" altLang="en-US"/>
               <a:t>单击此处编辑母版标题样式</a:t>
             </a:r>
-          </a:p>
-        </p:txBody>
-      </p:sp>
-      <p:sp>
-        <p:nvSpPr>
-          <p:cNvPr id="3" name="文本占位符 2">
-            <a:extLst>
-              <a:ext uri="{FF2B5EF4-FFF2-40B4-BE49-F238E27FC236}">
-                <a16:creationId xmlns:a16="http://schemas.microsoft.com/office/drawing/2014/main" id="{DD51088F-1B3B-0EF4-F646-34AEF831971C}"/>
-              </a:ext>
-            </a:extLst>
-          </p:cNvPr>
+            <a:endParaRPr lang="zh-CN" altLang="en-US"/>
+          </a:p>
+        </p:txBody>
+      </p:sp>
+      <p:sp>
+        <p:nvSpPr>
+          <p:cNvPr id="3" name="文本占位符 2"/>
           <p:cNvSpPr>
             <a:spLocks noGrp="1"/>
           </p:cNvSpPr>
@@ -1603,18 +1392,13 @@
               <a:rPr lang="zh-CN" altLang="en-US"/>
               <a:t>单击此处编辑母版文本样式</a:t>
             </a:r>
-          </a:p>
-        </p:txBody>
-      </p:sp>
-      <p:sp>
-        <p:nvSpPr>
-          <p:cNvPr id="4" name="内容占位符 3">
-            <a:extLst>
-              <a:ext uri="{FF2B5EF4-FFF2-40B4-BE49-F238E27FC236}">
-                <a16:creationId xmlns:a16="http://schemas.microsoft.com/office/drawing/2014/main" id="{B2F00C54-37CF-DF64-0EE7-0BA348D44C48}"/>
-              </a:ext>
-            </a:extLst>
-          </p:cNvPr>
+            <a:endParaRPr lang="zh-CN" altLang="en-US"/>
+          </a:p>
+        </p:txBody>
+      </p:sp>
+      <p:sp>
+        <p:nvSpPr>
+          <p:cNvPr id="4" name="内容占位符 3"/>
           <p:cNvSpPr>
             <a:spLocks noGrp="1"/>
           </p:cNvSpPr>
@@ -1637,6 +1421,7 @@
               <a:rPr lang="zh-CN" altLang="en-US"/>
               <a:t>单击此处编辑母版文本样式</a:t>
             </a:r>
+            <a:endParaRPr lang="zh-CN" altLang="en-US"/>
           </a:p>
           <a:p>
             <a:pPr lvl="1"/>
@@ -1644,6 +1429,7 @@
               <a:rPr lang="zh-CN" altLang="en-US"/>
               <a:t>二级</a:t>
             </a:r>
+            <a:endParaRPr lang="zh-CN" altLang="en-US"/>
           </a:p>
           <a:p>
             <a:pPr lvl="2"/>
@@ -1651,6 +1437,7 @@
               <a:rPr lang="zh-CN" altLang="en-US"/>
               <a:t>三级</a:t>
             </a:r>
+            <a:endParaRPr lang="zh-CN" altLang="en-US"/>
           </a:p>
           <a:p>
             <a:pPr lvl="3"/>
@@ -1658,6 +1445,7 @@
               <a:rPr lang="zh-CN" altLang="en-US"/>
               <a:t>四级</a:t>
             </a:r>
+            <a:endParaRPr lang="zh-CN" altLang="en-US"/>
           </a:p>
           <a:p>
             <a:pPr lvl="4"/>
@@ -1665,18 +1453,13 @@
               <a:rPr lang="zh-CN" altLang="en-US"/>
               <a:t>五级</a:t>
             </a:r>
-          </a:p>
-        </p:txBody>
-      </p:sp>
-      <p:sp>
-        <p:nvSpPr>
-          <p:cNvPr id="5" name="文本占位符 4">
-            <a:extLst>
-              <a:ext uri="{FF2B5EF4-FFF2-40B4-BE49-F238E27FC236}">
-                <a16:creationId xmlns:a16="http://schemas.microsoft.com/office/drawing/2014/main" id="{991BBA85-C6B0-994C-FAE7-7FBD9DAFE107}"/>
-              </a:ext>
-            </a:extLst>
-          </p:cNvPr>
+            <a:endParaRPr lang="zh-CN" altLang="en-US"/>
+          </a:p>
+        </p:txBody>
+      </p:sp>
+      <p:sp>
+        <p:nvSpPr>
+          <p:cNvPr id="5" name="文本占位符 4"/>
           <p:cNvSpPr>
             <a:spLocks noGrp="1"/>
           </p:cNvSpPr>
@@ -1736,18 +1519,13 @@
               <a:rPr lang="zh-CN" altLang="en-US"/>
               <a:t>单击此处编辑母版文本样式</a:t>
             </a:r>
-          </a:p>
-        </p:txBody>
-      </p:sp>
-      <p:sp>
-        <p:nvSpPr>
-          <p:cNvPr id="6" name="内容占位符 5">
-            <a:extLst>
-              <a:ext uri="{FF2B5EF4-FFF2-40B4-BE49-F238E27FC236}">
-                <a16:creationId xmlns:a16="http://schemas.microsoft.com/office/drawing/2014/main" id="{BE380ED6-68D7-4159-1DCB-8E9CE0E8ABD9}"/>
-              </a:ext>
-            </a:extLst>
-          </p:cNvPr>
+            <a:endParaRPr lang="zh-CN" altLang="en-US"/>
+          </a:p>
+        </p:txBody>
+      </p:sp>
+      <p:sp>
+        <p:nvSpPr>
+          <p:cNvPr id="6" name="内容占位符 5"/>
           <p:cNvSpPr>
             <a:spLocks noGrp="1"/>
           </p:cNvSpPr>
@@ -1770,6 +1548,7 @@
               <a:rPr lang="zh-CN" altLang="en-US"/>
               <a:t>单击此处编辑母版文本样式</a:t>
             </a:r>
+            <a:endParaRPr lang="zh-CN" altLang="en-US"/>
           </a:p>
           <a:p>
             <a:pPr lvl="1"/>
@@ -1777,6 +1556,7 @@
               <a:rPr lang="zh-CN" altLang="en-US"/>
               <a:t>二级</a:t>
             </a:r>
+            <a:endParaRPr lang="zh-CN" altLang="en-US"/>
           </a:p>
           <a:p>
             <a:pPr lvl="2"/>
@@ -1784,6 +1564,7 @@
               <a:rPr lang="zh-CN" altLang="en-US"/>
               <a:t>三级</a:t>
             </a:r>
+            <a:endParaRPr lang="zh-CN" altLang="en-US"/>
           </a:p>
           <a:p>
             <a:pPr lvl="3"/>
@@ -1791,6 +1572,7 @@
               <a:rPr lang="zh-CN" altLang="en-US"/>
               <a:t>四级</a:t>
             </a:r>
+            <a:endParaRPr lang="zh-CN" altLang="en-US"/>
           </a:p>
           <a:p>
             <a:pPr lvl="4"/>
@@ -1798,18 +1580,13 @@
               <a:rPr lang="zh-CN" altLang="en-US"/>
               <a:t>五级</a:t>
             </a:r>
-          </a:p>
-        </p:txBody>
-      </p:sp>
-      <p:sp>
-        <p:nvSpPr>
-          <p:cNvPr id="7" name="日期占位符 6">
-            <a:extLst>
-              <a:ext uri="{FF2B5EF4-FFF2-40B4-BE49-F238E27FC236}">
-                <a16:creationId xmlns:a16="http://schemas.microsoft.com/office/drawing/2014/main" id="{A56A20F6-7012-B26A-BEC3-F5B3D6851868}"/>
-              </a:ext>
-            </a:extLst>
-          </p:cNvPr>
+            <a:endParaRPr lang="zh-CN" altLang="en-US"/>
+          </a:p>
+        </p:txBody>
+      </p:sp>
+      <p:sp>
+        <p:nvSpPr>
+          <p:cNvPr id="7" name="日期占位符 6"/>
           <p:cNvSpPr>
             <a:spLocks noGrp="1"/>
           </p:cNvSpPr>
@@ -1824,7 +1601,6 @@
           <a:p>
             <a:fld id="{67A232F3-C438-4792-BCA8-CABA308BA0BD}" type="datetimeFigureOut">
               <a:rPr lang="zh-CN" altLang="en-US" smtClean="0"/>
-              <a:t>2025/6/9</a:t>
             </a:fld>
             <a:endParaRPr lang="zh-CN" altLang="en-US"/>
           </a:p>
@@ -1832,13 +1608,7 @@
       </p:sp>
       <p:sp>
         <p:nvSpPr>
-          <p:cNvPr id="8" name="页脚占位符 7">
-            <a:extLst>
-              <a:ext uri="{FF2B5EF4-FFF2-40B4-BE49-F238E27FC236}">
-                <a16:creationId xmlns:a16="http://schemas.microsoft.com/office/drawing/2014/main" id="{60E2DD11-1599-1DDB-EB33-A85B5D88EE3E}"/>
-              </a:ext>
-            </a:extLst>
-          </p:cNvPr>
+          <p:cNvPr id="8" name="页脚占位符 7"/>
           <p:cNvSpPr>
             <a:spLocks noGrp="1"/>
           </p:cNvSpPr>
@@ -1857,13 +1627,7 @@
       </p:sp>
       <p:sp>
         <p:nvSpPr>
-          <p:cNvPr id="9" name="灯片编号占位符 8">
-            <a:extLst>
-              <a:ext uri="{FF2B5EF4-FFF2-40B4-BE49-F238E27FC236}">
-                <a16:creationId xmlns:a16="http://schemas.microsoft.com/office/drawing/2014/main" id="{686F9EFF-DE61-9876-19F6-B18D3FDF68C6}"/>
-              </a:ext>
-            </a:extLst>
-          </p:cNvPr>
+          <p:cNvPr id="9" name="灯片编号占位符 8"/>
           <p:cNvSpPr>
             <a:spLocks noGrp="1"/>
           </p:cNvSpPr>
@@ -1878,18 +1642,12 @@
           <a:p>
             <a:fld id="{484FCD43-2353-4716-8F21-3B25CF08E3DC}" type="slidenum">
               <a:rPr lang="zh-CN" altLang="en-US" smtClean="0"/>
-              <a:t>‹#›</a:t>
             </a:fld>
             <a:endParaRPr lang="zh-CN" altLang="en-US"/>
           </a:p>
         </p:txBody>
       </p:sp>
     </p:spTree>
-    <p:extLst>
-      <p:ext uri="{BB962C8B-B14F-4D97-AF65-F5344CB8AC3E}">
-        <p14:creationId xmlns:p14="http://schemas.microsoft.com/office/powerpoint/2010/main" val="705719906"/>
-      </p:ext>
-    </p:extLst>
   </p:cSld>
   <p:clrMapOvr>
     <a:masterClrMapping/>
@@ -1916,13 +1674,7 @@
       </p:grpSpPr>
       <p:sp>
         <p:nvSpPr>
-          <p:cNvPr id="2" name="标题 1">
-            <a:extLst>
-              <a:ext uri="{FF2B5EF4-FFF2-40B4-BE49-F238E27FC236}">
-                <a16:creationId xmlns:a16="http://schemas.microsoft.com/office/drawing/2014/main" id="{B438205F-A4C5-2557-35E2-716CED10F2BB}"/>
-              </a:ext>
-            </a:extLst>
-          </p:cNvPr>
+          <p:cNvPr id="2" name="标题 1"/>
           <p:cNvSpPr>
             <a:spLocks noGrp="1"/>
           </p:cNvSpPr>
@@ -1939,18 +1691,13 @@
               <a:rPr lang="zh-CN" altLang="en-US"/>
               <a:t>单击此处编辑母版标题样式</a:t>
             </a:r>
-          </a:p>
-        </p:txBody>
-      </p:sp>
-      <p:sp>
-        <p:nvSpPr>
-          <p:cNvPr id="3" name="日期占位符 2">
-            <a:extLst>
-              <a:ext uri="{FF2B5EF4-FFF2-40B4-BE49-F238E27FC236}">
-                <a16:creationId xmlns:a16="http://schemas.microsoft.com/office/drawing/2014/main" id="{8BA50888-6387-2B94-13E1-806EF1A67414}"/>
-              </a:ext>
-            </a:extLst>
-          </p:cNvPr>
+            <a:endParaRPr lang="zh-CN" altLang="en-US"/>
+          </a:p>
+        </p:txBody>
+      </p:sp>
+      <p:sp>
+        <p:nvSpPr>
+          <p:cNvPr id="3" name="日期占位符 2"/>
           <p:cNvSpPr>
             <a:spLocks noGrp="1"/>
           </p:cNvSpPr>
@@ -1965,7 +1712,6 @@
           <a:p>
             <a:fld id="{67A232F3-C438-4792-BCA8-CABA308BA0BD}" type="datetimeFigureOut">
               <a:rPr lang="zh-CN" altLang="en-US" smtClean="0"/>
-              <a:t>2025/6/9</a:t>
             </a:fld>
             <a:endParaRPr lang="zh-CN" altLang="en-US"/>
           </a:p>
@@ -1973,13 +1719,7 @@
       </p:sp>
       <p:sp>
         <p:nvSpPr>
-          <p:cNvPr id="4" name="页脚占位符 3">
-            <a:extLst>
-              <a:ext uri="{FF2B5EF4-FFF2-40B4-BE49-F238E27FC236}">
-                <a16:creationId xmlns:a16="http://schemas.microsoft.com/office/drawing/2014/main" id="{A3E06F89-3AAB-DD97-3980-74A5CDF8FAFE}"/>
-              </a:ext>
-            </a:extLst>
-          </p:cNvPr>
+          <p:cNvPr id="4" name="页脚占位符 3"/>
           <p:cNvSpPr>
             <a:spLocks noGrp="1"/>
           </p:cNvSpPr>
@@ -1998,13 +1738,7 @@
       </p:sp>
       <p:sp>
         <p:nvSpPr>
-          <p:cNvPr id="5" name="灯片编号占位符 4">
-            <a:extLst>
-              <a:ext uri="{FF2B5EF4-FFF2-40B4-BE49-F238E27FC236}">
-                <a16:creationId xmlns:a16="http://schemas.microsoft.com/office/drawing/2014/main" id="{6E4F4D78-350A-6909-6380-AC6044086F70}"/>
-              </a:ext>
-            </a:extLst>
-          </p:cNvPr>
+          <p:cNvPr id="5" name="灯片编号占位符 4"/>
           <p:cNvSpPr>
             <a:spLocks noGrp="1"/>
           </p:cNvSpPr>
@@ -2019,18 +1753,12 @@
           <a:p>
             <a:fld id="{484FCD43-2353-4716-8F21-3B25CF08E3DC}" type="slidenum">
               <a:rPr lang="zh-CN" altLang="en-US" smtClean="0"/>
-              <a:t>‹#›</a:t>
             </a:fld>
             <a:endParaRPr lang="zh-CN" altLang="en-US"/>
           </a:p>
         </p:txBody>
       </p:sp>
     </p:spTree>
-    <p:extLst>
-      <p:ext uri="{BB962C8B-B14F-4D97-AF65-F5344CB8AC3E}">
-        <p14:creationId xmlns:p14="http://schemas.microsoft.com/office/powerpoint/2010/main" val="405738539"/>
-      </p:ext>
-    </p:extLst>
   </p:cSld>
   <p:clrMapOvr>
     <a:masterClrMapping/>
@@ -2057,13 +1785,7 @@
       </p:grpSpPr>
       <p:sp>
         <p:nvSpPr>
-          <p:cNvPr id="2" name="日期占位符 1">
-            <a:extLst>
-              <a:ext uri="{FF2B5EF4-FFF2-40B4-BE49-F238E27FC236}">
-                <a16:creationId xmlns:a16="http://schemas.microsoft.com/office/drawing/2014/main" id="{CCFA48A8-5E8B-E50B-60B7-45BB1DF1F090}"/>
-              </a:ext>
-            </a:extLst>
-          </p:cNvPr>
+          <p:cNvPr id="2" name="日期占位符 1"/>
           <p:cNvSpPr>
             <a:spLocks noGrp="1"/>
           </p:cNvSpPr>
@@ -2078,7 +1800,6 @@
           <a:p>
             <a:fld id="{67A232F3-C438-4792-BCA8-CABA308BA0BD}" type="datetimeFigureOut">
               <a:rPr lang="zh-CN" altLang="en-US" smtClean="0"/>
-              <a:t>2025/6/9</a:t>
             </a:fld>
             <a:endParaRPr lang="zh-CN" altLang="en-US"/>
           </a:p>
@@ -2086,13 +1807,7 @@
       </p:sp>
       <p:sp>
         <p:nvSpPr>
-          <p:cNvPr id="3" name="页脚占位符 2">
-            <a:extLst>
-              <a:ext uri="{FF2B5EF4-FFF2-40B4-BE49-F238E27FC236}">
-                <a16:creationId xmlns:a16="http://schemas.microsoft.com/office/drawing/2014/main" id="{512B0749-CD9E-3DBB-0605-4DFC98791CBF}"/>
-              </a:ext>
-            </a:extLst>
-          </p:cNvPr>
+          <p:cNvPr id="3" name="页脚占位符 2"/>
           <p:cNvSpPr>
             <a:spLocks noGrp="1"/>
           </p:cNvSpPr>
@@ -2111,13 +1826,7 @@
       </p:sp>
       <p:sp>
         <p:nvSpPr>
-          <p:cNvPr id="4" name="灯片编号占位符 3">
-            <a:extLst>
-              <a:ext uri="{FF2B5EF4-FFF2-40B4-BE49-F238E27FC236}">
-                <a16:creationId xmlns:a16="http://schemas.microsoft.com/office/drawing/2014/main" id="{00C1B2A6-A203-D4D6-1055-9E02C088CC89}"/>
-              </a:ext>
-            </a:extLst>
-          </p:cNvPr>
+          <p:cNvPr id="4" name="灯片编号占位符 3"/>
           <p:cNvSpPr>
             <a:spLocks noGrp="1"/>
           </p:cNvSpPr>
@@ -2132,18 +1841,12 @@
           <a:p>
             <a:fld id="{484FCD43-2353-4716-8F21-3B25CF08E3DC}" type="slidenum">
               <a:rPr lang="zh-CN" altLang="en-US" smtClean="0"/>
-              <a:t>‹#›</a:t>
             </a:fld>
             <a:endParaRPr lang="zh-CN" altLang="en-US"/>
           </a:p>
         </p:txBody>
       </p:sp>
     </p:spTree>
-    <p:extLst>
-      <p:ext uri="{BB962C8B-B14F-4D97-AF65-F5344CB8AC3E}">
-        <p14:creationId xmlns:p14="http://schemas.microsoft.com/office/powerpoint/2010/main" val="2538328804"/>
-      </p:ext>
-    </p:extLst>
   </p:cSld>
   <p:clrMapOvr>
     <a:masterClrMapping/>
@@ -2170,13 +1873,7 @@
       </p:grpSpPr>
       <p:sp>
         <p:nvSpPr>
-          <p:cNvPr id="2" name="标题 1">
-            <a:extLst>
-              <a:ext uri="{FF2B5EF4-FFF2-40B4-BE49-F238E27FC236}">
-                <a16:creationId xmlns:a16="http://schemas.microsoft.com/office/drawing/2014/main" id="{694295EE-0D10-86E8-0241-7590A5686570}"/>
-              </a:ext>
-            </a:extLst>
-          </p:cNvPr>
+          <p:cNvPr id="2" name="标题 1"/>
           <p:cNvSpPr>
             <a:spLocks noGrp="1"/>
           </p:cNvSpPr>
@@ -2202,18 +1899,13 @@
               <a:rPr lang="zh-CN" altLang="en-US"/>
               <a:t>单击此处编辑母版标题样式</a:t>
             </a:r>
-          </a:p>
-        </p:txBody>
-      </p:sp>
-      <p:sp>
-        <p:nvSpPr>
-          <p:cNvPr id="3" name="内容占位符 2">
-            <a:extLst>
-              <a:ext uri="{FF2B5EF4-FFF2-40B4-BE49-F238E27FC236}">
-                <a16:creationId xmlns:a16="http://schemas.microsoft.com/office/drawing/2014/main" id="{F33AF365-F3BC-E137-8962-9DE1DBA23250}"/>
-              </a:ext>
-            </a:extLst>
-          </p:cNvPr>
+            <a:endParaRPr lang="zh-CN" altLang="en-US"/>
+          </a:p>
+        </p:txBody>
+      </p:sp>
+      <p:sp>
+        <p:nvSpPr>
+          <p:cNvPr id="3" name="内容占位符 2"/>
           <p:cNvSpPr>
             <a:spLocks noGrp="1"/>
           </p:cNvSpPr>
@@ -2264,6 +1956,7 @@
               <a:rPr lang="zh-CN" altLang="en-US"/>
               <a:t>单击此处编辑母版文本样式</a:t>
             </a:r>
+            <a:endParaRPr lang="zh-CN" altLang="en-US"/>
           </a:p>
           <a:p>
             <a:pPr lvl="1"/>
@@ -2271,6 +1964,7 @@
               <a:rPr lang="zh-CN" altLang="en-US"/>
               <a:t>二级</a:t>
             </a:r>
+            <a:endParaRPr lang="zh-CN" altLang="en-US"/>
           </a:p>
           <a:p>
             <a:pPr lvl="2"/>
@@ -2278,6 +1972,7 @@
               <a:rPr lang="zh-CN" altLang="en-US"/>
               <a:t>三级</a:t>
             </a:r>
+            <a:endParaRPr lang="zh-CN" altLang="en-US"/>
           </a:p>
           <a:p>
             <a:pPr lvl="3"/>
@@ -2285,6 +1980,7 @@
               <a:rPr lang="zh-CN" altLang="en-US"/>
               <a:t>四级</a:t>
             </a:r>
+            <a:endParaRPr lang="zh-CN" altLang="en-US"/>
           </a:p>
           <a:p>
             <a:pPr lvl="4"/>
@@ -2292,18 +1988,13 @@
               <a:rPr lang="zh-CN" altLang="en-US"/>
               <a:t>五级</a:t>
             </a:r>
-          </a:p>
-        </p:txBody>
-      </p:sp>
-      <p:sp>
-        <p:nvSpPr>
-          <p:cNvPr id="4" name="文本占位符 3">
-            <a:extLst>
-              <a:ext uri="{FF2B5EF4-FFF2-40B4-BE49-F238E27FC236}">
-                <a16:creationId xmlns:a16="http://schemas.microsoft.com/office/drawing/2014/main" id="{FAB9A636-4615-FF25-760F-92124BC099D0}"/>
-              </a:ext>
-            </a:extLst>
-          </p:cNvPr>
+            <a:endParaRPr lang="zh-CN" altLang="en-US"/>
+          </a:p>
+        </p:txBody>
+      </p:sp>
+      <p:sp>
+        <p:nvSpPr>
+          <p:cNvPr id="4" name="文本占位符 3"/>
           <p:cNvSpPr>
             <a:spLocks noGrp="1"/>
           </p:cNvSpPr>
@@ -2363,18 +2054,13 @@
               <a:rPr lang="zh-CN" altLang="en-US"/>
               <a:t>单击此处编辑母版文本样式</a:t>
             </a:r>
-          </a:p>
-        </p:txBody>
-      </p:sp>
-      <p:sp>
-        <p:nvSpPr>
-          <p:cNvPr id="5" name="日期占位符 4">
-            <a:extLst>
-              <a:ext uri="{FF2B5EF4-FFF2-40B4-BE49-F238E27FC236}">
-                <a16:creationId xmlns:a16="http://schemas.microsoft.com/office/drawing/2014/main" id="{6C889775-7FD1-C25B-0A97-A4861CF3F1E5}"/>
-              </a:ext>
-            </a:extLst>
-          </p:cNvPr>
+            <a:endParaRPr lang="zh-CN" altLang="en-US"/>
+          </a:p>
+        </p:txBody>
+      </p:sp>
+      <p:sp>
+        <p:nvSpPr>
+          <p:cNvPr id="5" name="日期占位符 4"/>
           <p:cNvSpPr>
             <a:spLocks noGrp="1"/>
           </p:cNvSpPr>
@@ -2389,7 +2075,6 @@
           <a:p>
             <a:fld id="{67A232F3-C438-4792-BCA8-CABA308BA0BD}" type="datetimeFigureOut">
               <a:rPr lang="zh-CN" altLang="en-US" smtClean="0"/>
-              <a:t>2025/6/9</a:t>
             </a:fld>
             <a:endParaRPr lang="zh-CN" altLang="en-US"/>
           </a:p>
@@ -2397,13 +2082,7 @@
       </p:sp>
       <p:sp>
         <p:nvSpPr>
-          <p:cNvPr id="6" name="页脚占位符 5">
-            <a:extLst>
-              <a:ext uri="{FF2B5EF4-FFF2-40B4-BE49-F238E27FC236}">
-                <a16:creationId xmlns:a16="http://schemas.microsoft.com/office/drawing/2014/main" id="{83444DFD-8A62-575E-649A-718383CBE7D4}"/>
-              </a:ext>
-            </a:extLst>
-          </p:cNvPr>
+          <p:cNvPr id="6" name="页脚占位符 5"/>
           <p:cNvSpPr>
             <a:spLocks noGrp="1"/>
           </p:cNvSpPr>
@@ -2422,13 +2101,7 @@
       </p:sp>
       <p:sp>
         <p:nvSpPr>
-          <p:cNvPr id="7" name="灯片编号占位符 6">
-            <a:extLst>
-              <a:ext uri="{FF2B5EF4-FFF2-40B4-BE49-F238E27FC236}">
-                <a16:creationId xmlns:a16="http://schemas.microsoft.com/office/drawing/2014/main" id="{DE914A2A-DA50-86BA-DF9D-C4F83F1DCA63}"/>
-              </a:ext>
-            </a:extLst>
-          </p:cNvPr>
+          <p:cNvPr id="7" name="灯片编号占位符 6"/>
           <p:cNvSpPr>
             <a:spLocks noGrp="1"/>
           </p:cNvSpPr>
@@ -2443,18 +2116,12 @@
           <a:p>
             <a:fld id="{484FCD43-2353-4716-8F21-3B25CF08E3DC}" type="slidenum">
               <a:rPr lang="zh-CN" altLang="en-US" smtClean="0"/>
-              <a:t>‹#›</a:t>
             </a:fld>
             <a:endParaRPr lang="zh-CN" altLang="en-US"/>
           </a:p>
         </p:txBody>
       </p:sp>
     </p:spTree>
-    <p:extLst>
-      <p:ext uri="{BB962C8B-B14F-4D97-AF65-F5344CB8AC3E}">
-        <p14:creationId xmlns:p14="http://schemas.microsoft.com/office/powerpoint/2010/main" val="3650020973"/>
-      </p:ext>
-    </p:extLst>
   </p:cSld>
   <p:clrMapOvr>
     <a:masterClrMapping/>
@@ -2481,13 +2148,7 @@
       </p:grpSpPr>
       <p:sp>
         <p:nvSpPr>
-          <p:cNvPr id="2" name="标题 1">
-            <a:extLst>
-              <a:ext uri="{FF2B5EF4-FFF2-40B4-BE49-F238E27FC236}">
-                <a16:creationId xmlns:a16="http://schemas.microsoft.com/office/drawing/2014/main" id="{2B62B48D-14DA-2B7D-DA41-6E1E56423089}"/>
-              </a:ext>
-            </a:extLst>
-          </p:cNvPr>
+          <p:cNvPr id="2" name="标题 1"/>
           <p:cNvSpPr>
             <a:spLocks noGrp="1"/>
           </p:cNvSpPr>
@@ -2513,18 +2174,13 @@
               <a:rPr lang="zh-CN" altLang="en-US"/>
               <a:t>单击此处编辑母版标题样式</a:t>
             </a:r>
-          </a:p>
-        </p:txBody>
-      </p:sp>
-      <p:sp>
-        <p:nvSpPr>
-          <p:cNvPr id="3" name="图片占位符 2">
-            <a:extLst>
-              <a:ext uri="{FF2B5EF4-FFF2-40B4-BE49-F238E27FC236}">
-                <a16:creationId xmlns:a16="http://schemas.microsoft.com/office/drawing/2014/main" id="{70800299-B93C-735B-2E6C-A5F94B85DBBD}"/>
-              </a:ext>
-            </a:extLst>
-          </p:cNvPr>
+            <a:endParaRPr lang="zh-CN" altLang="en-US"/>
+          </a:p>
+        </p:txBody>
+      </p:sp>
+      <p:sp>
+        <p:nvSpPr>
+          <p:cNvPr id="3" name="图片占位符 2"/>
           <p:cNvSpPr>
             <a:spLocks noGrp="1"/>
           </p:cNvSpPr>
@@ -2585,13 +2241,7 @@
       </p:sp>
       <p:sp>
         <p:nvSpPr>
-          <p:cNvPr id="4" name="文本占位符 3">
-            <a:extLst>
-              <a:ext uri="{FF2B5EF4-FFF2-40B4-BE49-F238E27FC236}">
-                <a16:creationId xmlns:a16="http://schemas.microsoft.com/office/drawing/2014/main" id="{A4BBFE2B-E1E4-386C-56A2-C634DFA44EAF}"/>
-              </a:ext>
-            </a:extLst>
-          </p:cNvPr>
+          <p:cNvPr id="4" name="文本占位符 3"/>
           <p:cNvSpPr>
             <a:spLocks noGrp="1"/>
           </p:cNvSpPr>
@@ -2651,18 +2301,13 @@
               <a:rPr lang="zh-CN" altLang="en-US"/>
               <a:t>单击此处编辑母版文本样式</a:t>
             </a:r>
-          </a:p>
-        </p:txBody>
-      </p:sp>
-      <p:sp>
-        <p:nvSpPr>
-          <p:cNvPr id="5" name="日期占位符 4">
-            <a:extLst>
-              <a:ext uri="{FF2B5EF4-FFF2-40B4-BE49-F238E27FC236}">
-                <a16:creationId xmlns:a16="http://schemas.microsoft.com/office/drawing/2014/main" id="{C7A9BA70-76B8-1C39-EF76-7E891DFC15D4}"/>
-              </a:ext>
-            </a:extLst>
-          </p:cNvPr>
+            <a:endParaRPr lang="zh-CN" altLang="en-US"/>
+          </a:p>
+        </p:txBody>
+      </p:sp>
+      <p:sp>
+        <p:nvSpPr>
+          <p:cNvPr id="5" name="日期占位符 4"/>
           <p:cNvSpPr>
             <a:spLocks noGrp="1"/>
           </p:cNvSpPr>
@@ -2677,7 +2322,6 @@
           <a:p>
             <a:fld id="{67A232F3-C438-4792-BCA8-CABA308BA0BD}" type="datetimeFigureOut">
               <a:rPr lang="zh-CN" altLang="en-US" smtClean="0"/>
-              <a:t>2025/6/9</a:t>
             </a:fld>
             <a:endParaRPr lang="zh-CN" altLang="en-US"/>
           </a:p>
@@ -2685,13 +2329,7 @@
       </p:sp>
       <p:sp>
         <p:nvSpPr>
-          <p:cNvPr id="6" name="页脚占位符 5">
-            <a:extLst>
-              <a:ext uri="{FF2B5EF4-FFF2-40B4-BE49-F238E27FC236}">
-                <a16:creationId xmlns:a16="http://schemas.microsoft.com/office/drawing/2014/main" id="{79FE6011-E498-0412-CBF4-3A134F8498A9}"/>
-              </a:ext>
-            </a:extLst>
-          </p:cNvPr>
+          <p:cNvPr id="6" name="页脚占位符 5"/>
           <p:cNvSpPr>
             <a:spLocks noGrp="1"/>
           </p:cNvSpPr>
@@ -2710,13 +2348,7 @@
       </p:sp>
       <p:sp>
         <p:nvSpPr>
-          <p:cNvPr id="7" name="灯片编号占位符 6">
-            <a:extLst>
-              <a:ext uri="{FF2B5EF4-FFF2-40B4-BE49-F238E27FC236}">
-                <a16:creationId xmlns:a16="http://schemas.microsoft.com/office/drawing/2014/main" id="{B71DFD6F-86C1-861D-539B-4F19AB8E5ADF}"/>
-              </a:ext>
-            </a:extLst>
-          </p:cNvPr>
+          <p:cNvPr id="7" name="灯片编号占位符 6"/>
           <p:cNvSpPr>
             <a:spLocks noGrp="1"/>
           </p:cNvSpPr>
@@ -2731,18 +2363,12 @@
           <a:p>
             <a:fld id="{484FCD43-2353-4716-8F21-3B25CF08E3DC}" type="slidenum">
               <a:rPr lang="zh-CN" altLang="en-US" smtClean="0"/>
-              <a:t>‹#›</a:t>
             </a:fld>
             <a:endParaRPr lang="zh-CN" altLang="en-US"/>
           </a:p>
         </p:txBody>
       </p:sp>
     </p:spTree>
-    <p:extLst>
-      <p:ext uri="{BB962C8B-B14F-4D97-AF65-F5344CB8AC3E}">
-        <p14:creationId xmlns:p14="http://schemas.microsoft.com/office/powerpoint/2010/main" val="3368120426"/>
-      </p:ext>
-    </p:extLst>
   </p:cSld>
   <p:clrMapOvr>
     <a:masterClrMapping/>
@@ -2774,13 +2400,7 @@
       </p:grpSpPr>
       <p:sp>
         <p:nvSpPr>
-          <p:cNvPr id="2" name="标题占位符 1">
-            <a:extLst>
-              <a:ext uri="{FF2B5EF4-FFF2-40B4-BE49-F238E27FC236}">
-                <a16:creationId xmlns:a16="http://schemas.microsoft.com/office/drawing/2014/main" id="{D4186EAC-7CDF-4E95-26B0-795455CD8416}"/>
-              </a:ext>
-            </a:extLst>
-          </p:cNvPr>
+          <p:cNvPr id="2" name="标题占位符 1"/>
           <p:cNvSpPr>
             <a:spLocks noGrp="1"/>
           </p:cNvSpPr>
@@ -2807,18 +2427,13 @@
               <a:rPr lang="zh-CN" altLang="en-US"/>
               <a:t>单击此处编辑母版标题样式</a:t>
             </a:r>
-          </a:p>
-        </p:txBody>
-      </p:sp>
-      <p:sp>
-        <p:nvSpPr>
-          <p:cNvPr id="3" name="文本占位符 2">
-            <a:extLst>
-              <a:ext uri="{FF2B5EF4-FFF2-40B4-BE49-F238E27FC236}">
-                <a16:creationId xmlns:a16="http://schemas.microsoft.com/office/drawing/2014/main" id="{00CFBDC4-09B3-E297-9472-034A6402A70F}"/>
-              </a:ext>
-            </a:extLst>
-          </p:cNvPr>
+            <a:endParaRPr lang="zh-CN" altLang="en-US"/>
+          </a:p>
+        </p:txBody>
+      </p:sp>
+      <p:sp>
+        <p:nvSpPr>
+          <p:cNvPr id="3" name="文本占位符 2"/>
           <p:cNvSpPr>
             <a:spLocks noGrp="1"/>
           </p:cNvSpPr>
@@ -2846,6 +2461,7 @@
               <a:rPr lang="zh-CN" altLang="en-US"/>
               <a:t>单击此处编辑母版文本样式</a:t>
             </a:r>
+            <a:endParaRPr lang="zh-CN" altLang="en-US"/>
           </a:p>
           <a:p>
             <a:pPr lvl="1"/>
@@ -2853,6 +2469,7 @@
               <a:rPr lang="zh-CN" altLang="en-US"/>
               <a:t>二级</a:t>
             </a:r>
+            <a:endParaRPr lang="zh-CN" altLang="en-US"/>
           </a:p>
           <a:p>
             <a:pPr lvl="2"/>
@@ -2860,6 +2477,7 @@
               <a:rPr lang="zh-CN" altLang="en-US"/>
               <a:t>三级</a:t>
             </a:r>
+            <a:endParaRPr lang="zh-CN" altLang="en-US"/>
           </a:p>
           <a:p>
             <a:pPr lvl="3"/>
@@ -2867,6 +2485,7 @@
               <a:rPr lang="zh-CN" altLang="en-US"/>
               <a:t>四级</a:t>
             </a:r>
+            <a:endParaRPr lang="zh-CN" altLang="en-US"/>
           </a:p>
           <a:p>
             <a:pPr lvl="4"/>
@@ -2874,18 +2493,13 @@
               <a:rPr lang="zh-CN" altLang="en-US"/>
               <a:t>五级</a:t>
             </a:r>
-          </a:p>
-        </p:txBody>
-      </p:sp>
-      <p:sp>
-        <p:nvSpPr>
-          <p:cNvPr id="4" name="日期占位符 3">
-            <a:extLst>
-              <a:ext uri="{FF2B5EF4-FFF2-40B4-BE49-F238E27FC236}">
-                <a16:creationId xmlns:a16="http://schemas.microsoft.com/office/drawing/2014/main" id="{3B19ABBF-C864-2780-93A3-442B50FDD8FE}"/>
-              </a:ext>
-            </a:extLst>
-          </p:cNvPr>
+            <a:endParaRPr lang="zh-CN" altLang="en-US"/>
+          </a:p>
+        </p:txBody>
+      </p:sp>
+      <p:sp>
+        <p:nvSpPr>
+          <p:cNvPr id="4" name="日期占位符 3"/>
           <p:cNvSpPr>
             <a:spLocks noGrp="1"/>
           </p:cNvSpPr>
@@ -2918,7 +2532,6 @@
           <a:p>
             <a:fld id="{67A232F3-C438-4792-BCA8-CABA308BA0BD}" type="datetimeFigureOut">
               <a:rPr lang="zh-CN" altLang="en-US" smtClean="0"/>
-              <a:t>2025/6/9</a:t>
             </a:fld>
             <a:endParaRPr lang="zh-CN" altLang="en-US"/>
           </a:p>
@@ -2926,13 +2539,7 @@
       </p:sp>
       <p:sp>
         <p:nvSpPr>
-          <p:cNvPr id="5" name="页脚占位符 4">
-            <a:extLst>
-              <a:ext uri="{FF2B5EF4-FFF2-40B4-BE49-F238E27FC236}">
-                <a16:creationId xmlns:a16="http://schemas.microsoft.com/office/drawing/2014/main" id="{F970BA95-B93A-7132-66CC-08E616710DEC}"/>
-              </a:ext>
-            </a:extLst>
-          </p:cNvPr>
+          <p:cNvPr id="5" name="页脚占位符 4"/>
           <p:cNvSpPr>
             <a:spLocks noGrp="1"/>
           </p:cNvSpPr>
@@ -2969,13 +2576,7 @@
       </p:sp>
       <p:sp>
         <p:nvSpPr>
-          <p:cNvPr id="6" name="灯片编号占位符 5">
-            <a:extLst>
-              <a:ext uri="{FF2B5EF4-FFF2-40B4-BE49-F238E27FC236}">
-                <a16:creationId xmlns:a16="http://schemas.microsoft.com/office/drawing/2014/main" id="{3F8C1D22-D4DC-4072-F869-C914A965B233}"/>
-              </a:ext>
-            </a:extLst>
-          </p:cNvPr>
+          <p:cNvPr id="6" name="灯片编号占位符 5"/>
           <p:cNvSpPr>
             <a:spLocks noGrp="1"/>
           </p:cNvSpPr>
@@ -3008,18 +2609,12 @@
           <a:p>
             <a:fld id="{484FCD43-2353-4716-8F21-3B25CF08E3DC}" type="slidenum">
               <a:rPr lang="zh-CN" altLang="en-US" smtClean="0"/>
-              <a:t>‹#›</a:t>
             </a:fld>
             <a:endParaRPr lang="zh-CN" altLang="en-US"/>
           </a:p>
         </p:txBody>
       </p:sp>
     </p:spTree>
-    <p:extLst>
-      <p:ext uri="{BB962C8B-B14F-4D97-AF65-F5344CB8AC3E}">
-        <p14:creationId xmlns:p14="http://schemas.microsoft.com/office/powerpoint/2010/main" val="2374202157"/>
-      </p:ext>
-    </p:extLst>
   </p:cSld>
   <p:clrMap bg1="lt1" tx1="dk1" bg2="lt2" tx2="dk2" accent1="accent1" accent2="accent2" accent3="accent3" accent4="accent4" accent5="accent5" accent6="accent6" hlink="hlink" folHlink="folHlink"/>
   <p:sldLayoutIdLst>
@@ -3337,20 +2932,14 @@
       </p:grpSpPr>
       <p:pic>
         <p:nvPicPr>
-          <p:cNvPr id="55" name="图片 54" descr="图示&#10;&#10;AI 生成的内容可能不正确。">
-            <a:extLst>
-              <a:ext uri="{FF2B5EF4-FFF2-40B4-BE49-F238E27FC236}">
-                <a16:creationId xmlns:a16="http://schemas.microsoft.com/office/drawing/2014/main" id="{45293FD1-C108-E91F-87C0-B094738AB479}"/>
-              </a:ext>
-            </a:extLst>
-          </p:cNvPr>
+          <p:cNvPr id="55" name="图片 54" descr="图示&#10;&#10;AI 生成的内容可能不正确。"/>
           <p:cNvPicPr>
             <a:picLocks noChangeAspect="1"/>
           </p:cNvPicPr>
           <p:nvPr/>
         </p:nvPicPr>
         <p:blipFill>
-          <a:blip r:embed="rId2">
+          <a:blip r:embed="rId1">
             <a:extLst>
               <a:ext uri="{28A0092B-C50C-407E-A947-70E740481C1C}">
                 <a14:useLocalDpi xmlns:a14="http://schemas.microsoft.com/office/drawing/2010/main" val="0"/>
@@ -3373,13 +2962,7 @@
       </p:pic>
       <p:sp>
         <p:nvSpPr>
-          <p:cNvPr id="58" name="矩形 57">
-            <a:extLst>
-              <a:ext uri="{FF2B5EF4-FFF2-40B4-BE49-F238E27FC236}">
-                <a16:creationId xmlns:a16="http://schemas.microsoft.com/office/drawing/2014/main" id="{9AC199F1-1CCE-70F1-2F06-6616E090997E}"/>
-              </a:ext>
-            </a:extLst>
-          </p:cNvPr>
+          <p:cNvPr id="58" name="矩形 57"/>
           <p:cNvSpPr/>
           <p:nvPr/>
         </p:nvSpPr>
@@ -3425,13 +3008,7 @@
       </p:sp>
       <p:sp>
         <p:nvSpPr>
-          <p:cNvPr id="59" name="矩形 58">
-            <a:extLst>
-              <a:ext uri="{FF2B5EF4-FFF2-40B4-BE49-F238E27FC236}">
-                <a16:creationId xmlns:a16="http://schemas.microsoft.com/office/drawing/2014/main" id="{A499CF15-CFE2-29BB-7AB1-B7B6FB5DE4D2}"/>
-              </a:ext>
-            </a:extLst>
-          </p:cNvPr>
+          <p:cNvPr id="59" name="矩形 58"/>
           <p:cNvSpPr/>
           <p:nvPr/>
         </p:nvSpPr>
@@ -3477,13 +3054,7 @@
       </p:sp>
       <p:sp>
         <p:nvSpPr>
-          <p:cNvPr id="60" name="矩形 59">
-            <a:extLst>
-              <a:ext uri="{FF2B5EF4-FFF2-40B4-BE49-F238E27FC236}">
-                <a16:creationId xmlns:a16="http://schemas.microsoft.com/office/drawing/2014/main" id="{2A464D41-27F9-92E0-D36D-131CA1D6C9E0}"/>
-              </a:ext>
-            </a:extLst>
-          </p:cNvPr>
+          <p:cNvPr id="60" name="矩形 59"/>
           <p:cNvSpPr/>
           <p:nvPr/>
         </p:nvSpPr>
@@ -3529,13 +3100,7 @@
       </p:sp>
       <p:sp>
         <p:nvSpPr>
-          <p:cNvPr id="63" name="椭圆 62">
-            <a:extLst>
-              <a:ext uri="{FF2B5EF4-FFF2-40B4-BE49-F238E27FC236}">
-                <a16:creationId xmlns:a16="http://schemas.microsoft.com/office/drawing/2014/main" id="{58384AA4-18C7-2314-3B39-17BA938628E4}"/>
-              </a:ext>
-            </a:extLst>
-          </p:cNvPr>
+          <p:cNvPr id="63" name="椭圆 62"/>
           <p:cNvSpPr/>
           <p:nvPr/>
         </p:nvSpPr>
@@ -3581,13 +3146,7 @@
       </p:sp>
       <p:sp>
         <p:nvSpPr>
-          <p:cNvPr id="64" name="椭圆 63">
-            <a:extLst>
-              <a:ext uri="{FF2B5EF4-FFF2-40B4-BE49-F238E27FC236}">
-                <a16:creationId xmlns:a16="http://schemas.microsoft.com/office/drawing/2014/main" id="{EFD8BD3E-1DBC-ADDB-5221-976483170BA8}"/>
-              </a:ext>
-            </a:extLst>
-          </p:cNvPr>
+          <p:cNvPr id="64" name="椭圆 63"/>
           <p:cNvSpPr/>
           <p:nvPr/>
         </p:nvSpPr>
@@ -3633,13 +3192,7 @@
       </p:sp>
       <p:sp>
         <p:nvSpPr>
-          <p:cNvPr id="74" name="文本框 73">
-            <a:extLst>
-              <a:ext uri="{FF2B5EF4-FFF2-40B4-BE49-F238E27FC236}">
-                <a16:creationId xmlns:a16="http://schemas.microsoft.com/office/drawing/2014/main" id="{AAF9584E-5843-BEE4-F2F2-C674230F4D08}"/>
-              </a:ext>
-            </a:extLst>
-          </p:cNvPr>
+          <p:cNvPr id="74" name="文本框 73"/>
           <p:cNvSpPr txBox="1"/>
           <p:nvPr/>
         </p:nvSpPr>
@@ -3675,13 +3228,7 @@
       </p:sp>
       <p:sp>
         <p:nvSpPr>
-          <p:cNvPr id="76" name="文本框 75">
-            <a:extLst>
-              <a:ext uri="{FF2B5EF4-FFF2-40B4-BE49-F238E27FC236}">
-                <a16:creationId xmlns:a16="http://schemas.microsoft.com/office/drawing/2014/main" id="{86A35B0C-5840-FF25-FEDD-CF6FFEDC1D99}"/>
-              </a:ext>
-            </a:extLst>
-          </p:cNvPr>
+          <p:cNvPr id="76" name="文本框 75"/>
           <p:cNvSpPr txBox="1"/>
           <p:nvPr/>
         </p:nvSpPr>
@@ -3718,9 +3265,16 @@
               </a:rPr>
               <a:t>They can cancel bookings, view upcoming classes, and check payment history. Instructors can create, update, or cancel classes, view their teaching schedules, and see assigned classes.  </a:t>
             </a:r>
-          </a:p>
-          <a:p>
             <a:endParaRPr lang="zh-CN" altLang="en-US" sz="1400" dirty="0">
+              <a:highlight>
+                <a:srgbClr val="FFFF00"/>
+              </a:highlight>
+              <a:latin typeface="Times New Roman" panose="02020603050405020304" pitchFamily="18" charset="0"/>
+              <a:cs typeface="Times New Roman" panose="02020603050405020304" pitchFamily="18" charset="0"/>
+            </a:endParaRPr>
+          </a:p>
+          <a:p>
+            <a:endParaRPr lang="zh-CN" altLang="en-US" sz="1400" dirty="0">
               <a:latin typeface="Times New Roman" panose="02020603050405020304" pitchFamily="18" charset="0"/>
               <a:cs typeface="Times New Roman" panose="02020603050405020304" pitchFamily="18" charset="0"/>
             </a:endParaRPr>
@@ -3770,9 +3324,16 @@
               </a:rPr>
               <a:t>marked as completed.  </a:t>
             </a:r>
-          </a:p>
-          <a:p>
             <a:endParaRPr lang="zh-CN" altLang="en-US" sz="1400" dirty="0">
+              <a:highlight>
+                <a:srgbClr val="FF0000"/>
+              </a:highlight>
+              <a:latin typeface="Times New Roman" panose="02020603050405020304" pitchFamily="18" charset="0"/>
+              <a:cs typeface="Times New Roman" panose="02020603050405020304" pitchFamily="18" charset="0"/>
+            </a:endParaRPr>
+          </a:p>
+          <a:p>
+            <a:endParaRPr lang="zh-CN" altLang="en-US" sz="1400" dirty="0">
               <a:latin typeface="Times New Roman" panose="02020603050405020304" pitchFamily="18" charset="0"/>
               <a:cs typeface="Times New Roman" panose="02020603050405020304" pitchFamily="18" charset="0"/>
             </a:endParaRPr>
@@ -3802,18 +3363,16 @@
               </a:rPr>
               <a:t>`), and payment statuses. Members make bookings, which are associated with payments, while instructors teach fitness classes.  </a:t>
             </a:r>
-          </a:p>
-        </p:txBody>
-      </p:sp>
-      <p:sp>
-        <p:nvSpPr>
-          <p:cNvPr id="77" name="矩形 76">
-            <a:extLst>
-              <a:ext uri="{FF2B5EF4-FFF2-40B4-BE49-F238E27FC236}">
-                <a16:creationId xmlns:a16="http://schemas.microsoft.com/office/drawing/2014/main" id="{F1F8E032-37DF-A08B-0B94-F6B4496C98F1}"/>
-              </a:ext>
-            </a:extLst>
-          </p:cNvPr>
+            <a:endParaRPr lang="zh-CN" altLang="en-US" sz="1400" dirty="0">
+              <a:latin typeface="Times New Roman" panose="02020603050405020304" pitchFamily="18" charset="0"/>
+              <a:cs typeface="Times New Roman" panose="02020603050405020304" pitchFamily="18" charset="0"/>
+            </a:endParaRPr>
+          </a:p>
+        </p:txBody>
+      </p:sp>
+      <p:sp>
+        <p:nvSpPr>
+          <p:cNvPr id="77" name="矩形 76"/>
           <p:cNvSpPr/>
           <p:nvPr/>
         </p:nvSpPr>
@@ -3859,13 +3418,7 @@
       </p:sp>
       <p:sp>
         <p:nvSpPr>
-          <p:cNvPr id="78" name="文本框 77">
-            <a:extLst>
-              <a:ext uri="{FF2B5EF4-FFF2-40B4-BE49-F238E27FC236}">
-                <a16:creationId xmlns:a16="http://schemas.microsoft.com/office/drawing/2014/main" id="{122D12A0-D673-2417-13C8-F789334D6D13}"/>
-              </a:ext>
-            </a:extLst>
-          </p:cNvPr>
+          <p:cNvPr id="78" name="文本框 77"/>
           <p:cNvSpPr txBox="1"/>
           <p:nvPr/>
         </p:nvSpPr>
@@ -3946,15 +3499,6 @@
               </a:rPr>
               <a:t>[]</a:t>
             </a:r>
-          </a:p>
-          <a:p>
-            <a:r>
-              <a:rPr lang="zh-CN" altLang="en-US" sz="1600" dirty="0">
-                <a:latin typeface="楷体" panose="02010609060101010101" pitchFamily="49" charset="-122"/>
-                <a:ea typeface="楷体" panose="02010609060101010101" pitchFamily="49" charset="-122"/>
-              </a:rPr>
-              <a:t>方法：类中的方法定义重复</a:t>
-            </a:r>
             <a:endParaRPr lang="en-US" altLang="zh-CN" sz="1600" dirty="0">
               <a:latin typeface="楷体" panose="02010609060101010101" pitchFamily="49" charset="-122"/>
               <a:ea typeface="楷体" panose="02010609060101010101" pitchFamily="49" charset="-122"/>
@@ -3966,24 +3510,31 @@
                 <a:latin typeface="楷体" panose="02010609060101010101" pitchFamily="49" charset="-122"/>
                 <a:ea typeface="楷体" panose="02010609060101010101" pitchFamily="49" charset="-122"/>
               </a:rPr>
-              <a:t>关系：无</a:t>
+              <a:t>方法：类中的方法定义重复</a:t>
             </a:r>
             <a:endParaRPr lang="en-US" altLang="zh-CN" sz="1600" dirty="0">
               <a:latin typeface="楷体" panose="02010609060101010101" pitchFamily="49" charset="-122"/>
               <a:ea typeface="楷体" panose="02010609060101010101" pitchFamily="49" charset="-122"/>
             </a:endParaRPr>
           </a:p>
-        </p:txBody>
-      </p:sp>
-      <p:sp>
-        <p:nvSpPr>
-          <p:cNvPr id="2" name="文本框 1">
-            <a:extLst>
-              <a:ext uri="{FF2B5EF4-FFF2-40B4-BE49-F238E27FC236}">
-                <a16:creationId xmlns:a16="http://schemas.microsoft.com/office/drawing/2014/main" id="{1A04A3AB-63B0-0E78-6B42-C84F983B7223}"/>
-              </a:ext>
-            </a:extLst>
-          </p:cNvPr>
+          <a:p>
+            <a:r>
+              <a:rPr lang="zh-CN" altLang="en-US" sz="1600" dirty="0">
+                <a:latin typeface="楷体" panose="02010609060101010101" pitchFamily="49" charset="-122"/>
+                <a:ea typeface="楷体" panose="02010609060101010101" pitchFamily="49" charset="-122"/>
+              </a:rPr>
+              <a:t>关系：无</a:t>
+            </a:r>
+            <a:endParaRPr lang="en-US" altLang="zh-CN" sz="1600" dirty="0">
+              <a:latin typeface="楷体" panose="02010609060101010101" pitchFamily="49" charset="-122"/>
+              <a:ea typeface="楷体" panose="02010609060101010101" pitchFamily="49" charset="-122"/>
+            </a:endParaRPr>
+          </a:p>
+        </p:txBody>
+      </p:sp>
+      <p:sp>
+        <p:nvSpPr>
+          <p:cNvPr id="2" name="文本框 1"/>
           <p:cNvSpPr txBox="1"/>
           <p:nvPr/>
         </p:nvSpPr>
@@ -4051,15 +3602,17 @@
               </a:rPr>
               <a:t>未体现的</a:t>
             </a:r>
+            <a:endParaRPr lang="zh-CN" altLang="en-US" dirty="0">
+              <a:highlight>
+                <a:srgbClr val="FF0000"/>
+              </a:highlight>
+              <a:latin typeface="楷体" panose="02010609060101010101" pitchFamily="49" charset="-122"/>
+              <a:ea typeface="楷体" panose="02010609060101010101" pitchFamily="49" charset="-122"/>
+            </a:endParaRPr>
           </a:p>
         </p:txBody>
       </p:sp>
     </p:spTree>
-    <p:extLst>
-      <p:ext uri="{BB962C8B-B14F-4D97-AF65-F5344CB8AC3E}">
-        <p14:creationId xmlns:p14="http://schemas.microsoft.com/office/powerpoint/2010/main" val="1367724128"/>
-      </p:ext>
-    </p:extLst>
   </p:cSld>
   <p:clrMapOvr>
     <a:masterClrMapping/>
@@ -4086,20 +3639,14 @@
       </p:grpSpPr>
       <p:pic>
         <p:nvPicPr>
-          <p:cNvPr id="5" name="图片 4">
-            <a:extLst>
-              <a:ext uri="{FF2B5EF4-FFF2-40B4-BE49-F238E27FC236}">
-                <a16:creationId xmlns:a16="http://schemas.microsoft.com/office/drawing/2014/main" id="{B3E2B33E-3783-3F45-6391-F8195637EA56}"/>
-              </a:ext>
-            </a:extLst>
-          </p:cNvPr>
+          <p:cNvPr id="5" name="图片 4"/>
           <p:cNvPicPr>
             <a:picLocks noChangeAspect="1"/>
           </p:cNvPicPr>
           <p:nvPr/>
         </p:nvPicPr>
         <p:blipFill>
-          <a:blip r:embed="rId2"/>
+          <a:blip r:embed="rId1"/>
           <a:stretch>
             <a:fillRect/>
           </a:stretch>
@@ -4116,13 +3663,7 @@
       </p:pic>
       <p:sp>
         <p:nvSpPr>
-          <p:cNvPr id="6" name="文本框 5">
-            <a:extLst>
-              <a:ext uri="{FF2B5EF4-FFF2-40B4-BE49-F238E27FC236}">
-                <a16:creationId xmlns:a16="http://schemas.microsoft.com/office/drawing/2014/main" id="{89815764-FE2F-637D-7457-34814850A0E2}"/>
-              </a:ext>
-            </a:extLst>
-          </p:cNvPr>
+          <p:cNvPr id="6" name="文本框 5"/>
           <p:cNvSpPr txBox="1"/>
           <p:nvPr/>
         </p:nvSpPr>
@@ -4158,13 +3699,7 @@
       </p:sp>
       <p:sp>
         <p:nvSpPr>
-          <p:cNvPr id="7" name="文本框 6">
-            <a:extLst>
-              <a:ext uri="{FF2B5EF4-FFF2-40B4-BE49-F238E27FC236}">
-                <a16:creationId xmlns:a16="http://schemas.microsoft.com/office/drawing/2014/main" id="{30C3DE75-A9FB-5A0D-4411-FC87C4203209}"/>
-              </a:ext>
-            </a:extLst>
-          </p:cNvPr>
+          <p:cNvPr id="7" name="文本框 6"/>
           <p:cNvSpPr txBox="1"/>
           <p:nvPr/>
         </p:nvSpPr>
@@ -4308,13 +3843,7 @@
       </p:sp>
       <p:sp>
         <p:nvSpPr>
-          <p:cNvPr id="9" name="矩形 8">
-            <a:extLst>
-              <a:ext uri="{FF2B5EF4-FFF2-40B4-BE49-F238E27FC236}">
-                <a16:creationId xmlns:a16="http://schemas.microsoft.com/office/drawing/2014/main" id="{566EAAF2-6E29-32B3-787D-1C11D31092F1}"/>
-              </a:ext>
-            </a:extLst>
-          </p:cNvPr>
+          <p:cNvPr id="9" name="矩形 8"/>
           <p:cNvSpPr/>
           <p:nvPr/>
         </p:nvSpPr>
@@ -4360,13 +3889,7 @@
       </p:sp>
       <p:sp>
         <p:nvSpPr>
-          <p:cNvPr id="10" name="矩形 9">
-            <a:extLst>
-              <a:ext uri="{FF2B5EF4-FFF2-40B4-BE49-F238E27FC236}">
-                <a16:creationId xmlns:a16="http://schemas.microsoft.com/office/drawing/2014/main" id="{217CC951-1339-02A5-EB44-C91FA0EB15C6}"/>
-              </a:ext>
-            </a:extLst>
-          </p:cNvPr>
+          <p:cNvPr id="10" name="矩形 9"/>
           <p:cNvSpPr/>
           <p:nvPr/>
         </p:nvSpPr>
@@ -4412,13 +3935,7 @@
       </p:sp>
       <p:sp>
         <p:nvSpPr>
-          <p:cNvPr id="11" name="矩形 10">
-            <a:extLst>
-              <a:ext uri="{FF2B5EF4-FFF2-40B4-BE49-F238E27FC236}">
-                <a16:creationId xmlns:a16="http://schemas.microsoft.com/office/drawing/2014/main" id="{04BEE55B-145D-043A-CE08-FB61F7D64A84}"/>
-              </a:ext>
-            </a:extLst>
-          </p:cNvPr>
+          <p:cNvPr id="11" name="矩形 10"/>
           <p:cNvSpPr/>
           <p:nvPr/>
         </p:nvSpPr>
@@ -4464,13 +3981,7 @@
       </p:sp>
       <p:sp>
         <p:nvSpPr>
-          <p:cNvPr id="12" name="矩形 11">
-            <a:extLst>
-              <a:ext uri="{FF2B5EF4-FFF2-40B4-BE49-F238E27FC236}">
-                <a16:creationId xmlns:a16="http://schemas.microsoft.com/office/drawing/2014/main" id="{58F24D9F-1CFD-B155-77BF-00F3150F62F7}"/>
-              </a:ext>
-            </a:extLst>
-          </p:cNvPr>
+          <p:cNvPr id="12" name="矩形 11"/>
           <p:cNvSpPr/>
           <p:nvPr/>
         </p:nvSpPr>
@@ -4516,13 +4027,7 @@
       </p:sp>
       <p:sp>
         <p:nvSpPr>
-          <p:cNvPr id="14" name="文本框 13">
-            <a:extLst>
-              <a:ext uri="{FF2B5EF4-FFF2-40B4-BE49-F238E27FC236}">
-                <a16:creationId xmlns:a16="http://schemas.microsoft.com/office/drawing/2014/main" id="{274C9F22-DEA9-A61C-6B61-82DE84E565F7}"/>
-              </a:ext>
-            </a:extLst>
-          </p:cNvPr>
+          <p:cNvPr id="14" name="文本框 13"/>
           <p:cNvSpPr txBox="1"/>
           <p:nvPr/>
         </p:nvSpPr>
@@ -4549,14 +4054,18 @@
               </a:rPr>
               <a:t>The Fleet Management System oversees and optimizes vehicle fleet operations. It enables fleet managers to track vehicles, schedule maintenance, and manage driver assignments.  </a:t>
             </a:r>
-          </a:p>
-          <a:p>
             <a:endParaRPr lang="zh-CN" altLang="en-US" sz="1400" dirty="0">
               <a:latin typeface="Times New Roman" panose="02020603050405020304" pitchFamily="18" charset="0"/>
               <a:cs typeface="Times New Roman" panose="02020603050405020304" pitchFamily="18" charset="0"/>
             </a:endParaRPr>
           </a:p>
           <a:p>
+            <a:endParaRPr lang="zh-CN" altLang="en-US" sz="1400" dirty="0">
+              <a:latin typeface="Times New Roman" panose="02020603050405020304" pitchFamily="18" charset="0"/>
+              <a:cs typeface="Times New Roman" panose="02020603050405020304" pitchFamily="18" charset="0"/>
+            </a:endParaRPr>
+          </a:p>
+          <a:p>
             <a:r>
               <a:rPr lang="zh-CN" altLang="en-US" sz="1400" dirty="0">
                 <a:latin typeface="Times New Roman" panose="02020603050405020304" pitchFamily="18" charset="0"/>
@@ -4564,14 +4073,18 @@
               </a:rPr>
               <a:t>**Vehicles** are equipped with tracking and maintenance capabilities. Each vehicle has a `licensePlate` and `currentFuelLevel`, along with methods to `startEngine()` and `stopEngine()`. Through the `Trackable` interface, vehicles provide real-time location (`getCurrentLocation()`) and `getRouteHistory()`. The `Maintainable` interface allows scheduling maintenance (`scheduleMaintenance(date: Date)`) and retrieving `getMaintenanceHistory()`.  </a:t>
             </a:r>
-          </a:p>
-          <a:p>
             <a:endParaRPr lang="zh-CN" altLang="en-US" sz="1400" dirty="0">
               <a:latin typeface="Times New Roman" panose="02020603050405020304" pitchFamily="18" charset="0"/>
               <a:cs typeface="Times New Roman" panose="02020603050405020304" pitchFamily="18" charset="0"/>
             </a:endParaRPr>
           </a:p>
           <a:p>
+            <a:endParaRPr lang="zh-CN" altLang="en-US" sz="1400" dirty="0">
+              <a:latin typeface="Times New Roman" panose="02020603050405020304" pitchFamily="18" charset="0"/>
+              <a:cs typeface="Times New Roman" panose="02020603050405020304" pitchFamily="18" charset="0"/>
+            </a:endParaRPr>
+          </a:p>
+          <a:p>
             <a:r>
               <a:rPr lang="zh-CN" altLang="en-US" sz="1400" dirty="0">
                 <a:latin typeface="Times New Roman" panose="02020603050405020304" pitchFamily="18" charset="0"/>
@@ -4579,6 +4092,10 @@
               </a:rPr>
               <a:t>**Fleet Managers** can:  </a:t>
             </a:r>
+            <a:endParaRPr lang="zh-CN" altLang="en-US" sz="1400" dirty="0">
+              <a:latin typeface="Times New Roman" panose="02020603050405020304" pitchFamily="18" charset="0"/>
+              <a:cs typeface="Times New Roman" panose="02020603050405020304" pitchFamily="18" charset="0"/>
+            </a:endParaRPr>
           </a:p>
           <a:p>
             <a:r>
@@ -4588,6 +4105,10 @@
               </a:rPr>
               <a:t>- Add/remove vehicles using `addVehicle(vehicle: Vehicle)` and `removeVehicle(vehicleId: String)`.  </a:t>
             </a:r>
+            <a:endParaRPr lang="zh-CN" altLang="en-US" sz="1400" dirty="0">
+              <a:latin typeface="Times New Roman" panose="02020603050405020304" pitchFamily="18" charset="0"/>
+              <a:cs typeface="Times New Roman" panose="02020603050405020304" pitchFamily="18" charset="0"/>
+            </a:endParaRPr>
           </a:p>
           <a:p>
             <a:r>
@@ -4597,6 +4118,10 @@
               </a:rPr>
               <a:t>- Check fleet size via `getFleetSize(): int`.  </a:t>
             </a:r>
+            <a:endParaRPr lang="zh-CN" altLang="en-US" sz="1400" dirty="0">
+              <a:latin typeface="Times New Roman" panose="02020603050405020304" pitchFamily="18" charset="0"/>
+              <a:cs typeface="Times New Roman" panose="02020603050405020304" pitchFamily="18" charset="0"/>
+            </a:endParaRPr>
           </a:p>
           <a:p>
             <a:r>
@@ -4606,14 +4131,18 @@
               </a:rPr>
               <a:t>- Assign drivers to vehicles with `assignDriver(vehicle: Vehicle, driver: Driver)`.  </a:t>
             </a:r>
-          </a:p>
-          <a:p>
             <a:endParaRPr lang="zh-CN" altLang="en-US" sz="1400" dirty="0">
               <a:latin typeface="Times New Roman" panose="02020603050405020304" pitchFamily="18" charset="0"/>
               <a:cs typeface="Times New Roman" panose="02020603050405020304" pitchFamily="18" charset="0"/>
             </a:endParaRPr>
           </a:p>
           <a:p>
+            <a:endParaRPr lang="zh-CN" altLang="en-US" sz="1400" dirty="0">
+              <a:latin typeface="Times New Roman" panose="02020603050405020304" pitchFamily="18" charset="0"/>
+              <a:cs typeface="Times New Roman" panose="02020603050405020304" pitchFamily="18" charset="0"/>
+            </a:endParaRPr>
+          </a:p>
+          <a:p>
             <a:r>
               <a:rPr lang="zh-CN" altLang="en-US" sz="1400" dirty="0">
                 <a:latin typeface="Times New Roman" panose="02020603050405020304" pitchFamily="18" charset="0"/>
@@ -4621,14 +4150,18 @@
               </a:rPr>
               <a:t>**Drivers** are identified by a unique `driverId` and `licenseNumber`. They can be assigned to a vehicle (`assignVehicle(vehicle: Vehicle)`) and retrieve their assigned vehicle (`getAssignedVehicle(): Vehicle`).  </a:t>
             </a:r>
-          </a:p>
-          <a:p>
             <a:endParaRPr lang="zh-CN" altLang="en-US" sz="1400" dirty="0">
               <a:latin typeface="Times New Roman" panose="02020603050405020304" pitchFamily="18" charset="0"/>
               <a:cs typeface="Times New Roman" panose="02020603050405020304" pitchFamily="18" charset="0"/>
             </a:endParaRPr>
           </a:p>
           <a:p>
+            <a:endParaRPr lang="zh-CN" altLang="en-US" sz="1400" dirty="0">
+              <a:latin typeface="Times New Roman" panose="02020603050405020304" pitchFamily="18" charset="0"/>
+              <a:cs typeface="Times New Roman" panose="02020603050405020304" pitchFamily="18" charset="0"/>
+            </a:endParaRPr>
+          </a:p>
+          <a:p>
             <a:r>
               <a:rPr lang="zh-CN" altLang="en-US" sz="1400" dirty="0">
                 <a:latin typeface="Times New Roman" panose="02020603050405020304" pitchFamily="18" charset="0"/>
@@ -4636,6 +4169,10 @@
               </a:rPr>
               <a:t>**FleetManagementSystem** provides core functionalities:  </a:t>
             </a:r>
+            <a:endParaRPr lang="zh-CN" altLang="en-US" sz="1400" dirty="0">
+              <a:latin typeface="Times New Roman" panose="02020603050405020304" pitchFamily="18" charset="0"/>
+              <a:cs typeface="Times New Roman" panose="02020603050405020304" pitchFamily="18" charset="0"/>
+            </a:endParaRPr>
           </a:p>
           <a:p>
             <a:r>
@@ -4645,6 +4182,10 @@
               </a:rPr>
               <a:t>- Track vehicles via `trackVehicle(vehicle: Vehicle): Location`.  </a:t>
             </a:r>
+            <a:endParaRPr lang="zh-CN" altLang="en-US" sz="1400" dirty="0">
+              <a:latin typeface="Times New Roman" panose="02020603050405020304" pitchFamily="18" charset="0"/>
+              <a:cs typeface="Times New Roman" panose="02020603050405020304" pitchFamily="18" charset="0"/>
+            </a:endParaRPr>
           </a:p>
           <a:p>
             <a:r>
@@ -4654,14 +4195,18 @@
               </a:rPr>
               <a:t>- Generate detailed maintenance reports using `generateMaintenanceReport(vehicle: Vehicle): Report`.  </a:t>
             </a:r>
-          </a:p>
-          <a:p>
             <a:endParaRPr lang="zh-CN" altLang="en-US" sz="1400" dirty="0">
               <a:latin typeface="Times New Roman" panose="02020603050405020304" pitchFamily="18" charset="0"/>
               <a:cs typeface="Times New Roman" panose="02020603050405020304" pitchFamily="18" charset="0"/>
             </a:endParaRPr>
           </a:p>
           <a:p>
+            <a:endParaRPr lang="zh-CN" altLang="en-US" sz="1400" dirty="0">
+              <a:latin typeface="Times New Roman" panose="02020603050405020304" pitchFamily="18" charset="0"/>
+              <a:cs typeface="Times New Roman" panose="02020603050405020304" pitchFamily="18" charset="0"/>
+            </a:endParaRPr>
+          </a:p>
+          <a:p>
             <a:r>
               <a:rPr lang="zh-CN" altLang="en-US" sz="1400" dirty="0">
                 <a:latin typeface="Times New Roman" panose="02020603050405020304" pitchFamily="18" charset="0"/>
@@ -4669,18 +4214,16 @@
               </a:rPr>
               <a:t>This integration of tracking, maintenance, and driver management ensures efficient operations, reduces downtime, and improves fleet performance.  </a:t>
             </a:r>
-          </a:p>
-        </p:txBody>
-      </p:sp>
-      <p:sp>
-        <p:nvSpPr>
-          <p:cNvPr id="2" name="文本框 1">
-            <a:extLst>
-              <a:ext uri="{FF2B5EF4-FFF2-40B4-BE49-F238E27FC236}">
-                <a16:creationId xmlns:a16="http://schemas.microsoft.com/office/drawing/2014/main" id="{E9567762-FF35-D03F-1AC5-C753E78748A4}"/>
-              </a:ext>
-            </a:extLst>
-          </p:cNvPr>
+            <a:endParaRPr lang="zh-CN" altLang="en-US" sz="1400" dirty="0">
+              <a:latin typeface="Times New Roman" panose="02020603050405020304" pitchFamily="18" charset="0"/>
+              <a:cs typeface="Times New Roman" panose="02020603050405020304" pitchFamily="18" charset="0"/>
+            </a:endParaRPr>
+          </a:p>
+        </p:txBody>
+      </p:sp>
+      <p:sp>
+        <p:nvSpPr>
+          <p:cNvPr id="2" name="文本框 1"/>
           <p:cNvSpPr txBox="1"/>
           <p:nvPr/>
         </p:nvSpPr>
@@ -4710,15 +4253,17 @@
               </a:rPr>
               <a:t>未按纯文本格式给出</a:t>
             </a:r>
+            <a:endParaRPr lang="zh-CN" altLang="en-US" sz="2800" b="1" dirty="0">
+              <a:solidFill>
+                <a:srgbClr val="FF0000"/>
+              </a:solidFill>
+              <a:latin typeface="楷体" panose="02010609060101010101" pitchFamily="49" charset="-122"/>
+              <a:ea typeface="楷体" panose="02010609060101010101" pitchFamily="49" charset="-122"/>
+            </a:endParaRPr>
           </a:p>
         </p:txBody>
       </p:sp>
     </p:spTree>
-    <p:extLst>
-      <p:ext uri="{BB962C8B-B14F-4D97-AF65-F5344CB8AC3E}">
-        <p14:creationId xmlns:p14="http://schemas.microsoft.com/office/powerpoint/2010/main" val="2571329001"/>
-      </p:ext>
-    </p:extLst>
   </p:cSld>
   <p:clrMapOvr>
     <a:masterClrMapping/>
@@ -4745,20 +4290,14 @@
       </p:grpSpPr>
       <p:pic>
         <p:nvPicPr>
-          <p:cNvPr id="5" name="图片 4" descr="图示&#10;&#10;AI 生成的内容可能不正确。">
-            <a:extLst>
-              <a:ext uri="{FF2B5EF4-FFF2-40B4-BE49-F238E27FC236}">
-                <a16:creationId xmlns:a16="http://schemas.microsoft.com/office/drawing/2014/main" id="{DBF8F501-AD9B-6B55-FD43-CEAC4D5C8088}"/>
-              </a:ext>
-            </a:extLst>
-          </p:cNvPr>
+          <p:cNvPr id="5" name="图片 4" descr="图示&#10;&#10;AI 生成的内容可能不正确。"/>
           <p:cNvPicPr>
             <a:picLocks noChangeAspect="1"/>
           </p:cNvPicPr>
           <p:nvPr/>
         </p:nvPicPr>
         <p:blipFill>
-          <a:blip r:embed="rId2">
+          <a:blip r:embed="rId1">
             <a:extLst>
               <a:ext uri="{28A0092B-C50C-407E-A947-70E740481C1C}">
                 <a14:useLocalDpi xmlns:a14="http://schemas.microsoft.com/office/drawing/2010/main" val="0"/>
@@ -4781,13 +4320,7 @@
       </p:pic>
       <p:sp>
         <p:nvSpPr>
-          <p:cNvPr id="6" name="文本框 5">
-            <a:extLst>
-              <a:ext uri="{FF2B5EF4-FFF2-40B4-BE49-F238E27FC236}">
-                <a16:creationId xmlns:a16="http://schemas.microsoft.com/office/drawing/2014/main" id="{8AF2F66D-0E5A-DE64-65C2-A7A8E6A031CF}"/>
-              </a:ext>
-            </a:extLst>
-          </p:cNvPr>
+          <p:cNvPr id="6" name="文本框 5"/>
           <p:cNvSpPr txBox="1"/>
           <p:nvPr/>
         </p:nvSpPr>
@@ -4837,13 +4370,7 @@
       </p:sp>
       <p:sp>
         <p:nvSpPr>
-          <p:cNvPr id="7" name="文本框 6">
-            <a:extLst>
-              <a:ext uri="{FF2B5EF4-FFF2-40B4-BE49-F238E27FC236}">
-                <a16:creationId xmlns:a16="http://schemas.microsoft.com/office/drawing/2014/main" id="{0C5F2C35-6B83-C072-AF7B-00C4B268E2B7}"/>
-              </a:ext>
-            </a:extLst>
-          </p:cNvPr>
+          <p:cNvPr id="7" name="文本框 6"/>
           <p:cNvSpPr txBox="1"/>
           <p:nvPr/>
         </p:nvSpPr>
@@ -5027,18 +4554,16 @@
               </a:rPr>
               <a:t>*</a:t>
             </a:r>
-          </a:p>
-        </p:txBody>
-      </p:sp>
-      <p:sp>
-        <p:nvSpPr>
-          <p:cNvPr id="8" name="矩形 7">
-            <a:extLst>
-              <a:ext uri="{FF2B5EF4-FFF2-40B4-BE49-F238E27FC236}">
-                <a16:creationId xmlns:a16="http://schemas.microsoft.com/office/drawing/2014/main" id="{41758F86-AFE2-552A-E068-ADF97AF797E9}"/>
-              </a:ext>
-            </a:extLst>
-          </p:cNvPr>
+            <a:endParaRPr lang="en-US" altLang="zh-CN" sz="1600" dirty="0">
+              <a:latin typeface="楷体" panose="02010609060101010101" pitchFamily="49" charset="-122"/>
+              <a:ea typeface="楷体" panose="02010609060101010101" pitchFamily="49" charset="-122"/>
+            </a:endParaRPr>
+          </a:p>
+        </p:txBody>
+      </p:sp>
+      <p:sp>
+        <p:nvSpPr>
+          <p:cNvPr id="8" name="矩形 7"/>
           <p:cNvSpPr/>
           <p:nvPr/>
         </p:nvSpPr>
@@ -5084,13 +4609,7 @@
       </p:sp>
       <p:sp>
         <p:nvSpPr>
-          <p:cNvPr id="10" name="矩形 9">
-            <a:extLst>
-              <a:ext uri="{FF2B5EF4-FFF2-40B4-BE49-F238E27FC236}">
-                <a16:creationId xmlns:a16="http://schemas.microsoft.com/office/drawing/2014/main" id="{6A8CA47A-F5BF-6160-1235-D72FD90CD8E9}"/>
-              </a:ext>
-            </a:extLst>
-          </p:cNvPr>
+          <p:cNvPr id="10" name="矩形 9"/>
           <p:cNvSpPr/>
           <p:nvPr/>
         </p:nvSpPr>
@@ -5136,20 +4655,14 @@
       </p:sp>
       <p:sp>
         <p:nvSpPr>
-          <p:cNvPr id="12" name="文本框 11">
-            <a:extLst>
-              <a:ext uri="{FF2B5EF4-FFF2-40B4-BE49-F238E27FC236}">
-                <a16:creationId xmlns:a16="http://schemas.microsoft.com/office/drawing/2014/main" id="{F1EA23EA-6C8F-76A9-BF97-60B4A38EC555}"/>
-              </a:ext>
-            </a:extLst>
-          </p:cNvPr>
+          <p:cNvPr id="12" name="文本框 11"/>
           <p:cNvSpPr txBox="1"/>
           <p:nvPr/>
         </p:nvSpPr>
         <p:spPr>
           <a:xfrm>
-            <a:off x="5862083" y="0"/>
-            <a:ext cx="6329917" cy="5262979"/>
+            <a:off x="5862320" y="0"/>
+            <a:ext cx="6329680" cy="5104130"/>
           </a:xfrm>
           <a:prstGeom prst="rect">
             <a:avLst/>
@@ -5158,7 +4671,7 @@
         </p:spPr>
         <p:txBody>
           <a:bodyPr wrap="square">
-            <a:spAutoFit/>
+            <a:noAutofit/>
           </a:bodyPr>
           <a:lstStyle/>
           <a:p>
@@ -5186,14 +4699,18 @@
               </a:rPr>
               <a:t>through customizable profiles that include their role (e.g., admin, guest).  </a:t>
             </a:r>
-          </a:p>
-          <a:p>
             <a:endParaRPr lang="zh-CN" altLang="en-US" sz="1400" dirty="0">
               <a:latin typeface="Times New Roman" panose="02020603050405020304" pitchFamily="18" charset="0"/>
               <a:cs typeface="Times New Roman" panose="02020603050405020304" pitchFamily="18" charset="0"/>
             </a:endParaRPr>
           </a:p>
           <a:p>
+            <a:endParaRPr lang="zh-CN" altLang="en-US" sz="1400" dirty="0">
+              <a:latin typeface="Times New Roman" panose="02020603050405020304" pitchFamily="18" charset="0"/>
+              <a:cs typeface="Times New Roman" panose="02020603050405020304" pitchFamily="18" charset="0"/>
+            </a:endParaRPr>
+          </a:p>
+          <a:p>
             <a:r>
               <a:rPr lang="zh-CN" altLang="en-US" sz="1400" dirty="0">
                 <a:latin typeface="Times New Roman" panose="02020603050405020304" pitchFamily="18" charset="0"/>
@@ -5235,14 +4752,18 @@
               </a:rPr>
               <a:t>.  </a:t>
             </a:r>
-          </a:p>
-          <a:p>
             <a:endParaRPr lang="zh-CN" altLang="en-US" sz="1400" dirty="0">
               <a:latin typeface="Times New Roman" panose="02020603050405020304" pitchFamily="18" charset="0"/>
               <a:cs typeface="Times New Roman" panose="02020603050405020304" pitchFamily="18" charset="0"/>
             </a:endParaRPr>
           </a:p>
           <a:p>
+            <a:endParaRPr lang="zh-CN" altLang="en-US" sz="1400" dirty="0">
+              <a:latin typeface="Times New Roman" panose="02020603050405020304" pitchFamily="18" charset="0"/>
+              <a:cs typeface="Times New Roman" panose="02020603050405020304" pitchFamily="18" charset="0"/>
+            </a:endParaRPr>
+          </a:p>
+          <a:p>
             <a:r>
               <a:rPr lang="zh-CN" altLang="en-US" sz="1400" dirty="0">
                 <a:latin typeface="Times New Roman" panose="02020603050405020304" pitchFamily="18" charset="0"/>
@@ -5267,14 +4788,18 @@
               </a:rPr>
               <a:t>) that execute actions on devices (e.g., turn on lights at sunset). Rules can be scheduled, prioritized, and activated/deactivated as needed. Each rule can trigger actions on one or more devices.  </a:t>
             </a:r>
-          </a:p>
-          <a:p>
             <a:endParaRPr lang="zh-CN" altLang="en-US" sz="1400" dirty="0">
               <a:latin typeface="Times New Roman" panose="02020603050405020304" pitchFamily="18" charset="0"/>
               <a:cs typeface="Times New Roman" panose="02020603050405020304" pitchFamily="18" charset="0"/>
             </a:endParaRPr>
           </a:p>
           <a:p>
+            <a:endParaRPr lang="zh-CN" altLang="en-US" sz="1400" dirty="0">
+              <a:latin typeface="Times New Roman" panose="02020603050405020304" pitchFamily="18" charset="0"/>
+              <a:cs typeface="Times New Roman" panose="02020603050405020304" pitchFamily="18" charset="0"/>
+            </a:endParaRPr>
+          </a:p>
+          <a:p>
             <a:r>
               <a:rPr lang="zh-CN" altLang="en-US" sz="1400" dirty="0">
                 <a:highlight>
@@ -5343,14 +4868,18 @@
               </a:rPr>
               <a:t>, providing a smart and responsive home environment.  </a:t>
             </a:r>
-          </a:p>
-          <a:p>
             <a:endParaRPr lang="zh-CN" altLang="en-US" sz="1400" dirty="0">
               <a:latin typeface="Times New Roman" panose="02020603050405020304" pitchFamily="18" charset="0"/>
               <a:cs typeface="Times New Roman" panose="02020603050405020304" pitchFamily="18" charset="0"/>
             </a:endParaRPr>
           </a:p>
           <a:p>
+            <a:endParaRPr lang="zh-CN" altLang="en-US" sz="1400" dirty="0">
+              <a:latin typeface="Times New Roman" panose="02020603050405020304" pitchFamily="18" charset="0"/>
+              <a:cs typeface="Times New Roman" panose="02020603050405020304" pitchFamily="18" charset="0"/>
+            </a:endParaRPr>
+          </a:p>
+          <a:p>
             <a:r>
               <a:rPr lang="zh-CN" altLang="en-US" sz="1400" dirty="0">
                 <a:latin typeface="Times New Roman" panose="02020603050405020304" pitchFamily="18" charset="0"/>
@@ -5358,18 +4887,16 @@
               </a:rPr>
               <a:t>The system supports multi-room configurations with environmental monitoring and role-based access control for different users.</a:t>
             </a:r>
-          </a:p>
-        </p:txBody>
-      </p:sp>
-      <p:sp>
-        <p:nvSpPr>
-          <p:cNvPr id="13" name="矩形 12">
-            <a:extLst>
-              <a:ext uri="{FF2B5EF4-FFF2-40B4-BE49-F238E27FC236}">
-                <a16:creationId xmlns:a16="http://schemas.microsoft.com/office/drawing/2014/main" id="{777B2277-8223-8BD1-6551-61B1061CF6B4}"/>
-              </a:ext>
-            </a:extLst>
-          </p:cNvPr>
+            <a:endParaRPr lang="zh-CN" altLang="en-US" sz="1400" dirty="0">
+              <a:latin typeface="Times New Roman" panose="02020603050405020304" pitchFamily="18" charset="0"/>
+              <a:cs typeface="Times New Roman" panose="02020603050405020304" pitchFamily="18" charset="0"/>
+            </a:endParaRPr>
+          </a:p>
+        </p:txBody>
+      </p:sp>
+      <p:sp>
+        <p:nvSpPr>
+          <p:cNvPr id="13" name="矩形 12"/>
           <p:cNvSpPr/>
           <p:nvPr/>
         </p:nvSpPr>
@@ -5415,13 +4942,7 @@
       </p:sp>
       <p:sp>
         <p:nvSpPr>
-          <p:cNvPr id="14" name="矩形 13">
-            <a:extLst>
-              <a:ext uri="{FF2B5EF4-FFF2-40B4-BE49-F238E27FC236}">
-                <a16:creationId xmlns:a16="http://schemas.microsoft.com/office/drawing/2014/main" id="{1BCB67EE-932C-CBEB-CEC6-038A9674F9B0}"/>
-              </a:ext>
-            </a:extLst>
-          </p:cNvPr>
+          <p:cNvPr id="14" name="矩形 13"/>
           <p:cNvSpPr/>
           <p:nvPr/>
         </p:nvSpPr>
@@ -5467,13 +4988,7 @@
       </p:sp>
       <p:sp>
         <p:nvSpPr>
-          <p:cNvPr id="2" name="文本框 1">
-            <a:extLst>
-              <a:ext uri="{FF2B5EF4-FFF2-40B4-BE49-F238E27FC236}">
-                <a16:creationId xmlns:a16="http://schemas.microsoft.com/office/drawing/2014/main" id="{1E10A956-B03E-4777-4C18-26E434A37001}"/>
-              </a:ext>
-            </a:extLst>
-          </p:cNvPr>
+          <p:cNvPr id="2" name="文本框 1"/>
           <p:cNvSpPr txBox="1"/>
           <p:nvPr/>
         </p:nvSpPr>
@@ -5541,15 +5056,17 @@
               </a:rPr>
               <a:t>未体现的</a:t>
             </a:r>
+            <a:endParaRPr lang="zh-CN" altLang="en-US" dirty="0">
+              <a:highlight>
+                <a:srgbClr val="FF0000"/>
+              </a:highlight>
+              <a:latin typeface="楷体" panose="02010609060101010101" pitchFamily="49" charset="-122"/>
+              <a:ea typeface="楷体" panose="02010609060101010101" pitchFamily="49" charset="-122"/>
+            </a:endParaRPr>
           </a:p>
         </p:txBody>
       </p:sp>
     </p:spTree>
-    <p:extLst>
-      <p:ext uri="{BB962C8B-B14F-4D97-AF65-F5344CB8AC3E}">
-        <p14:creationId xmlns:p14="http://schemas.microsoft.com/office/powerpoint/2010/main" val="636046448"/>
-      </p:ext>
-    </p:extLst>
   </p:cSld>
   <p:clrMapOvr>
     <a:masterClrMapping/>
@@ -5576,20 +5093,14 @@
       </p:grpSpPr>
       <p:pic>
         <p:nvPicPr>
-          <p:cNvPr id="5" name="图片 4" descr="图示&#10;&#10;AI 生成的内容可能不正确。">
-            <a:extLst>
-              <a:ext uri="{FF2B5EF4-FFF2-40B4-BE49-F238E27FC236}">
-                <a16:creationId xmlns:a16="http://schemas.microsoft.com/office/drawing/2014/main" id="{EA3DDDF6-87EE-712E-4F21-545AE31251E5}"/>
-              </a:ext>
-            </a:extLst>
-          </p:cNvPr>
+          <p:cNvPr id="5" name="图片 4" descr="图示&#10;&#10;AI 生成的内容可能不正确。"/>
           <p:cNvPicPr>
             <a:picLocks noChangeAspect="1"/>
           </p:cNvPicPr>
           <p:nvPr/>
         </p:nvPicPr>
         <p:blipFill>
-          <a:blip r:embed="rId2">
+          <a:blip r:embed="rId1">
             <a:extLst>
               <a:ext uri="{28A0092B-C50C-407E-A947-70E740481C1C}">
                 <a14:useLocalDpi xmlns:a14="http://schemas.microsoft.com/office/drawing/2010/main" val="0"/>
@@ -5612,13 +5123,7 @@
       </p:pic>
       <p:sp>
         <p:nvSpPr>
-          <p:cNvPr id="6" name="文本框 5">
-            <a:extLst>
-              <a:ext uri="{FF2B5EF4-FFF2-40B4-BE49-F238E27FC236}">
-                <a16:creationId xmlns:a16="http://schemas.microsoft.com/office/drawing/2014/main" id="{5EE0D84E-AF4F-1361-ABA7-E406042BBE92}"/>
-              </a:ext>
-            </a:extLst>
-          </p:cNvPr>
+          <p:cNvPr id="6" name="文本框 5"/>
           <p:cNvSpPr txBox="1"/>
           <p:nvPr/>
         </p:nvSpPr>
@@ -5654,13 +5159,7 @@
       </p:sp>
       <p:sp>
         <p:nvSpPr>
-          <p:cNvPr id="7" name="文本框 6">
-            <a:extLst>
-              <a:ext uri="{FF2B5EF4-FFF2-40B4-BE49-F238E27FC236}">
-                <a16:creationId xmlns:a16="http://schemas.microsoft.com/office/drawing/2014/main" id="{7E88CA23-1066-3FB5-05AD-8B4CB1D07075}"/>
-              </a:ext>
-            </a:extLst>
-          </p:cNvPr>
+          <p:cNvPr id="7" name="文本框 6"/>
           <p:cNvSpPr txBox="1"/>
           <p:nvPr/>
         </p:nvSpPr>
@@ -5817,31 +5316,29 @@
               </a:rPr>
               <a:t> </a:t>
             </a:r>
-          </a:p>
-          <a:p>
-            <a:r>
-              <a:rPr lang="zh-CN" altLang="en-US" sz="1600" dirty="0">
-                <a:latin typeface="楷体" panose="02010609060101010101" pitchFamily="49" charset="-122"/>
-                <a:ea typeface="楷体" panose="02010609060101010101" pitchFamily="49" charset="-122"/>
-              </a:rPr>
-              <a:t>关系：无</a:t>
-            </a:r>
             <a:endParaRPr lang="en-US" altLang="zh-CN" sz="1600" dirty="0">
               <a:latin typeface="楷体" panose="02010609060101010101" pitchFamily="49" charset="-122"/>
               <a:ea typeface="楷体" panose="02010609060101010101" pitchFamily="49" charset="-122"/>
             </a:endParaRPr>
           </a:p>
-        </p:txBody>
-      </p:sp>
-      <p:sp>
-        <p:nvSpPr>
-          <p:cNvPr id="8" name="矩形 7">
-            <a:extLst>
-              <a:ext uri="{FF2B5EF4-FFF2-40B4-BE49-F238E27FC236}">
-                <a16:creationId xmlns:a16="http://schemas.microsoft.com/office/drawing/2014/main" id="{5612DF2D-3B8A-0CD8-6EDF-92359A69565B}"/>
-              </a:ext>
-            </a:extLst>
-          </p:cNvPr>
+          <a:p>
+            <a:r>
+              <a:rPr lang="zh-CN" altLang="en-US" sz="1600" dirty="0">
+                <a:latin typeface="楷体" panose="02010609060101010101" pitchFamily="49" charset="-122"/>
+                <a:ea typeface="楷体" panose="02010609060101010101" pitchFamily="49" charset="-122"/>
+              </a:rPr>
+              <a:t>关系：无</a:t>
+            </a:r>
+            <a:endParaRPr lang="en-US" altLang="zh-CN" sz="1600" dirty="0">
+              <a:latin typeface="楷体" panose="02010609060101010101" pitchFamily="49" charset="-122"/>
+              <a:ea typeface="楷体" panose="02010609060101010101" pitchFamily="49" charset="-122"/>
+            </a:endParaRPr>
+          </a:p>
+        </p:txBody>
+      </p:sp>
+      <p:sp>
+        <p:nvSpPr>
+          <p:cNvPr id="8" name="矩形 7"/>
           <p:cNvSpPr/>
           <p:nvPr/>
         </p:nvSpPr>
@@ -5887,13 +5384,7 @@
       </p:sp>
       <p:sp>
         <p:nvSpPr>
-          <p:cNvPr id="9" name="矩形 8">
-            <a:extLst>
-              <a:ext uri="{FF2B5EF4-FFF2-40B4-BE49-F238E27FC236}">
-                <a16:creationId xmlns:a16="http://schemas.microsoft.com/office/drawing/2014/main" id="{584A20C6-A500-3B40-638B-8993BE4EAF90}"/>
-              </a:ext>
-            </a:extLst>
-          </p:cNvPr>
+          <p:cNvPr id="9" name="矩形 8"/>
           <p:cNvSpPr/>
           <p:nvPr/>
         </p:nvSpPr>
@@ -5939,13 +5430,7 @@
       </p:sp>
       <p:sp>
         <p:nvSpPr>
-          <p:cNvPr id="10" name="矩形 9">
-            <a:extLst>
-              <a:ext uri="{FF2B5EF4-FFF2-40B4-BE49-F238E27FC236}">
-                <a16:creationId xmlns:a16="http://schemas.microsoft.com/office/drawing/2014/main" id="{B9A71A38-356A-0422-FB40-6E56BD62CA2C}"/>
-              </a:ext>
-            </a:extLst>
-          </p:cNvPr>
+          <p:cNvPr id="10" name="矩形 9"/>
           <p:cNvSpPr/>
           <p:nvPr/>
         </p:nvSpPr>
@@ -5991,13 +5476,7 @@
       </p:sp>
       <p:sp>
         <p:nvSpPr>
-          <p:cNvPr id="12" name="文本框 11">
-            <a:extLst>
-              <a:ext uri="{FF2B5EF4-FFF2-40B4-BE49-F238E27FC236}">
-                <a16:creationId xmlns:a16="http://schemas.microsoft.com/office/drawing/2014/main" id="{C9205F95-D937-F7EC-3B00-8E2607552F99}"/>
-              </a:ext>
-            </a:extLst>
-          </p:cNvPr>
+          <p:cNvPr id="12" name="文本框 11"/>
           <p:cNvSpPr txBox="1"/>
           <p:nvPr/>
         </p:nvSpPr>
@@ -6024,14 +5503,18 @@
               </a:rPr>
               <a:t>**Pet Grooming Scheduling System**</a:t>
             </a:r>
-          </a:p>
-          <a:p>
             <a:endParaRPr lang="zh-CN" altLang="en-US" sz="1400" dirty="0">
               <a:latin typeface="Times New Roman" panose="02020603050405020304" pitchFamily="18" charset="0"/>
               <a:cs typeface="Times New Roman" panose="02020603050405020304" pitchFamily="18" charset="0"/>
             </a:endParaRPr>
           </a:p>
           <a:p>
+            <a:endParaRPr lang="zh-CN" altLang="en-US" sz="1400" dirty="0">
+              <a:latin typeface="Times New Roman" panose="02020603050405020304" pitchFamily="18" charset="0"/>
+              <a:cs typeface="Times New Roman" panose="02020603050405020304" pitchFamily="18" charset="0"/>
+            </a:endParaRPr>
+          </a:p>
+          <a:p>
             <a:r>
               <a:rPr lang="zh-CN" altLang="en-US" sz="1400" dirty="0">
                 <a:latin typeface="Times New Roman" panose="02020603050405020304" pitchFamily="18" charset="0"/>
@@ -6039,14 +5522,18 @@
               </a:rPr>
               <a:t>The Pet Grooming Scheduling System facilitates efficient management of pet grooming appointments between pet owners, groomers, and grooming businesses. </a:t>
             </a:r>
-          </a:p>
-          <a:p>
             <a:endParaRPr lang="zh-CN" altLang="en-US" sz="1400" dirty="0">
               <a:latin typeface="Times New Roman" panose="02020603050405020304" pitchFamily="18" charset="0"/>
               <a:cs typeface="Times New Roman" panose="02020603050405020304" pitchFamily="18" charset="0"/>
             </a:endParaRPr>
           </a:p>
           <a:p>
+            <a:endParaRPr lang="zh-CN" altLang="en-US" sz="1400" dirty="0">
+              <a:latin typeface="Times New Roman" panose="02020603050405020304" pitchFamily="18" charset="0"/>
+              <a:cs typeface="Times New Roman" panose="02020603050405020304" pitchFamily="18" charset="0"/>
+            </a:endParaRPr>
+          </a:p>
+          <a:p>
             <a:r>
               <a:rPr lang="zh-CN" altLang="en-US" sz="1400" dirty="0">
                 <a:latin typeface="Times New Roman" panose="02020603050405020304" pitchFamily="18" charset="0"/>
@@ -6054,6 +5541,10 @@
               </a:rPr>
               <a:t>**For Pet Owners:**</a:t>
             </a:r>
+            <a:endParaRPr lang="zh-CN" altLang="en-US" sz="1400" dirty="0">
+              <a:latin typeface="Times New Roman" panose="02020603050405020304" pitchFamily="18" charset="0"/>
+              <a:cs typeface="Times New Roman" panose="02020603050405020304" pitchFamily="18" charset="0"/>
+            </a:endParaRPr>
           </a:p>
           <a:p>
             <a:r>
@@ -6063,6 +5554,10 @@
               </a:rPr>
               <a:t>- Register pets with details including: name, species, breed, age, optional weight, and optional special needs/medical notes</a:t>
             </a:r>
+            <a:endParaRPr lang="zh-CN" altLang="en-US" sz="1400" dirty="0">
+              <a:latin typeface="Times New Roman" panose="02020603050405020304" pitchFamily="18" charset="0"/>
+              <a:cs typeface="Times New Roman" panose="02020603050405020304" pitchFamily="18" charset="0"/>
+            </a:endParaRPr>
           </a:p>
           <a:p>
             <a:r>
@@ -6072,6 +5567,10 @@
               </a:rPr>
               <a:t>- Schedule appointments by selecting from available time slots</a:t>
             </a:r>
+            <a:endParaRPr lang="zh-CN" altLang="en-US" sz="1400" dirty="0">
+              <a:latin typeface="Times New Roman" panose="02020603050405020304" pitchFamily="18" charset="0"/>
+              <a:cs typeface="Times New Roman" panose="02020603050405020304" pitchFamily="18" charset="0"/>
+            </a:endParaRPr>
           </a:p>
           <a:p>
             <a:r>
@@ -6081,6 +5580,10 @@
               </a:rPr>
               <a:t>- Choose from available grooming services (which may include multiple services per appointment)</a:t>
             </a:r>
+            <a:endParaRPr lang="zh-CN" altLang="en-US" sz="1400" dirty="0">
+              <a:latin typeface="Times New Roman" panose="02020603050405020304" pitchFamily="18" charset="0"/>
+              <a:cs typeface="Times New Roman" panose="02020603050405020304" pitchFamily="18" charset="0"/>
+            </a:endParaRPr>
           </a:p>
           <a:p>
             <a:r>
@@ -6090,14 +5593,18 @@
               </a:rPr>
               <a:t>- View and manage upcoming appointments</a:t>
             </a:r>
-          </a:p>
-          <a:p>
             <a:endParaRPr lang="zh-CN" altLang="en-US" sz="1400" dirty="0">
               <a:latin typeface="Times New Roman" panose="02020603050405020304" pitchFamily="18" charset="0"/>
               <a:cs typeface="Times New Roman" panose="02020603050405020304" pitchFamily="18" charset="0"/>
             </a:endParaRPr>
           </a:p>
           <a:p>
+            <a:endParaRPr lang="zh-CN" altLang="en-US" sz="1400" dirty="0">
+              <a:latin typeface="Times New Roman" panose="02020603050405020304" pitchFamily="18" charset="0"/>
+              <a:cs typeface="Times New Roman" panose="02020603050405020304" pitchFamily="18" charset="0"/>
+            </a:endParaRPr>
+          </a:p>
+          <a:p>
             <a:r>
               <a:rPr lang="zh-CN" altLang="en-US" sz="1400" dirty="0">
                 <a:latin typeface="Times New Roman" panose="02020603050405020304" pitchFamily="18" charset="0"/>
@@ -6105,6 +5612,10 @@
               </a:rPr>
               <a:t>**For Groomers:**</a:t>
             </a:r>
+            <a:endParaRPr lang="zh-CN" altLang="en-US" sz="1400" dirty="0">
+              <a:latin typeface="Times New Roman" panose="02020603050405020304" pitchFamily="18" charset="0"/>
+              <a:cs typeface="Times New Roman" panose="02020603050405020304" pitchFamily="18" charset="0"/>
+            </a:endParaRPr>
           </a:p>
           <a:p>
             <a:r>
@@ -6114,6 +5625,10 @@
               </a:rPr>
               <a:t>- Maintain profiles with specialties and working hours</a:t>
             </a:r>
+            <a:endParaRPr lang="zh-CN" altLang="en-US" sz="1400" dirty="0">
+              <a:latin typeface="Times New Roman" panose="02020603050405020304" pitchFamily="18" charset="0"/>
+              <a:cs typeface="Times New Roman" panose="02020603050405020304" pitchFamily="18" charset="0"/>
+            </a:endParaRPr>
           </a:p>
           <a:p>
             <a:r>
@@ -6123,6 +5638,10 @@
               </a:rPr>
               <a:t>- Manage availability through time slots (marked as available or booked)</a:t>
             </a:r>
+            <a:endParaRPr lang="zh-CN" altLang="en-US" sz="1400" dirty="0">
+              <a:latin typeface="Times New Roman" panose="02020603050405020304" pitchFamily="18" charset="0"/>
+              <a:cs typeface="Times New Roman" panose="02020603050405020304" pitchFamily="18" charset="0"/>
+            </a:endParaRPr>
           </a:p>
           <a:p>
             <a:r>
@@ -6132,6 +5651,10 @@
               </a:rPr>
               <a:t>- View, confirm, reschedule, or cancel appointments</a:t>
             </a:r>
+            <a:endParaRPr lang="zh-CN" altLang="en-US" sz="1400" dirty="0">
+              <a:latin typeface="Times New Roman" panose="02020603050405020304" pitchFamily="18" charset="0"/>
+              <a:cs typeface="Times New Roman" panose="02020603050405020304" pitchFamily="18" charset="0"/>
+            </a:endParaRPr>
           </a:p>
           <a:p>
             <a:r>
@@ -6141,6 +5664,10 @@
               </a:rPr>
               <a:t>- Track appointment status (requested, confirmed, in-progress, completed, cancelled, or no-show)</a:t>
             </a:r>
+            <a:endParaRPr lang="zh-CN" altLang="en-US" sz="1400" dirty="0">
+              <a:latin typeface="Times New Roman" panose="02020603050405020304" pitchFamily="18" charset="0"/>
+              <a:cs typeface="Times New Roman" panose="02020603050405020304" pitchFamily="18" charset="0"/>
+            </a:endParaRPr>
           </a:p>
           <a:p>
             <a:r>
@@ -6150,18 +5677,16 @@
               </a:rPr>
               <a:t>- Access pet medical/special needs information for upcoming appointments</a:t>
             </a:r>
-          </a:p>
-        </p:txBody>
-      </p:sp>
-      <p:sp>
-        <p:nvSpPr>
-          <p:cNvPr id="2" name="文本框 1">
-            <a:extLst>
-              <a:ext uri="{FF2B5EF4-FFF2-40B4-BE49-F238E27FC236}">
-                <a16:creationId xmlns:a16="http://schemas.microsoft.com/office/drawing/2014/main" id="{0F69A11E-6F98-5FDD-4831-0CCC222025A1}"/>
-              </a:ext>
-            </a:extLst>
-          </p:cNvPr>
+            <a:endParaRPr lang="zh-CN" altLang="en-US" sz="1400" dirty="0">
+              <a:latin typeface="Times New Roman" panose="02020603050405020304" pitchFamily="18" charset="0"/>
+              <a:cs typeface="Times New Roman" panose="02020603050405020304" pitchFamily="18" charset="0"/>
+            </a:endParaRPr>
+          </a:p>
+        </p:txBody>
+      </p:sp>
+      <p:sp>
+        <p:nvSpPr>
+          <p:cNvPr id="2" name="文本框 1"/>
           <p:cNvSpPr txBox="1"/>
           <p:nvPr/>
         </p:nvSpPr>
@@ -6229,18 +5754,19 @@
               </a:rPr>
               <a:t>未体现的</a:t>
             </a:r>
-          </a:p>
-        </p:txBody>
-      </p:sp>
-      <p:sp>
-        <p:nvSpPr>
-          <p:cNvPr id="3" name="文本框 2">
-            <a:extLst>
-              <a:ext uri="{FF2B5EF4-FFF2-40B4-BE49-F238E27FC236}">
-                <a16:creationId xmlns:a16="http://schemas.microsoft.com/office/drawing/2014/main" id="{213D8622-A271-CF6D-030F-C78DDD12DF06}"/>
-              </a:ext>
-            </a:extLst>
-          </p:cNvPr>
+            <a:endParaRPr lang="zh-CN" altLang="en-US" dirty="0">
+              <a:highlight>
+                <a:srgbClr val="FF0000"/>
+              </a:highlight>
+              <a:latin typeface="楷体" panose="02010609060101010101" pitchFamily="49" charset="-122"/>
+              <a:ea typeface="楷体" panose="02010609060101010101" pitchFamily="49" charset="-122"/>
+            </a:endParaRPr>
+          </a:p>
+        </p:txBody>
+      </p:sp>
+      <p:sp>
+        <p:nvSpPr>
+          <p:cNvPr id="3" name="文本框 2"/>
           <p:cNvSpPr txBox="1"/>
           <p:nvPr/>
         </p:nvSpPr>
@@ -6270,15 +5796,17 @@
               </a:rPr>
               <a:t>未按纯文本格式给出</a:t>
             </a:r>
+            <a:endParaRPr lang="zh-CN" altLang="en-US" sz="2800" b="1" dirty="0">
+              <a:solidFill>
+                <a:srgbClr val="FF0000"/>
+              </a:solidFill>
+              <a:latin typeface="楷体" panose="02010609060101010101" pitchFamily="49" charset="-122"/>
+              <a:ea typeface="楷体" panose="02010609060101010101" pitchFamily="49" charset="-122"/>
+            </a:endParaRPr>
           </a:p>
         </p:txBody>
       </p:sp>
     </p:spTree>
-    <p:extLst>
-      <p:ext uri="{BB962C8B-B14F-4D97-AF65-F5344CB8AC3E}">
-        <p14:creationId xmlns:p14="http://schemas.microsoft.com/office/powerpoint/2010/main" val="2912251943"/>
-      </p:ext>
-    </p:extLst>
   </p:cSld>
   <p:clrMapOvr>
     <a:masterClrMapping/>
@@ -6305,13 +5833,7 @@
       </p:grpSpPr>
       <p:sp>
         <p:nvSpPr>
-          <p:cNvPr id="6" name="文本框 5">
-            <a:extLst>
-              <a:ext uri="{FF2B5EF4-FFF2-40B4-BE49-F238E27FC236}">
-                <a16:creationId xmlns:a16="http://schemas.microsoft.com/office/drawing/2014/main" id="{77497B71-31C0-5AA3-A622-6994230816BE}"/>
-              </a:ext>
-            </a:extLst>
-          </p:cNvPr>
+          <p:cNvPr id="6" name="文本框 5"/>
           <p:cNvSpPr txBox="1"/>
           <p:nvPr/>
         </p:nvSpPr>
@@ -6347,13 +5869,7 @@
       </p:sp>
       <p:sp>
         <p:nvSpPr>
-          <p:cNvPr id="7" name="文本框 6">
-            <a:extLst>
-              <a:ext uri="{FF2B5EF4-FFF2-40B4-BE49-F238E27FC236}">
-                <a16:creationId xmlns:a16="http://schemas.microsoft.com/office/drawing/2014/main" id="{5FE0FDBE-4B79-95E5-6CAD-82CDE58B2FA3}"/>
-              </a:ext>
-            </a:extLst>
-          </p:cNvPr>
+          <p:cNvPr id="7" name="文本框 6"/>
           <p:cNvSpPr txBox="1"/>
           <p:nvPr/>
         </p:nvSpPr>
@@ -6490,20 +6006,14 @@
       </p:sp>
       <p:pic>
         <p:nvPicPr>
-          <p:cNvPr id="9" name="图片 8">
-            <a:extLst>
-              <a:ext uri="{FF2B5EF4-FFF2-40B4-BE49-F238E27FC236}">
-                <a16:creationId xmlns:a16="http://schemas.microsoft.com/office/drawing/2014/main" id="{F62C7847-4EB9-56FF-6B17-ABC9EDDD11A9}"/>
-              </a:ext>
-            </a:extLst>
-          </p:cNvPr>
+          <p:cNvPr id="9" name="图片 8"/>
           <p:cNvPicPr>
             <a:picLocks noChangeAspect="1"/>
           </p:cNvPicPr>
           <p:nvPr/>
         </p:nvPicPr>
         <p:blipFill>
-          <a:blip r:embed="rId2"/>
+          <a:blip r:embed="rId1"/>
           <a:stretch>
             <a:fillRect/>
           </a:stretch>
@@ -6520,13 +6030,7 @@
       </p:pic>
       <p:sp>
         <p:nvSpPr>
-          <p:cNvPr id="11" name="矩形 10">
-            <a:extLst>
-              <a:ext uri="{FF2B5EF4-FFF2-40B4-BE49-F238E27FC236}">
-                <a16:creationId xmlns:a16="http://schemas.microsoft.com/office/drawing/2014/main" id="{A2854EEE-E514-7F1C-2294-EEF4B35224B1}"/>
-              </a:ext>
-            </a:extLst>
-          </p:cNvPr>
+          <p:cNvPr id="11" name="矩形 10"/>
           <p:cNvSpPr/>
           <p:nvPr/>
         </p:nvSpPr>
@@ -6572,13 +6076,7 @@
       </p:sp>
       <p:sp>
         <p:nvSpPr>
-          <p:cNvPr id="13" name="文本框 12">
-            <a:extLst>
-              <a:ext uri="{FF2B5EF4-FFF2-40B4-BE49-F238E27FC236}">
-                <a16:creationId xmlns:a16="http://schemas.microsoft.com/office/drawing/2014/main" id="{0B3AF094-E1AD-22E4-86B5-1F1DA67F744A}"/>
-              </a:ext>
-            </a:extLst>
-          </p:cNvPr>
+          <p:cNvPr id="13" name="文本框 12"/>
           <p:cNvSpPr txBox="1"/>
           <p:nvPr/>
         </p:nvSpPr>
@@ -6605,14 +6103,18 @@
               </a:rPr>
               <a:t>The CarRentalSystem application helps customers rent vehicles efficiently while enabling rental companies to manage their fleet and reservations.  </a:t>
             </a:r>
-          </a:p>
-          <a:p>
             <a:endParaRPr lang="zh-CN" altLang="en-US" sz="1400" dirty="0">
               <a:latin typeface="Times New Roman" panose="02020603050405020304" pitchFamily="18" charset="0"/>
               <a:cs typeface="Times New Roman" panose="02020603050405020304" pitchFamily="18" charset="0"/>
             </a:endParaRPr>
           </a:p>
           <a:p>
+            <a:endParaRPr lang="zh-CN" altLang="en-US" sz="1400" dirty="0">
+              <a:latin typeface="Times New Roman" panose="02020603050405020304" pitchFamily="18" charset="0"/>
+              <a:cs typeface="Times New Roman" panose="02020603050405020304" pitchFamily="18" charset="0"/>
+            </a:endParaRPr>
+          </a:p>
+          <a:p>
             <a:r>
               <a:rPr lang="zh-CN" altLang="en-US" sz="1400" dirty="0">
                 <a:highlight>
@@ -6664,14 +6166,18 @@
               </a:rPr>
               <a:t>Customers can reserve a vehicle for specific pickup and return dates, with the option to include special requests.  </a:t>
             </a:r>
-          </a:p>
-          <a:p>
             <a:endParaRPr lang="zh-CN" altLang="en-US" sz="1400" dirty="0">
               <a:latin typeface="Times New Roman" panose="02020603050405020304" pitchFamily="18" charset="0"/>
               <a:cs typeface="Times New Roman" panose="02020603050405020304" pitchFamily="18" charset="0"/>
             </a:endParaRPr>
           </a:p>
           <a:p>
+            <a:endParaRPr lang="zh-CN" altLang="en-US" sz="1400" dirty="0">
+              <a:latin typeface="Times New Roman" panose="02020603050405020304" pitchFamily="18" charset="0"/>
+              <a:cs typeface="Times New Roman" panose="02020603050405020304" pitchFamily="18" charset="0"/>
+            </a:endParaRPr>
+          </a:p>
+          <a:p>
             <a:r>
               <a:rPr lang="zh-CN" altLang="en-US" sz="1400" dirty="0">
                 <a:highlight>
@@ -6723,14 +6229,18 @@
               </a:rPr>
               <a:t>. Customers can also select one or more optional insurance coverage options, which add to the total cost.  </a:t>
             </a:r>
-          </a:p>
-          <a:p>
             <a:endParaRPr lang="zh-CN" altLang="en-US" sz="1400" dirty="0">
               <a:latin typeface="Times New Roman" panose="02020603050405020304" pitchFamily="18" charset="0"/>
               <a:cs typeface="Times New Roman" panose="02020603050405020304" pitchFamily="18" charset="0"/>
             </a:endParaRPr>
           </a:p>
           <a:p>
+            <a:endParaRPr lang="zh-CN" altLang="en-US" sz="1400" dirty="0">
+              <a:latin typeface="Times New Roman" panose="02020603050405020304" pitchFamily="18" charset="0"/>
+              <a:cs typeface="Times New Roman" panose="02020603050405020304" pitchFamily="18" charset="0"/>
+            </a:endParaRPr>
+          </a:p>
+          <a:p>
             <a:r>
               <a:rPr lang="zh-CN" altLang="en-US" sz="1400" dirty="0">
                 <a:latin typeface="Times New Roman" panose="02020603050405020304" pitchFamily="18" charset="0"/>
@@ -6758,6 +6268,13 @@
               </a:rPr>
               <a:t>Refunds can be issued if applicable. The system tracks payment status and generates receipts.  </a:t>
             </a:r>
+            <a:endParaRPr lang="zh-CN" altLang="en-US" sz="1400" dirty="0">
+              <a:highlight>
+                <a:srgbClr val="FFFF00"/>
+              </a:highlight>
+              <a:latin typeface="Times New Roman" panose="02020603050405020304" pitchFamily="18" charset="0"/>
+              <a:cs typeface="Times New Roman" panose="02020603050405020304" pitchFamily="18" charset="0"/>
+            </a:endParaRPr>
           </a:p>
           <a:p>
             <a:endParaRPr lang="zh-CN" altLang="en-US" sz="1400" dirty="0">
@@ -6819,24 +6336,22 @@
               </a:rPr>
               <a:t>and monitoring reservations and active rentals. The system ensures efficient tracking of vehicle availability and customer transactions.  </a:t>
             </a:r>
-          </a:p>
-          <a:p>
             <a:endParaRPr lang="zh-CN" altLang="en-US" sz="1400" dirty="0">
               <a:latin typeface="Times New Roman" panose="02020603050405020304" pitchFamily="18" charset="0"/>
               <a:cs typeface="Times New Roman" panose="02020603050405020304" pitchFamily="18" charset="0"/>
             </a:endParaRPr>
           </a:p>
-        </p:txBody>
-      </p:sp>
-      <p:sp>
-        <p:nvSpPr>
-          <p:cNvPr id="2" name="文本框 1">
-            <a:extLst>
-              <a:ext uri="{FF2B5EF4-FFF2-40B4-BE49-F238E27FC236}">
-                <a16:creationId xmlns:a16="http://schemas.microsoft.com/office/drawing/2014/main" id="{1A35FEC4-B3AE-FEE2-7F9A-74EDAABF3B2E}"/>
-              </a:ext>
-            </a:extLst>
-          </p:cNvPr>
+          <a:p>
+            <a:endParaRPr lang="zh-CN" altLang="en-US" sz="1400" dirty="0">
+              <a:latin typeface="Times New Roman" panose="02020603050405020304" pitchFamily="18" charset="0"/>
+              <a:cs typeface="Times New Roman" panose="02020603050405020304" pitchFamily="18" charset="0"/>
+            </a:endParaRPr>
+          </a:p>
+        </p:txBody>
+      </p:sp>
+      <p:sp>
+        <p:nvSpPr>
+          <p:cNvPr id="2" name="文本框 1"/>
           <p:cNvSpPr txBox="1"/>
           <p:nvPr/>
         </p:nvSpPr>
@@ -6904,15 +6419,17 @@
               </a:rPr>
               <a:t>未体现的</a:t>
             </a:r>
+            <a:endParaRPr lang="zh-CN" altLang="en-US" dirty="0">
+              <a:highlight>
+                <a:srgbClr val="FF0000"/>
+              </a:highlight>
+              <a:latin typeface="楷体" panose="02010609060101010101" pitchFamily="49" charset="-122"/>
+              <a:ea typeface="楷体" panose="02010609060101010101" pitchFamily="49" charset="-122"/>
+            </a:endParaRPr>
           </a:p>
         </p:txBody>
       </p:sp>
     </p:spTree>
-    <p:extLst>
-      <p:ext uri="{BB962C8B-B14F-4D97-AF65-F5344CB8AC3E}">
-        <p14:creationId xmlns:p14="http://schemas.microsoft.com/office/powerpoint/2010/main" val="4018028870"/>
-      </p:ext>
-    </p:extLst>
   </p:cSld>
   <p:clrMapOvr>
     <a:masterClrMapping/>
@@ -6939,13 +6456,7 @@
       </p:grpSpPr>
       <p:sp>
         <p:nvSpPr>
-          <p:cNvPr id="6" name="文本框 5">
-            <a:extLst>
-              <a:ext uri="{FF2B5EF4-FFF2-40B4-BE49-F238E27FC236}">
-                <a16:creationId xmlns:a16="http://schemas.microsoft.com/office/drawing/2014/main" id="{FDEBE156-ACD8-C36D-80BB-F4EB912B2558}"/>
-              </a:ext>
-            </a:extLst>
-          </p:cNvPr>
+          <p:cNvPr id="6" name="文本框 5"/>
           <p:cNvSpPr txBox="1"/>
           <p:nvPr/>
         </p:nvSpPr>
@@ -6981,13 +6492,7 @@
       </p:sp>
       <p:sp>
         <p:nvSpPr>
-          <p:cNvPr id="7" name="文本框 6">
-            <a:extLst>
-              <a:ext uri="{FF2B5EF4-FFF2-40B4-BE49-F238E27FC236}">
-                <a16:creationId xmlns:a16="http://schemas.microsoft.com/office/drawing/2014/main" id="{EFBB982A-A561-BDF6-B448-90B4855E2F93}"/>
-              </a:ext>
-            </a:extLst>
-          </p:cNvPr>
+          <p:cNvPr id="7" name="文本框 6"/>
           <p:cNvSpPr txBox="1"/>
           <p:nvPr/>
         </p:nvSpPr>
@@ -7202,20 +6707,14 @@
       </p:sp>
       <p:pic>
         <p:nvPicPr>
-          <p:cNvPr id="13" name="图片 12">
-            <a:extLst>
-              <a:ext uri="{FF2B5EF4-FFF2-40B4-BE49-F238E27FC236}">
-                <a16:creationId xmlns:a16="http://schemas.microsoft.com/office/drawing/2014/main" id="{B4E07CAE-EC62-E0AF-1F87-643296D73AFD}"/>
-              </a:ext>
-            </a:extLst>
-          </p:cNvPr>
+          <p:cNvPr id="13" name="图片 12"/>
           <p:cNvPicPr>
             <a:picLocks noChangeAspect="1"/>
           </p:cNvPicPr>
           <p:nvPr/>
         </p:nvPicPr>
         <p:blipFill>
-          <a:blip r:embed="rId2"/>
+          <a:blip r:embed="rId1"/>
           <a:stretch>
             <a:fillRect/>
           </a:stretch>
@@ -7232,13 +6731,7 @@
       </p:pic>
       <p:sp>
         <p:nvSpPr>
-          <p:cNvPr id="14" name="矩形 13">
-            <a:extLst>
-              <a:ext uri="{FF2B5EF4-FFF2-40B4-BE49-F238E27FC236}">
-                <a16:creationId xmlns:a16="http://schemas.microsoft.com/office/drawing/2014/main" id="{164B0713-8999-896C-EB34-13BEC4412049}"/>
-              </a:ext>
-            </a:extLst>
-          </p:cNvPr>
+          <p:cNvPr id="14" name="矩形 13"/>
           <p:cNvSpPr/>
           <p:nvPr/>
         </p:nvSpPr>
@@ -7284,13 +6777,7 @@
       </p:sp>
       <p:sp>
         <p:nvSpPr>
-          <p:cNvPr id="15" name="矩形 14">
-            <a:extLst>
-              <a:ext uri="{FF2B5EF4-FFF2-40B4-BE49-F238E27FC236}">
-                <a16:creationId xmlns:a16="http://schemas.microsoft.com/office/drawing/2014/main" id="{9897597C-F179-5B67-D072-A5CC807C020B}"/>
-              </a:ext>
-            </a:extLst>
-          </p:cNvPr>
+          <p:cNvPr id="15" name="矩形 14"/>
           <p:cNvSpPr/>
           <p:nvPr/>
         </p:nvSpPr>
@@ -7336,13 +6823,7 @@
       </p:sp>
       <p:sp>
         <p:nvSpPr>
-          <p:cNvPr id="17" name="文本框 16">
-            <a:extLst>
-              <a:ext uri="{FF2B5EF4-FFF2-40B4-BE49-F238E27FC236}">
-                <a16:creationId xmlns:a16="http://schemas.microsoft.com/office/drawing/2014/main" id="{A3EC0612-3EE1-6488-7789-7B9296AB8698}"/>
-              </a:ext>
-            </a:extLst>
-          </p:cNvPr>
+          <p:cNvPr id="17" name="文本框 16"/>
           <p:cNvSpPr txBox="1"/>
           <p:nvPr/>
         </p:nvSpPr>
@@ -7403,14 +6884,18 @@
               </a:rPr>
               <a:t>.</a:t>
             </a:r>
-          </a:p>
-          <a:p>
             <a:endParaRPr lang="zh-CN" altLang="en-US" sz="1400" dirty="0">
               <a:latin typeface="Times New Roman" panose="02020603050405020304" pitchFamily="18" charset="0"/>
               <a:cs typeface="Times New Roman" panose="02020603050405020304" pitchFamily="18" charset="0"/>
             </a:endParaRPr>
           </a:p>
           <a:p>
+            <a:endParaRPr lang="zh-CN" altLang="en-US" sz="1400" dirty="0">
+              <a:latin typeface="Times New Roman" panose="02020603050405020304" pitchFamily="18" charset="0"/>
+              <a:cs typeface="Times New Roman" panose="02020603050405020304" pitchFamily="18" charset="0"/>
+            </a:endParaRPr>
+          </a:p>
+          <a:p>
             <a:r>
               <a:rPr lang="zh-CN" altLang="en-US" sz="1400" dirty="0">
                 <a:latin typeface="Times New Roman" panose="02020603050405020304" pitchFamily="18" charset="0"/>
@@ -7479,9 +6964,16 @@
               </a:rPr>
               <a:t>approve vendors, assign stalls, update schedules, generate reports, and calculate fees.</a:t>
             </a:r>
-          </a:p>
-          <a:p>
             <a:endParaRPr lang="zh-CN" altLang="en-US" sz="1400" dirty="0">
+              <a:highlight>
+                <a:srgbClr val="FFFF00"/>
+              </a:highlight>
+              <a:latin typeface="Times New Roman" panose="02020603050405020304" pitchFamily="18" charset="0"/>
+              <a:cs typeface="Times New Roman" panose="02020603050405020304" pitchFamily="18" charset="0"/>
+            </a:endParaRPr>
+          </a:p>
+          <a:p>
+            <a:endParaRPr lang="zh-CN" altLang="en-US" sz="1400" dirty="0">
               <a:latin typeface="Times New Roman" panose="02020603050405020304" pitchFamily="18" charset="0"/>
               <a:cs typeface="Times New Roman" panose="02020603050405020304" pitchFamily="18" charset="0"/>
             </a:endParaRPr>
@@ -7579,14 +7071,18 @@
               </a:rPr>
               <a:t>.</a:t>
             </a:r>
-          </a:p>
-          <a:p>
             <a:endParaRPr lang="zh-CN" altLang="en-US" sz="1400" dirty="0">
               <a:latin typeface="Times New Roman" panose="02020603050405020304" pitchFamily="18" charset="0"/>
               <a:cs typeface="Times New Roman" panose="02020603050405020304" pitchFamily="18" charset="0"/>
             </a:endParaRPr>
           </a:p>
           <a:p>
+            <a:endParaRPr lang="zh-CN" altLang="en-US" sz="1400" dirty="0">
+              <a:latin typeface="Times New Roman" panose="02020603050405020304" pitchFamily="18" charset="0"/>
+              <a:cs typeface="Times New Roman" panose="02020603050405020304" pitchFamily="18" charset="0"/>
+            </a:endParaRPr>
+          </a:p>
+          <a:p>
             <a:r>
               <a:rPr lang="zh-CN" altLang="en-US" sz="1400" dirty="0">
                 <a:latin typeface="Times New Roman" panose="02020603050405020304" pitchFamily="18" charset="0"/>
@@ -7621,18 +7117,19 @@
               </a:rPr>
               <a:t>The system supports payment processing, refunds, discounts, receipt generation, and transaction voiding.</a:t>
             </a:r>
-          </a:p>
-        </p:txBody>
-      </p:sp>
-      <p:sp>
-        <p:nvSpPr>
-          <p:cNvPr id="2" name="文本框 1">
-            <a:extLst>
-              <a:ext uri="{FF2B5EF4-FFF2-40B4-BE49-F238E27FC236}">
-                <a16:creationId xmlns:a16="http://schemas.microsoft.com/office/drawing/2014/main" id="{220B7227-BBF9-2A91-C9E7-076F4A51C54A}"/>
-              </a:ext>
-            </a:extLst>
-          </p:cNvPr>
+            <a:endParaRPr lang="zh-CN" altLang="en-US" sz="1400" dirty="0">
+              <a:highlight>
+                <a:srgbClr val="FFFF00"/>
+              </a:highlight>
+              <a:latin typeface="Times New Roman" panose="02020603050405020304" pitchFamily="18" charset="0"/>
+              <a:cs typeface="Times New Roman" panose="02020603050405020304" pitchFamily="18" charset="0"/>
+            </a:endParaRPr>
+          </a:p>
+        </p:txBody>
+      </p:sp>
+      <p:sp>
+        <p:nvSpPr>
+          <p:cNvPr id="2" name="文本框 1"/>
           <p:cNvSpPr txBox="1"/>
           <p:nvPr/>
         </p:nvSpPr>
@@ -7700,15 +7197,17 @@
               </a:rPr>
               <a:t>未体现的</a:t>
             </a:r>
+            <a:endParaRPr lang="zh-CN" altLang="en-US" dirty="0">
+              <a:highlight>
+                <a:srgbClr val="FF0000"/>
+              </a:highlight>
+              <a:latin typeface="楷体" panose="02010609060101010101" pitchFamily="49" charset="-122"/>
+              <a:ea typeface="楷体" panose="02010609060101010101" pitchFamily="49" charset="-122"/>
+            </a:endParaRPr>
           </a:p>
         </p:txBody>
       </p:sp>
     </p:spTree>
-    <p:extLst>
-      <p:ext uri="{BB962C8B-B14F-4D97-AF65-F5344CB8AC3E}">
-        <p14:creationId xmlns:p14="http://schemas.microsoft.com/office/powerpoint/2010/main" val="2342919513"/>
-      </p:ext>
-    </p:extLst>
   </p:cSld>
   <p:clrMapOvr>
     <a:masterClrMapping/>
@@ -7735,13 +7234,7 @@
       </p:grpSpPr>
       <p:sp>
         <p:nvSpPr>
-          <p:cNvPr id="6" name="文本框 5">
-            <a:extLst>
-              <a:ext uri="{FF2B5EF4-FFF2-40B4-BE49-F238E27FC236}">
-                <a16:creationId xmlns:a16="http://schemas.microsoft.com/office/drawing/2014/main" id="{082DA9C5-56AA-649F-B888-839073F1B090}"/>
-              </a:ext>
-            </a:extLst>
-          </p:cNvPr>
+          <p:cNvPr id="6" name="文本框 5"/>
           <p:cNvSpPr txBox="1"/>
           <p:nvPr/>
         </p:nvSpPr>
@@ -7906,13 +7399,7 @@
       </p:sp>
       <p:sp>
         <p:nvSpPr>
-          <p:cNvPr id="7" name="文本框 6">
-            <a:extLst>
-              <a:ext uri="{FF2B5EF4-FFF2-40B4-BE49-F238E27FC236}">
-                <a16:creationId xmlns:a16="http://schemas.microsoft.com/office/drawing/2014/main" id="{AC84FFEE-F16C-D834-AEC2-0C15BCCA7E7E}"/>
-              </a:ext>
-            </a:extLst>
-          </p:cNvPr>
+          <p:cNvPr id="7" name="文本框 6"/>
           <p:cNvSpPr txBox="1"/>
           <p:nvPr/>
         </p:nvSpPr>
@@ -7948,20 +7435,14 @@
       </p:sp>
       <p:pic>
         <p:nvPicPr>
-          <p:cNvPr id="11" name="图片 10">
-            <a:extLst>
-              <a:ext uri="{FF2B5EF4-FFF2-40B4-BE49-F238E27FC236}">
-                <a16:creationId xmlns:a16="http://schemas.microsoft.com/office/drawing/2014/main" id="{1A0599F8-85D1-71C2-E31B-0B6D0F55E4E5}"/>
-              </a:ext>
-            </a:extLst>
-          </p:cNvPr>
+          <p:cNvPr id="11" name="图片 10"/>
           <p:cNvPicPr>
             <a:picLocks noChangeAspect="1"/>
           </p:cNvPicPr>
           <p:nvPr/>
         </p:nvPicPr>
         <p:blipFill>
-          <a:blip r:embed="rId2"/>
+          <a:blip r:embed="rId1"/>
           <a:stretch>
             <a:fillRect/>
           </a:stretch>
@@ -7978,13 +7459,7 @@
       </p:pic>
       <p:sp>
         <p:nvSpPr>
-          <p:cNvPr id="12" name="矩形 11">
-            <a:extLst>
-              <a:ext uri="{FF2B5EF4-FFF2-40B4-BE49-F238E27FC236}">
-                <a16:creationId xmlns:a16="http://schemas.microsoft.com/office/drawing/2014/main" id="{592D785B-03FA-F6E9-1321-92760E279641}"/>
-              </a:ext>
-            </a:extLst>
-          </p:cNvPr>
+          <p:cNvPr id="12" name="矩形 11"/>
           <p:cNvSpPr/>
           <p:nvPr/>
         </p:nvSpPr>
@@ -8030,13 +7505,7 @@
       </p:sp>
       <p:sp>
         <p:nvSpPr>
-          <p:cNvPr id="13" name="矩形 12">
-            <a:extLst>
-              <a:ext uri="{FF2B5EF4-FFF2-40B4-BE49-F238E27FC236}">
-                <a16:creationId xmlns:a16="http://schemas.microsoft.com/office/drawing/2014/main" id="{82208D13-5A22-CB33-5FD1-540641F959CD}"/>
-              </a:ext>
-            </a:extLst>
-          </p:cNvPr>
+          <p:cNvPr id="13" name="矩形 12"/>
           <p:cNvSpPr/>
           <p:nvPr/>
         </p:nvSpPr>
@@ -8082,13 +7551,7 @@
       </p:sp>
       <p:sp>
         <p:nvSpPr>
-          <p:cNvPr id="15" name="文本框 14">
-            <a:extLst>
-              <a:ext uri="{FF2B5EF4-FFF2-40B4-BE49-F238E27FC236}">
-                <a16:creationId xmlns:a16="http://schemas.microsoft.com/office/drawing/2014/main" id="{964DE08B-6924-A2AF-5DB0-E886C483651B}"/>
-              </a:ext>
-            </a:extLst>
-          </p:cNvPr>
+          <p:cNvPr id="15" name="文本框 14"/>
           <p:cNvSpPr txBox="1"/>
           <p:nvPr/>
         </p:nvSpPr>
@@ -8234,14 +7697,18 @@
               </a:rPr>
               <a:t>class.  </a:t>
             </a:r>
-          </a:p>
-          <a:p>
             <a:endParaRPr lang="zh-CN" altLang="en-US" sz="1400" dirty="0">
               <a:latin typeface="Times New Roman" panose="02020603050405020304" pitchFamily="18" charset="0"/>
               <a:cs typeface="Times New Roman" panose="02020603050405020304" pitchFamily="18" charset="0"/>
             </a:endParaRPr>
           </a:p>
           <a:p>
+            <a:endParaRPr lang="zh-CN" altLang="en-US" sz="1400" dirty="0">
+              <a:latin typeface="Times New Roman" panose="02020603050405020304" pitchFamily="18" charset="0"/>
+              <a:cs typeface="Times New Roman" panose="02020603050405020304" pitchFamily="18" charset="0"/>
+            </a:endParaRPr>
+          </a:p>
+          <a:p>
             <a:r>
               <a:rPr lang="zh-CN" altLang="en-US" sz="1400" dirty="0">
                 <a:latin typeface="Times New Roman" panose="02020603050405020304" pitchFamily="18" charset="0"/>
@@ -8317,14 +7784,18 @@
               </a:rPr>
               <a:t> attribute and assist in patient care within their specific departments.  </a:t>
             </a:r>
-          </a:p>
-          <a:p>
             <a:endParaRPr lang="zh-CN" altLang="en-US" sz="1400" dirty="0">
               <a:latin typeface="Times New Roman" panose="02020603050405020304" pitchFamily="18" charset="0"/>
               <a:cs typeface="Times New Roman" panose="02020603050405020304" pitchFamily="18" charset="0"/>
             </a:endParaRPr>
           </a:p>
           <a:p>
+            <a:endParaRPr lang="zh-CN" altLang="en-US" sz="1400" dirty="0">
+              <a:latin typeface="Times New Roman" panose="02020603050405020304" pitchFamily="18" charset="0"/>
+              <a:cs typeface="Times New Roman" panose="02020603050405020304" pitchFamily="18" charset="0"/>
+            </a:endParaRPr>
+          </a:p>
+          <a:p>
             <a:r>
               <a:rPr lang="zh-CN" altLang="en-US" sz="1400" dirty="0">
                 <a:latin typeface="Times New Roman" panose="02020603050405020304" pitchFamily="18" charset="0"/>
@@ -8383,14 +7854,18 @@
               </a:rPr>
               <a:t>but are not considered staff.  </a:t>
             </a:r>
-          </a:p>
-          <a:p>
             <a:endParaRPr lang="zh-CN" altLang="en-US" sz="1400" dirty="0">
               <a:latin typeface="Times New Roman" panose="02020603050405020304" pitchFamily="18" charset="0"/>
               <a:cs typeface="Times New Roman" panose="02020603050405020304" pitchFamily="18" charset="0"/>
             </a:endParaRPr>
           </a:p>
           <a:p>
+            <a:endParaRPr lang="zh-CN" altLang="en-US" sz="1400" dirty="0">
+              <a:latin typeface="Times New Roman" panose="02020603050405020304" pitchFamily="18" charset="0"/>
+              <a:cs typeface="Times New Roman" panose="02020603050405020304" pitchFamily="18" charset="0"/>
+            </a:endParaRPr>
+          </a:p>
+          <a:p>
             <a:r>
               <a:rPr lang="zh-CN" altLang="en-US" sz="1400" dirty="0">
                 <a:latin typeface="Times New Roman" panose="02020603050405020304" pitchFamily="18" charset="0"/>
@@ -8442,9 +7917,16 @@
               </a:rPr>
               <a:t>associated with both patients and doctors.  </a:t>
             </a:r>
-          </a:p>
-          <a:p>
             <a:endParaRPr lang="zh-CN" altLang="en-US" sz="1400" dirty="0">
+              <a:highlight>
+                <a:srgbClr val="00FFFF"/>
+              </a:highlight>
+              <a:latin typeface="Times New Roman" panose="02020603050405020304" pitchFamily="18" charset="0"/>
+              <a:cs typeface="Times New Roman" panose="02020603050405020304" pitchFamily="18" charset="0"/>
+            </a:endParaRPr>
+          </a:p>
+          <a:p>
+            <a:endParaRPr lang="zh-CN" altLang="en-US" sz="1400" dirty="0">
               <a:latin typeface="Times New Roman" panose="02020603050405020304" pitchFamily="18" charset="0"/>
               <a:cs typeface="Times New Roman" panose="02020603050405020304" pitchFamily="18" charset="0"/>
             </a:endParaRPr>
@@ -8457,18 +7939,16 @@
               </a:rPr>
               <a:t>The system ensures efficient coordination between patients, doctors, and nurses while maintaining accurate medical and administrative records through these defined relationships and functionalities.</a:t>
             </a:r>
-          </a:p>
-        </p:txBody>
-      </p:sp>
-      <p:sp>
-        <p:nvSpPr>
-          <p:cNvPr id="2" name="文本框 1">
-            <a:extLst>
-              <a:ext uri="{FF2B5EF4-FFF2-40B4-BE49-F238E27FC236}">
-                <a16:creationId xmlns:a16="http://schemas.microsoft.com/office/drawing/2014/main" id="{E365E6FE-6EBF-F165-7C2A-E33EDBAB2AA2}"/>
-              </a:ext>
-            </a:extLst>
-          </p:cNvPr>
+            <a:endParaRPr lang="zh-CN" altLang="en-US" sz="1400" dirty="0">
+              <a:latin typeface="Times New Roman" panose="02020603050405020304" pitchFamily="18" charset="0"/>
+              <a:cs typeface="Times New Roman" panose="02020603050405020304" pitchFamily="18" charset="0"/>
+            </a:endParaRPr>
+          </a:p>
+        </p:txBody>
+      </p:sp>
+      <p:sp>
+        <p:nvSpPr>
+          <p:cNvPr id="2" name="文本框 1"/>
           <p:cNvSpPr txBox="1"/>
           <p:nvPr/>
         </p:nvSpPr>
@@ -8536,15 +8016,17 @@
               </a:rPr>
               <a:t>未体现的</a:t>
             </a:r>
+            <a:endParaRPr lang="zh-CN" altLang="en-US" dirty="0">
+              <a:highlight>
+                <a:srgbClr val="FF0000"/>
+              </a:highlight>
+              <a:latin typeface="楷体" panose="02010609060101010101" pitchFamily="49" charset="-122"/>
+              <a:ea typeface="楷体" panose="02010609060101010101" pitchFamily="49" charset="-122"/>
+            </a:endParaRPr>
           </a:p>
         </p:txBody>
       </p:sp>
     </p:spTree>
-    <p:extLst>
-      <p:ext uri="{BB962C8B-B14F-4D97-AF65-F5344CB8AC3E}">
-        <p14:creationId xmlns:p14="http://schemas.microsoft.com/office/powerpoint/2010/main" val="1546970307"/>
-      </p:ext>
-    </p:extLst>
   </p:cSld>
   <p:clrMapOvr>
     <a:masterClrMapping/>
@@ -8571,20 +8053,14 @@
       </p:grpSpPr>
       <p:pic>
         <p:nvPicPr>
-          <p:cNvPr id="5" name="图片 4">
-            <a:extLst>
-              <a:ext uri="{FF2B5EF4-FFF2-40B4-BE49-F238E27FC236}">
-                <a16:creationId xmlns:a16="http://schemas.microsoft.com/office/drawing/2014/main" id="{6CB96583-8CB3-C229-D558-1336EB0E3014}"/>
-              </a:ext>
-            </a:extLst>
-          </p:cNvPr>
+          <p:cNvPr id="5" name="图片 4"/>
           <p:cNvPicPr>
             <a:picLocks noChangeAspect="1"/>
           </p:cNvPicPr>
           <p:nvPr/>
         </p:nvPicPr>
         <p:blipFill>
-          <a:blip r:embed="rId2"/>
+          <a:blip r:embed="rId1"/>
           <a:stretch>
             <a:fillRect/>
           </a:stretch>
@@ -8601,13 +8077,7 @@
       </p:pic>
       <p:sp>
         <p:nvSpPr>
-          <p:cNvPr id="6" name="文本框 5">
-            <a:extLst>
-              <a:ext uri="{FF2B5EF4-FFF2-40B4-BE49-F238E27FC236}">
-                <a16:creationId xmlns:a16="http://schemas.microsoft.com/office/drawing/2014/main" id="{F2156B25-C556-6B66-275D-CC8ED6221155}"/>
-              </a:ext>
-            </a:extLst>
-          </p:cNvPr>
+          <p:cNvPr id="6" name="文本框 5"/>
           <p:cNvSpPr txBox="1"/>
           <p:nvPr/>
         </p:nvSpPr>
@@ -8643,13 +8113,7 @@
       </p:sp>
       <p:sp>
         <p:nvSpPr>
-          <p:cNvPr id="7" name="文本框 6">
-            <a:extLst>
-              <a:ext uri="{FF2B5EF4-FFF2-40B4-BE49-F238E27FC236}">
-                <a16:creationId xmlns:a16="http://schemas.microsoft.com/office/drawing/2014/main" id="{39FBB6D6-D147-9CB9-E22A-E184C90ABE54}"/>
-              </a:ext>
-            </a:extLst>
-          </p:cNvPr>
+          <p:cNvPr id="7" name="文本框 6"/>
           <p:cNvSpPr txBox="1"/>
           <p:nvPr/>
         </p:nvSpPr>
@@ -8835,13 +8299,7 @@
       </p:sp>
       <p:sp>
         <p:nvSpPr>
-          <p:cNvPr id="8" name="矩形 7">
-            <a:extLst>
-              <a:ext uri="{FF2B5EF4-FFF2-40B4-BE49-F238E27FC236}">
-                <a16:creationId xmlns:a16="http://schemas.microsoft.com/office/drawing/2014/main" id="{4300E6E2-A752-9C96-FE62-23F92EDD3E85}"/>
-              </a:ext>
-            </a:extLst>
-          </p:cNvPr>
+          <p:cNvPr id="8" name="矩形 7"/>
           <p:cNvSpPr/>
           <p:nvPr/>
         </p:nvSpPr>
@@ -8887,13 +8345,7 @@
       </p:sp>
       <p:sp>
         <p:nvSpPr>
-          <p:cNvPr id="9" name="矩形 8">
-            <a:extLst>
-              <a:ext uri="{FF2B5EF4-FFF2-40B4-BE49-F238E27FC236}">
-                <a16:creationId xmlns:a16="http://schemas.microsoft.com/office/drawing/2014/main" id="{54A2D02A-38AA-F7D5-C68B-5C15221B631C}"/>
-              </a:ext>
-            </a:extLst>
-          </p:cNvPr>
+          <p:cNvPr id="9" name="矩形 8"/>
           <p:cNvSpPr/>
           <p:nvPr/>
         </p:nvSpPr>
@@ -8939,13 +8391,7 @@
       </p:sp>
       <p:sp>
         <p:nvSpPr>
-          <p:cNvPr id="10" name="矩形 9">
-            <a:extLst>
-              <a:ext uri="{FF2B5EF4-FFF2-40B4-BE49-F238E27FC236}">
-                <a16:creationId xmlns:a16="http://schemas.microsoft.com/office/drawing/2014/main" id="{0F7648C6-BECF-5698-6ECF-2AA4D33DAD3A}"/>
-              </a:ext>
-            </a:extLst>
-          </p:cNvPr>
+          <p:cNvPr id="10" name="矩形 9"/>
           <p:cNvSpPr/>
           <p:nvPr/>
         </p:nvSpPr>
@@ -8991,13 +8437,7 @@
       </p:sp>
       <p:sp>
         <p:nvSpPr>
-          <p:cNvPr id="11" name="矩形 10">
-            <a:extLst>
-              <a:ext uri="{FF2B5EF4-FFF2-40B4-BE49-F238E27FC236}">
-                <a16:creationId xmlns:a16="http://schemas.microsoft.com/office/drawing/2014/main" id="{74C9BBEA-B225-DE81-5E58-1E189CBB5D4A}"/>
-              </a:ext>
-            </a:extLst>
-          </p:cNvPr>
+          <p:cNvPr id="11" name="矩形 10"/>
           <p:cNvSpPr/>
           <p:nvPr/>
         </p:nvSpPr>
@@ -9043,13 +8483,7 @@
       </p:sp>
       <p:sp>
         <p:nvSpPr>
-          <p:cNvPr id="13" name="文本框 12">
-            <a:extLst>
-              <a:ext uri="{FF2B5EF4-FFF2-40B4-BE49-F238E27FC236}">
-                <a16:creationId xmlns:a16="http://schemas.microsoft.com/office/drawing/2014/main" id="{021D462B-0FA0-4E6A-DE43-89F3D319C8B2}"/>
-              </a:ext>
-            </a:extLst>
-          </p:cNvPr>
+          <p:cNvPr id="13" name="文本框 12"/>
           <p:cNvSpPr txBox="1"/>
           <p:nvPr/>
         </p:nvSpPr>
@@ -9076,14 +8510,18 @@
               </a:rPr>
               <a:t>The smart parking system helps drivers efficiently find and reserve available parking spaces in a parking lot. The system tracks parking space occupancy in real-time using sensors, calculates parking fees, and processes payments.  </a:t>
             </a:r>
-          </a:p>
-          <a:p>
             <a:endParaRPr lang="zh-CN" altLang="en-US" sz="1400" dirty="0">
               <a:latin typeface="Times New Roman" panose="02020603050405020304" pitchFamily="18" charset="0"/>
               <a:cs typeface="Times New Roman" panose="02020603050405020304" pitchFamily="18" charset="0"/>
             </a:endParaRPr>
           </a:p>
           <a:p>
+            <a:endParaRPr lang="zh-CN" altLang="en-US" sz="1400" dirty="0">
+              <a:latin typeface="Times New Roman" panose="02020603050405020304" pitchFamily="18" charset="0"/>
+              <a:cs typeface="Times New Roman" panose="02020603050405020304" pitchFamily="18" charset="0"/>
+            </a:endParaRPr>
+          </a:p>
+          <a:p>
             <a:r>
               <a:rPr lang="zh-CN" altLang="en-US" sz="1400" dirty="0">
                 <a:latin typeface="Times New Roman" panose="02020603050405020304" pitchFamily="18" charset="0"/>
@@ -9176,14 +8614,18 @@
               </a:rPr>
               <a:t>`) and continuously updates its status (`update()`).  </a:t>
             </a:r>
-          </a:p>
-          <a:p>
             <a:endParaRPr lang="zh-CN" altLang="en-US" sz="1400" dirty="0">
               <a:latin typeface="Times New Roman" panose="02020603050405020304" pitchFamily="18" charset="0"/>
               <a:cs typeface="Times New Roman" panose="02020603050405020304" pitchFamily="18" charset="0"/>
             </a:endParaRPr>
           </a:p>
           <a:p>
+            <a:endParaRPr lang="zh-CN" altLang="en-US" sz="1400" dirty="0">
+              <a:latin typeface="Times New Roman" panose="02020603050405020304" pitchFamily="18" charset="0"/>
+              <a:cs typeface="Times New Roman" panose="02020603050405020304" pitchFamily="18" charset="0"/>
+            </a:endParaRPr>
+          </a:p>
+          <a:p>
             <a:r>
               <a:rPr lang="zh-CN" altLang="en-US" sz="1400" dirty="0">
                 <a:latin typeface="Times New Roman" panose="02020603050405020304" pitchFamily="18" charset="0"/>
@@ -9259,14 +8701,18 @@
               </a:rPr>
               <a:t>`) based on duration when requested.  </a:t>
             </a:r>
-          </a:p>
-          <a:p>
             <a:endParaRPr lang="zh-CN" altLang="en-US" sz="1400" dirty="0">
               <a:latin typeface="Times New Roman" panose="02020603050405020304" pitchFamily="18" charset="0"/>
               <a:cs typeface="Times New Roman" panose="02020603050405020304" pitchFamily="18" charset="0"/>
             </a:endParaRPr>
           </a:p>
           <a:p>
+            <a:endParaRPr lang="zh-CN" altLang="en-US" sz="1400" dirty="0">
+              <a:latin typeface="Times New Roman" panose="02020603050405020304" pitchFamily="18" charset="0"/>
+              <a:cs typeface="Times New Roman" panose="02020603050405020304" pitchFamily="18" charset="0"/>
+            </a:endParaRPr>
+          </a:p>
+          <a:p>
             <a:r>
               <a:rPr lang="zh-CN" altLang="en-US" sz="1400" dirty="0">
                 <a:latin typeface="Times New Roman" panose="02020603050405020304" pitchFamily="18" charset="0"/>
@@ -9376,14 +8822,18 @@
               </a:rPr>
               <a:t>).  </a:t>
             </a:r>
-          </a:p>
-          <a:p>
             <a:endParaRPr lang="zh-CN" altLang="en-US" sz="1400" dirty="0">
               <a:latin typeface="Times New Roman" panose="02020603050405020304" pitchFamily="18" charset="0"/>
               <a:cs typeface="Times New Roman" panose="02020603050405020304" pitchFamily="18" charset="0"/>
             </a:endParaRPr>
           </a:p>
           <a:p>
+            <a:endParaRPr lang="zh-CN" altLang="en-US" sz="1400" dirty="0">
+              <a:latin typeface="Times New Roman" panose="02020603050405020304" pitchFamily="18" charset="0"/>
+              <a:cs typeface="Times New Roman" panose="02020603050405020304" pitchFamily="18" charset="0"/>
+            </a:endParaRPr>
+          </a:p>
+          <a:p>
             <a:r>
               <a:rPr lang="zh-CN" altLang="en-US" sz="1400" dirty="0">
                 <a:latin typeface="Times New Roman" panose="02020603050405020304" pitchFamily="18" charset="0"/>
@@ -9391,15 +8841,14 @@
               </a:rPr>
               <a:t>The system ensures efficient parking management by providing real-time status updates, fee calculation, and seamless payment processing. Drivers can reserve spaces, check availability, and pay for parking without manual intervention.  </a:t>
             </a:r>
+            <a:endParaRPr lang="zh-CN" altLang="en-US" sz="1400" dirty="0">
+              <a:latin typeface="Times New Roman" panose="02020603050405020304" pitchFamily="18" charset="0"/>
+              <a:cs typeface="Times New Roman" panose="02020603050405020304" pitchFamily="18" charset="0"/>
+            </a:endParaRPr>
           </a:p>
         </p:txBody>
       </p:sp>
     </p:spTree>
-    <p:extLst>
-      <p:ext uri="{BB962C8B-B14F-4D97-AF65-F5344CB8AC3E}">
-        <p14:creationId xmlns:p14="http://schemas.microsoft.com/office/powerpoint/2010/main" val="28025098"/>
-      </p:ext>
-    </p:extLst>
   </p:cSld>
   <p:clrMapOvr>
     <a:masterClrMapping/>
@@ -9426,20 +8875,14 @@
       </p:grpSpPr>
       <p:pic>
         <p:nvPicPr>
-          <p:cNvPr id="11" name="图片 10">
-            <a:extLst>
-              <a:ext uri="{FF2B5EF4-FFF2-40B4-BE49-F238E27FC236}">
-                <a16:creationId xmlns:a16="http://schemas.microsoft.com/office/drawing/2014/main" id="{8460C342-F909-B311-874B-FD219DA647B6}"/>
-              </a:ext>
-            </a:extLst>
-          </p:cNvPr>
+          <p:cNvPr id="11" name="图片 10"/>
           <p:cNvPicPr>
             <a:picLocks noChangeAspect="1"/>
           </p:cNvPicPr>
           <p:nvPr/>
         </p:nvPicPr>
         <p:blipFill>
-          <a:blip r:embed="rId2"/>
+          <a:blip r:embed="rId1"/>
           <a:stretch>
             <a:fillRect/>
           </a:stretch>
@@ -9456,13 +8899,7 @@
       </p:pic>
       <p:sp>
         <p:nvSpPr>
-          <p:cNvPr id="12" name="文本框 11">
-            <a:extLst>
-              <a:ext uri="{FF2B5EF4-FFF2-40B4-BE49-F238E27FC236}">
-                <a16:creationId xmlns:a16="http://schemas.microsoft.com/office/drawing/2014/main" id="{01B4A486-59B6-2B2B-DDE8-C084D6C4AD24}"/>
-              </a:ext>
-            </a:extLst>
-          </p:cNvPr>
+          <p:cNvPr id="12" name="文本框 11"/>
           <p:cNvSpPr txBox="1"/>
           <p:nvPr/>
         </p:nvSpPr>
@@ -9498,13 +8935,7 @@
       </p:sp>
       <p:sp>
         <p:nvSpPr>
-          <p:cNvPr id="13" name="文本框 12">
-            <a:extLst>
-              <a:ext uri="{FF2B5EF4-FFF2-40B4-BE49-F238E27FC236}">
-                <a16:creationId xmlns:a16="http://schemas.microsoft.com/office/drawing/2014/main" id="{48114BBE-582D-C0CC-5428-63B01ECEF677}"/>
-              </a:ext>
-            </a:extLst>
-          </p:cNvPr>
+          <p:cNvPr id="13" name="文本框 12"/>
           <p:cNvSpPr txBox="1"/>
           <p:nvPr/>
         </p:nvSpPr>
@@ -9719,13 +9150,7 @@
       </p:sp>
       <p:sp>
         <p:nvSpPr>
-          <p:cNvPr id="16" name="矩形 15">
-            <a:extLst>
-              <a:ext uri="{FF2B5EF4-FFF2-40B4-BE49-F238E27FC236}">
-                <a16:creationId xmlns:a16="http://schemas.microsoft.com/office/drawing/2014/main" id="{22DC27FC-C1AB-ABBC-44C1-EC6D990F94DE}"/>
-              </a:ext>
-            </a:extLst>
-          </p:cNvPr>
+          <p:cNvPr id="16" name="矩形 15"/>
           <p:cNvSpPr/>
           <p:nvPr/>
         </p:nvSpPr>
@@ -9771,13 +9196,7 @@
       </p:sp>
       <p:sp>
         <p:nvSpPr>
-          <p:cNvPr id="17" name="矩形 16">
-            <a:extLst>
-              <a:ext uri="{FF2B5EF4-FFF2-40B4-BE49-F238E27FC236}">
-                <a16:creationId xmlns:a16="http://schemas.microsoft.com/office/drawing/2014/main" id="{694B6C3B-38C2-9295-3B15-6C5EA4628618}"/>
-              </a:ext>
-            </a:extLst>
-          </p:cNvPr>
+          <p:cNvPr id="17" name="矩形 16"/>
           <p:cNvSpPr/>
           <p:nvPr/>
         </p:nvSpPr>
@@ -9823,13 +9242,7 @@
       </p:sp>
       <p:sp>
         <p:nvSpPr>
-          <p:cNvPr id="18" name="矩形 17">
-            <a:extLst>
-              <a:ext uri="{FF2B5EF4-FFF2-40B4-BE49-F238E27FC236}">
-                <a16:creationId xmlns:a16="http://schemas.microsoft.com/office/drawing/2014/main" id="{CABCFFB7-4D1E-5A75-FD11-AAA44FE59251}"/>
-              </a:ext>
-            </a:extLst>
-          </p:cNvPr>
+          <p:cNvPr id="18" name="矩形 17"/>
           <p:cNvSpPr/>
           <p:nvPr/>
         </p:nvSpPr>
@@ -9875,13 +9288,7 @@
       </p:sp>
       <p:sp>
         <p:nvSpPr>
-          <p:cNvPr id="20" name="文本框 19">
-            <a:extLst>
-              <a:ext uri="{FF2B5EF4-FFF2-40B4-BE49-F238E27FC236}">
-                <a16:creationId xmlns:a16="http://schemas.microsoft.com/office/drawing/2014/main" id="{5A3F281D-89E4-8167-15D3-C8BD8921395F}"/>
-              </a:ext>
-            </a:extLst>
-          </p:cNvPr>
+          <p:cNvPr id="20" name="文本框 19"/>
           <p:cNvSpPr txBox="1"/>
           <p:nvPr/>
         </p:nvSpPr>
@@ -9908,14 +9315,18 @@
               </a:rPr>
               <a:t>The online learning platform facilitates course creation, management, and student engagement for educational institutions or individual instructors. </a:t>
             </a:r>
-          </a:p>
-          <a:p>
             <a:endParaRPr lang="zh-CN" altLang="en-US" sz="1400" dirty="0">
               <a:latin typeface="Times New Roman" panose="02020603050405020304" pitchFamily="18" charset="0"/>
               <a:cs typeface="Times New Roman" panose="02020603050405020304" pitchFamily="18" charset="0"/>
             </a:endParaRPr>
           </a:p>
           <a:p>
+            <a:endParaRPr lang="zh-CN" altLang="en-US" sz="1400" dirty="0">
+              <a:latin typeface="Times New Roman" panose="02020603050405020304" pitchFamily="18" charset="0"/>
+              <a:cs typeface="Times New Roman" panose="02020603050405020304" pitchFamily="18" charset="0"/>
+            </a:endParaRPr>
+          </a:p>
+          <a:p>
             <a:r>
               <a:rPr lang="zh-CN" altLang="en-US" sz="1400" dirty="0">
                 <a:highlight>
@@ -10011,9 +9422,16 @@
               </a:rPr>
               <a:t>provide specialized guest content.</a:t>
             </a:r>
-          </a:p>
-          <a:p>
             <a:endParaRPr lang="zh-CN" altLang="en-US" sz="1400" dirty="0">
+              <a:highlight>
+                <a:srgbClr val="FFFF00"/>
+              </a:highlight>
+              <a:latin typeface="Times New Roman" panose="02020603050405020304" pitchFamily="18" charset="0"/>
+              <a:cs typeface="Times New Roman" panose="02020603050405020304" pitchFamily="18" charset="0"/>
+            </a:endParaRPr>
+          </a:p>
+          <a:p>
+            <a:endParaRPr lang="zh-CN" altLang="en-US" sz="1400" dirty="0">
               <a:latin typeface="Times New Roman" panose="02020603050405020304" pitchFamily="18" charset="0"/>
               <a:cs typeface="Times New Roman" panose="02020603050405020304" pitchFamily="18" charset="0"/>
             </a:endParaRPr>
@@ -10096,6 +9514,10 @@
               </a:rPr>
               <a:t>The platform supports two types of students:</a:t>
             </a:r>
+            <a:endParaRPr lang="en-US" altLang="zh-CN" sz="1400" dirty="0">
+              <a:latin typeface="Times New Roman" panose="02020603050405020304" pitchFamily="18" charset="0"/>
+              <a:cs typeface="Times New Roman" panose="02020603050405020304" pitchFamily="18" charset="0"/>
+            </a:endParaRPr>
           </a:p>
           <a:p>
             <a:r>
@@ -10149,6 +9571,13 @@
               </a:rPr>
               <a:t>submit assignments</a:t>
             </a:r>
+            <a:endParaRPr lang="en-US" altLang="zh-CN" sz="1400" dirty="0">
+              <a:highlight>
+                <a:srgbClr val="FFFF00"/>
+              </a:highlight>
+              <a:latin typeface="Times New Roman" panose="02020603050405020304" pitchFamily="18" charset="0"/>
+              <a:cs typeface="Times New Roman" panose="02020603050405020304" pitchFamily="18" charset="0"/>
+            </a:endParaRPr>
           </a:p>
           <a:p>
             <a:r>
@@ -10212,9 +9641,16 @@
               </a:rPr>
               <a:t>access to premium content</a:t>
             </a:r>
-          </a:p>
-          <a:p>
             <a:endParaRPr lang="en-US" altLang="zh-CN" sz="1400" dirty="0">
+              <a:highlight>
+                <a:srgbClr val="FFFF00"/>
+              </a:highlight>
+              <a:latin typeface="Times New Roman" panose="02020603050405020304" pitchFamily="18" charset="0"/>
+              <a:cs typeface="Times New Roman" panose="02020603050405020304" pitchFamily="18" charset="0"/>
+            </a:endParaRPr>
+          </a:p>
+          <a:p>
+            <a:endParaRPr lang="en-US" altLang="zh-CN" sz="1400" dirty="0">
               <a:latin typeface="Times New Roman" panose="02020603050405020304" pitchFamily="18" charset="0"/>
               <a:cs typeface="Times New Roman" panose="02020603050405020304" pitchFamily="18" charset="0"/>
             </a:endParaRPr>
@@ -10227,6 +9663,10 @@
               </a:rPr>
               <a:t>The platform's structured approach through organized modules, lessons, and differentiated user roles enhances the educational experience while maintaining clear relationships between all entities as defined in the domain model.</a:t>
             </a:r>
+            <a:endParaRPr lang="en-US" altLang="zh-CN" sz="1400" dirty="0">
+              <a:latin typeface="Times New Roman" panose="02020603050405020304" pitchFamily="18" charset="0"/>
+              <a:cs typeface="Times New Roman" panose="02020603050405020304" pitchFamily="18" charset="0"/>
+            </a:endParaRPr>
           </a:p>
           <a:p>
             <a:endParaRPr lang="zh-CN" altLang="en-US" sz="1400" dirty="0">
@@ -10237,11 +9677,6 @@
         </p:txBody>
       </p:sp>
     </p:spTree>
-    <p:extLst>
-      <p:ext uri="{BB962C8B-B14F-4D97-AF65-F5344CB8AC3E}">
-        <p14:creationId xmlns:p14="http://schemas.microsoft.com/office/powerpoint/2010/main" val="3902806116"/>
-      </p:ext>
-    </p:extLst>
   </p:cSld>
   <p:clrMapOvr>
     <a:masterClrMapping/>
@@ -10268,13 +9703,7 @@
       </p:grpSpPr>
       <p:sp>
         <p:nvSpPr>
-          <p:cNvPr id="6" name="文本框 5">
-            <a:extLst>
-              <a:ext uri="{FF2B5EF4-FFF2-40B4-BE49-F238E27FC236}">
-                <a16:creationId xmlns:a16="http://schemas.microsoft.com/office/drawing/2014/main" id="{10AF55CE-417D-12CF-B6E7-8674F56A640A}"/>
-              </a:ext>
-            </a:extLst>
-          </p:cNvPr>
+          <p:cNvPr id="6" name="文本框 5"/>
           <p:cNvSpPr txBox="1"/>
           <p:nvPr/>
         </p:nvSpPr>
@@ -10310,13 +9739,7 @@
       </p:sp>
       <p:sp>
         <p:nvSpPr>
-          <p:cNvPr id="7" name="文本框 6">
-            <a:extLst>
-              <a:ext uri="{FF2B5EF4-FFF2-40B4-BE49-F238E27FC236}">
-                <a16:creationId xmlns:a16="http://schemas.microsoft.com/office/drawing/2014/main" id="{0E9651A9-8AF6-98D7-3798-624F22A89A82}"/>
-              </a:ext>
-            </a:extLst>
-          </p:cNvPr>
+          <p:cNvPr id="7" name="文本框 6"/>
           <p:cNvSpPr txBox="1"/>
           <p:nvPr/>
         </p:nvSpPr>
@@ -10404,20 +9827,14 @@
       </p:sp>
       <p:pic>
         <p:nvPicPr>
-          <p:cNvPr id="9" name="图片 8">
-            <a:extLst>
-              <a:ext uri="{FF2B5EF4-FFF2-40B4-BE49-F238E27FC236}">
-                <a16:creationId xmlns:a16="http://schemas.microsoft.com/office/drawing/2014/main" id="{86B49373-6437-A6BE-8834-8B547BAD2C91}"/>
-              </a:ext>
-            </a:extLst>
-          </p:cNvPr>
+          <p:cNvPr id="9" name="图片 8"/>
           <p:cNvPicPr>
             <a:picLocks noChangeAspect="1"/>
           </p:cNvPicPr>
           <p:nvPr/>
         </p:nvPicPr>
         <p:blipFill>
-          <a:blip r:embed="rId2"/>
+          <a:blip r:embed="rId1"/>
           <a:stretch>
             <a:fillRect/>
           </a:stretch>
@@ -10434,13 +9851,7 @@
       </p:pic>
       <p:sp>
         <p:nvSpPr>
-          <p:cNvPr id="14" name="文本框 13">
-            <a:extLst>
-              <a:ext uri="{FF2B5EF4-FFF2-40B4-BE49-F238E27FC236}">
-                <a16:creationId xmlns:a16="http://schemas.microsoft.com/office/drawing/2014/main" id="{B0F88312-C4F7-19B3-EFCC-4AD4B1040B9F}"/>
-              </a:ext>
-            </a:extLst>
-          </p:cNvPr>
+          <p:cNvPr id="14" name="文本框 13"/>
           <p:cNvSpPr txBox="1"/>
           <p:nvPr/>
         </p:nvSpPr>
@@ -10812,14 +10223,18 @@
               </a:rPr>
               <a:t>) are available to both customers and restaurants.  </a:t>
             </a:r>
-          </a:p>
-          <a:p>
             <a:endParaRPr lang="zh-CN" altLang="en-US" sz="1400" dirty="0">
               <a:latin typeface="Times New Roman" panose="02020603050405020304" pitchFamily="18" charset="0"/>
               <a:cs typeface="Times New Roman" panose="02020603050405020304" pitchFamily="18" charset="0"/>
             </a:endParaRPr>
           </a:p>
           <a:p>
+            <a:endParaRPr lang="zh-CN" altLang="en-US" sz="1400" dirty="0">
+              <a:latin typeface="Times New Roman" panose="02020603050405020304" pitchFamily="18" charset="0"/>
+              <a:cs typeface="Times New Roman" panose="02020603050405020304" pitchFamily="18" charset="0"/>
+            </a:endParaRPr>
+          </a:p>
+          <a:p>
             <a:r>
               <a:rPr lang="zh-CN" altLang="en-US" sz="1400" dirty="0">
                 <a:latin typeface="Times New Roman" panose="02020603050405020304" pitchFamily="18" charset="0"/>
@@ -10895,15 +10310,14 @@
               </a:rPr>
               <a:t>`), ensuring flexibility in service offerings.  </a:t>
             </a:r>
+            <a:endParaRPr lang="zh-CN" altLang="en-US" sz="1400" dirty="0">
+              <a:latin typeface="Times New Roman" panose="02020603050405020304" pitchFamily="18" charset="0"/>
+              <a:cs typeface="Times New Roman" panose="02020603050405020304" pitchFamily="18" charset="0"/>
+            </a:endParaRPr>
           </a:p>
         </p:txBody>
       </p:sp>
     </p:spTree>
-    <p:extLst>
-      <p:ext uri="{BB962C8B-B14F-4D97-AF65-F5344CB8AC3E}">
-        <p14:creationId xmlns:p14="http://schemas.microsoft.com/office/powerpoint/2010/main" val="2177577224"/>
-      </p:ext>
-    </p:extLst>
   </p:cSld>
   <p:clrMapOvr>
     <a:masterClrMapping/>
@@ -10954,7 +10368,7 @@
     </a:clrScheme>
     <a:fontScheme name="Office">
       <a:majorFont>
-        <a:latin typeface="等线 Light" panose="02110004020202020204"/>
+        <a:latin typeface="等线 Light"/>
         <a:ea typeface=""/>
         <a:cs typeface=""/>
         <a:font script="Jpan" typeface="游ゴシック Light"/>
@@ -10987,26 +10401,9 @@
         <a:font script="Viet" typeface="Times New Roman"/>
         <a:font script="Uigh" typeface="Microsoft Uighur"/>
         <a:font script="Geor" typeface="Sylfaen"/>
-        <a:font script="Armn" typeface="Arial"/>
-        <a:font script="Bugi" typeface="Leelawadee UI"/>
-        <a:font script="Bopo" typeface="Microsoft JhengHei"/>
-        <a:font script="Java" typeface="Javanese Text"/>
-        <a:font script="Lisu" typeface="Segoe UI"/>
-        <a:font script="Mymr" typeface="Myanmar Text"/>
-        <a:font script="Nkoo" typeface="Ebrima"/>
-        <a:font script="Olck" typeface="Nirmala UI"/>
-        <a:font script="Osma" typeface="Ebrima"/>
-        <a:font script="Phag" typeface="Phagspa"/>
-        <a:font script="Syrn" typeface="Estrangelo Edessa"/>
-        <a:font script="Syrj" typeface="Estrangelo Edessa"/>
-        <a:font script="Syre" typeface="Estrangelo Edessa"/>
-        <a:font script="Sora" typeface="Nirmala UI"/>
-        <a:font script="Tale" typeface="Microsoft Tai Le"/>
-        <a:font script="Talu" typeface="Microsoft New Tai Lue"/>
-        <a:font script="Tfng" typeface="Ebrima"/>
       </a:majorFont>
       <a:minorFont>
-        <a:latin typeface="等线" panose="02110004020202020204"/>
+        <a:latin typeface="等线"/>
         <a:ea typeface=""/>
         <a:cs typeface=""/>
         <a:font script="Jpan" typeface="游ゴシック"/>
@@ -11039,23 +10436,6 @@
         <a:font script="Viet" typeface="Arial"/>
         <a:font script="Uigh" typeface="Microsoft Uighur"/>
         <a:font script="Geor" typeface="Sylfaen"/>
-        <a:font script="Armn" typeface="Arial"/>
-        <a:font script="Bugi" typeface="Leelawadee UI"/>
-        <a:font script="Bopo" typeface="Microsoft JhengHei"/>
-        <a:font script="Java" typeface="Javanese Text"/>
-        <a:font script="Lisu" typeface="Segoe UI"/>
-        <a:font script="Mymr" typeface="Myanmar Text"/>
-        <a:font script="Nkoo" typeface="Ebrima"/>
-        <a:font script="Olck" typeface="Nirmala UI"/>
-        <a:font script="Osma" typeface="Ebrima"/>
-        <a:font script="Phag" typeface="Phagspa"/>
-        <a:font script="Syrn" typeface="Estrangelo Edessa"/>
-        <a:font script="Syrj" typeface="Estrangelo Edessa"/>
-        <a:font script="Syre" typeface="Estrangelo Edessa"/>
-        <a:font script="Sora" typeface="Nirmala UI"/>
-        <a:font script="Tale" typeface="Microsoft Tai Le"/>
-        <a:font script="Talu" typeface="Microsoft New Tai Lue"/>
-        <a:font script="Tfng" typeface="Ebrima"/>
       </a:minorFont>
     </a:fontScheme>
     <a:fmtScheme name="Office">
@@ -11217,10 +10597,9 @@
       </a:style>
     </a:lnDef>
   </a:objectDefaults>
-  <a:extraClrSchemeLst/>
   <a:extLst>
     <a:ext uri="{05A4C25C-085E-4340-85A3-A5531E510DB2}">
-      <thm15:themeFamily xmlns:thm15="http://schemas.microsoft.com/office/thememl/2012/main" name="Office Theme" id="{2E142A2C-CD16-42D6-873A-C26D2A0506FA}" vid="{1BDDFF52-6CD6-40A5-AB3C-68EB2F1E4D0A}"/>
+      <thm15:themeFamily xmlns:thm15="http://schemas.microsoft.com/office/thememl/2012/main" name="Office Theme" id="{62F939B6-93AF-4DB8-9C6B-D6C7DFDC589F}" vid="{4A3C46E8-61CC-4603-A589-7422A47A8E4A}"/>
     </a:ext>
   </a:extLst>
 </a:theme>
